--- a/EvolutionOfConversationalBanking_v1.0.pptx
+++ b/EvolutionOfConversationalBanking_v1.0.pptx
@@ -5295,20 +5295,20 @@
     </dgm:pt>
   </dgm:ptLst>
   <dgm:cxnLst>
+    <dgm:cxn modelId="{4F065E1A-A03E-438D-879A-AE4D74D29ED8}" type="presOf" srcId="{C5F51BE2-5346-43CC-B317-BCFE97745903}" destId="{C2AE3436-0951-4B60-A8B8-AE3BD664ACD3}" srcOrd="0" destOrd="0" presId="urn:microsoft.com/office/officeart/2008/layout/VerticalCurvedList"/>
+    <dgm:cxn modelId="{56BBC7F2-F68D-41A7-B9FF-EEFA309517F0}" type="presOf" srcId="{791BD71A-4DD5-430E-9493-83FEC72B5563}" destId="{31A75FEF-0C9C-4746-BC7A-458E3CD6364D}" srcOrd="0" destOrd="0" presId="urn:microsoft.com/office/officeart/2008/layout/VerticalCurvedList"/>
     <dgm:cxn modelId="{108D6419-1F41-4032-903C-13C9698146D7}" srcId="{C98292DB-0CBE-4E6C-AB3F-62040A55E41C}" destId="{5BD7FAE0-BF50-4DD8-B50B-70B6296B340D}" srcOrd="4" destOrd="0" parTransId="{DB46C0AC-75C9-4F13-AD63-B993DCB77C2F}" sibTransId="{D8AF55E2-B0A0-44B2-B897-4370C16F852B}"/>
-    <dgm:cxn modelId="{4F065E1A-A03E-438D-879A-AE4D74D29ED8}" type="presOf" srcId="{C5F51BE2-5346-43CC-B317-BCFE97745903}" destId="{C2AE3436-0951-4B60-A8B8-AE3BD664ACD3}" srcOrd="0" destOrd="0" presId="urn:microsoft.com/office/officeart/2008/layout/VerticalCurvedList"/>
     <dgm:cxn modelId="{2BDD3300-0757-4E6F-8CCF-C86B1807FACB}" type="presOf" srcId="{EF5D8929-8ADD-4CFB-B5B8-011A5CF029DC}" destId="{04FACCE1-5421-4E3A-A184-3F2B4934639D}" srcOrd="0" destOrd="0" presId="urn:microsoft.com/office/officeart/2008/layout/VerticalCurvedList"/>
+    <dgm:cxn modelId="{92E2BFE9-B636-433B-9BBA-63918992034F}" type="presOf" srcId="{F25A0EB4-2CD1-43B2-842A-E4D32B64067B}" destId="{CA08A3FF-E697-46B9-BDEA-998C4306E29F}" srcOrd="0" destOrd="0" presId="urn:microsoft.com/office/officeart/2008/layout/VerticalCurvedList"/>
+    <dgm:cxn modelId="{7B8F5B3F-6650-4901-B20D-DEF4750A4E75}" srcId="{C98292DB-0CBE-4E6C-AB3F-62040A55E41C}" destId="{791BD71A-4DD5-430E-9493-83FEC72B5563}" srcOrd="0" destOrd="0" parTransId="{A3E5EDAB-52BE-45BC-939D-6A9B5EE42DA5}" sibTransId="{C5F51BE2-5346-43CC-B317-BCFE97745903}"/>
+    <dgm:cxn modelId="{B4ED9E46-4C88-406C-BC95-0D8CDB007D1F}" type="presOf" srcId="{C98292DB-0CBE-4E6C-AB3F-62040A55E41C}" destId="{C0EBDC46-B1FB-4232-ADDB-A6545E917E70}" srcOrd="0" destOrd="0" presId="urn:microsoft.com/office/officeart/2008/layout/VerticalCurvedList"/>
+    <dgm:cxn modelId="{300D44BB-CC21-48BD-8CA0-B90B59479C5B}" type="presOf" srcId="{474E44B0-48DF-47FD-97B3-0923E966FE73}" destId="{35357D5D-AA78-422E-BD22-B9CF70BC59D0}" srcOrd="0" destOrd="0" presId="urn:microsoft.com/office/officeart/2008/layout/VerticalCurvedList"/>
     <dgm:cxn modelId="{17F3305D-C5A0-4255-B768-F334028AC9E7}" srcId="{C98292DB-0CBE-4E6C-AB3F-62040A55E41C}" destId="{474E44B0-48DF-47FD-97B3-0923E966FE73}" srcOrd="1" destOrd="0" parTransId="{E7725367-E7B7-4E70-ADC3-4219310EFE8C}" sibTransId="{312E8B39-4414-4E79-8D8E-98CA8E4AF751}"/>
     <dgm:cxn modelId="{50CACCA5-CAB5-402A-BA09-1501F5DB5328}" srcId="{C98292DB-0CBE-4E6C-AB3F-62040A55E41C}" destId="{F25A0EB4-2CD1-43B2-842A-E4D32B64067B}" srcOrd="2" destOrd="0" parTransId="{AAE9C59E-35B4-4BBC-A2F2-179D275AED83}" sibTransId="{38F65BC7-CD40-4CD2-B7E4-0D23EDC55F4F}"/>
+    <dgm:cxn modelId="{C665F257-A9AF-4BFA-8703-9A1669142EDD}" type="presOf" srcId="{5C715C24-6913-4CB7-91A2-67801B7BB90A}" destId="{181AAA7E-9789-4B99-865E-D1DFA02F0665}" srcOrd="0" destOrd="0" presId="urn:microsoft.com/office/officeart/2008/layout/VerticalCurvedList"/>
     <dgm:cxn modelId="{57224369-C3A0-4A1C-BA25-851A9116D739}" type="presOf" srcId="{5BD7FAE0-BF50-4DD8-B50B-70B6296B340D}" destId="{A821F000-06F5-4A7B-A720-4B06F6EB8258}" srcOrd="0" destOrd="0" presId="urn:microsoft.com/office/officeart/2008/layout/VerticalCurvedList"/>
     <dgm:cxn modelId="{7E31ED5F-2663-4E82-B9E5-75EF55AB4B67}" srcId="{C98292DB-0CBE-4E6C-AB3F-62040A55E41C}" destId="{EF5D8929-8ADD-4CFB-B5B8-011A5CF029DC}" srcOrd="5" destOrd="0" parTransId="{949CEDB8-6F42-4F8A-8EF3-6FB288EF7C37}" sibTransId="{CC4F7E70-A73B-4FB6-B1F0-ED6B1B6FBFAE}"/>
-    <dgm:cxn modelId="{C665F257-A9AF-4BFA-8703-9A1669142EDD}" type="presOf" srcId="{5C715C24-6913-4CB7-91A2-67801B7BB90A}" destId="{181AAA7E-9789-4B99-865E-D1DFA02F0665}" srcOrd="0" destOrd="0" presId="urn:microsoft.com/office/officeart/2008/layout/VerticalCurvedList"/>
-    <dgm:cxn modelId="{92E2BFE9-B636-433B-9BBA-63918992034F}" type="presOf" srcId="{F25A0EB4-2CD1-43B2-842A-E4D32B64067B}" destId="{CA08A3FF-E697-46B9-BDEA-998C4306E29F}" srcOrd="0" destOrd="0" presId="urn:microsoft.com/office/officeart/2008/layout/VerticalCurvedList"/>
-    <dgm:cxn modelId="{300D44BB-CC21-48BD-8CA0-B90B59479C5B}" type="presOf" srcId="{474E44B0-48DF-47FD-97B3-0923E966FE73}" destId="{35357D5D-AA78-422E-BD22-B9CF70BC59D0}" srcOrd="0" destOrd="0" presId="urn:microsoft.com/office/officeart/2008/layout/VerticalCurvedList"/>
     <dgm:cxn modelId="{0D6D48DF-1157-4E8F-88F6-762696475E38}" srcId="{C98292DB-0CBE-4E6C-AB3F-62040A55E41C}" destId="{5C715C24-6913-4CB7-91A2-67801B7BB90A}" srcOrd="3" destOrd="0" parTransId="{A7F715AB-3EEC-400F-B161-C3E7C4F57CC2}" sibTransId="{347B0996-C580-4354-A032-74E4AF826186}"/>
-    <dgm:cxn modelId="{7B8F5B3F-6650-4901-B20D-DEF4750A4E75}" srcId="{C98292DB-0CBE-4E6C-AB3F-62040A55E41C}" destId="{791BD71A-4DD5-430E-9493-83FEC72B5563}" srcOrd="0" destOrd="0" parTransId="{A3E5EDAB-52BE-45BC-939D-6A9B5EE42DA5}" sibTransId="{C5F51BE2-5346-43CC-B317-BCFE97745903}"/>
-    <dgm:cxn modelId="{56BBC7F2-F68D-41A7-B9FF-EEFA309517F0}" type="presOf" srcId="{791BD71A-4DD5-430E-9493-83FEC72B5563}" destId="{31A75FEF-0C9C-4746-BC7A-458E3CD6364D}" srcOrd="0" destOrd="0" presId="urn:microsoft.com/office/officeart/2008/layout/VerticalCurvedList"/>
-    <dgm:cxn modelId="{B4ED9E46-4C88-406C-BC95-0D8CDB007D1F}" type="presOf" srcId="{C98292DB-0CBE-4E6C-AB3F-62040A55E41C}" destId="{C0EBDC46-B1FB-4232-ADDB-A6545E917E70}" srcOrd="0" destOrd="0" presId="urn:microsoft.com/office/officeart/2008/layout/VerticalCurvedList"/>
     <dgm:cxn modelId="{057007EF-4924-4F69-98A4-36612A6121CB}" type="presParOf" srcId="{C0EBDC46-B1FB-4232-ADDB-A6545E917E70}" destId="{F7FF7019-721C-4942-9161-4B41A5152A43}" srcOrd="0" destOrd="0" presId="urn:microsoft.com/office/officeart/2008/layout/VerticalCurvedList"/>
     <dgm:cxn modelId="{28122930-BA5B-49CE-A309-61DAB23A89F8}" type="presParOf" srcId="{F7FF7019-721C-4942-9161-4B41A5152A43}" destId="{9A632AA4-1E42-4074-AA0D-26B90A96A47F}" srcOrd="0" destOrd="0" presId="urn:microsoft.com/office/officeart/2008/layout/VerticalCurvedList"/>
     <dgm:cxn modelId="{B625328D-90E2-40F3-A5F4-6E7261B454ED}" type="presParOf" srcId="{9A632AA4-1E42-4074-AA0D-26B90A96A47F}" destId="{04A1E829-D8C9-4823-B56F-83D0C990743E}" srcOrd="0" destOrd="0" presId="urn:microsoft.com/office/officeart/2008/layout/VerticalCurvedList"/>
@@ -5342,7 +5342,7 @@
   </dgm:whole>
   <dgm:extLst>
     <a:ext uri="http://schemas.microsoft.com/office/drawing/2008/diagram">
-      <dsp:dataModelExt xmlns:dsp="http://schemas.microsoft.com/office/drawing/2008/diagram" relId="rId6" minVer="http://schemas.openxmlformats.org/drawingml/2006/diagram"/>
+      <dsp:dataModelExt xmlns:dsp="http://schemas.microsoft.com/office/drawing/2008/diagram" xmlns="" relId="rId6" minVer="http://schemas.openxmlformats.org/drawingml/2006/diagram"/>
     </a:ext>
   </dgm:extLst>
 </dgm:dataModel>
@@ -5722,21 +5722,21 @@
     </dgm:pt>
   </dgm:ptLst>
   <dgm:cxnLst>
-    <dgm:cxn modelId="{8B3ECEF5-2306-4C43-814B-7AA097317DE8}" type="presOf" srcId="{F747D706-16AE-496D-B0EE-1C6A34DDCEE9}" destId="{AFE592E6-5642-4760-AE67-0175CB4DC4D7}" srcOrd="0" destOrd="0" presId="urn:microsoft.com/office/officeart/2005/8/layout/vList5"/>
+    <dgm:cxn modelId="{FA6152CD-34DA-436D-9850-DB3C8866EEDF}" type="presOf" srcId="{349A0DB4-33B4-4239-9963-F2A749984CF1}" destId="{491E99C5-B65C-4C10-9B91-9A529B8FF8A1}" srcOrd="0" destOrd="0" presId="urn:microsoft.com/office/officeart/2005/8/layout/vList5"/>
+    <dgm:cxn modelId="{7CEC2509-F008-4917-8555-D6AA5BEFD35B}" srcId="{6AB260F1-4155-4A1E-B583-171862BEE883}" destId="{0270A1FD-C8AF-4205-952E-F3F0EAA7D4FA}" srcOrd="1" destOrd="0" parTransId="{4B3AEB38-4000-4C62-9EE5-72C16BC58134}" sibTransId="{85B5F6E7-B918-40AE-8535-908789495B40}"/>
+    <dgm:cxn modelId="{8ABED924-B6E1-4196-90DD-2F1C15E97084}" type="presOf" srcId="{E7B3C492-7196-4060-8646-3F8694241075}" destId="{DC1D8D64-03A1-4CE3-AD7B-B785D7DCBAD9}" srcOrd="0" destOrd="0" presId="urn:microsoft.com/office/officeart/2005/8/layout/vList5"/>
+    <dgm:cxn modelId="{F7C24F75-361C-4EBE-8D58-80BC61772FBF}" srcId="{6AB260F1-4155-4A1E-B583-171862BEE883}" destId="{E7B3C492-7196-4060-8646-3F8694241075}" srcOrd="0" destOrd="0" parTransId="{F7F96F36-424A-4120-B721-2199C713A878}" sibTransId="{38129BC1-DE8C-467F-9F91-A553EF50DA24}"/>
+    <dgm:cxn modelId="{257E9478-D934-4290-A66A-B87A3CA22608}" type="presOf" srcId="{6E75A7EB-C40B-41F1-B580-BD5C2D4E80F2}" destId="{F0C95070-4F66-4D84-BA23-AEF51542A2C4}" srcOrd="0" destOrd="1" presId="urn:microsoft.com/office/officeart/2005/8/layout/vList5"/>
+    <dgm:cxn modelId="{BAA5A5CD-9633-4250-A898-D93FEE68E651}" srcId="{F747D706-16AE-496D-B0EE-1C6A34DDCEE9}" destId="{6E75A7EB-C40B-41F1-B580-BD5C2D4E80F2}" srcOrd="1" destOrd="0" parTransId="{877840D4-EFCC-4F95-9901-44A70A1B66F5}" sibTransId="{CBBBA03E-5009-43CC-9493-C1974B63A129}"/>
+    <dgm:cxn modelId="{9C92244F-6FB5-4D95-9DE2-D54C0F71B45E}" srcId="{F747D706-16AE-496D-B0EE-1C6A34DDCEE9}" destId="{8AFB6D4F-867B-4CB1-84AE-B9E92D60E8C5}" srcOrd="2" destOrd="0" parTransId="{516F02F3-324D-40F3-B22C-83822A6D6B0C}" sibTransId="{C0C5EC9F-997B-4985-B9F5-AD4746E3CAF6}"/>
     <dgm:cxn modelId="{CD91A568-0285-43A8-9FEA-AC59D1C40E19}" type="presOf" srcId="{17D8B8AC-E2A5-4350-BD24-370FD6BF889A}" destId="{F0C95070-4F66-4D84-BA23-AEF51542A2C4}" srcOrd="0" destOrd="0" presId="urn:microsoft.com/office/officeart/2005/8/layout/vList5"/>
-    <dgm:cxn modelId="{F7C24F75-361C-4EBE-8D58-80BC61772FBF}" srcId="{6AB260F1-4155-4A1E-B583-171862BEE883}" destId="{E7B3C492-7196-4060-8646-3F8694241075}" srcOrd="0" destOrd="0" parTransId="{F7F96F36-424A-4120-B721-2199C713A878}" sibTransId="{38129BC1-DE8C-467F-9F91-A553EF50DA24}"/>
-    <dgm:cxn modelId="{7CEC2509-F008-4917-8555-D6AA5BEFD35B}" srcId="{6AB260F1-4155-4A1E-B583-171862BEE883}" destId="{0270A1FD-C8AF-4205-952E-F3F0EAA7D4FA}" srcOrd="1" destOrd="0" parTransId="{4B3AEB38-4000-4C62-9EE5-72C16BC58134}" sibTransId="{85B5F6E7-B918-40AE-8535-908789495B40}"/>
-    <dgm:cxn modelId="{93851033-8228-4396-AB0D-CFB7E96AF31E}" type="presOf" srcId="{0270A1FD-C8AF-4205-952E-F3F0EAA7D4FA}" destId="{DC1D8D64-03A1-4CE3-AD7B-B785D7DCBAD9}" srcOrd="0" destOrd="1" presId="urn:microsoft.com/office/officeart/2005/8/layout/vList5"/>
-    <dgm:cxn modelId="{FA6152CD-34DA-436D-9850-DB3C8866EEDF}" type="presOf" srcId="{349A0DB4-33B4-4239-9963-F2A749984CF1}" destId="{491E99C5-B65C-4C10-9B91-9A529B8FF8A1}" srcOrd="0" destOrd="0" presId="urn:microsoft.com/office/officeart/2005/8/layout/vList5"/>
     <dgm:cxn modelId="{25A433EB-6B96-4FD4-BB56-446A8639771F}" srcId="{349A0DB4-33B4-4239-9963-F2A749984CF1}" destId="{F747D706-16AE-496D-B0EE-1C6A34DDCEE9}" srcOrd="0" destOrd="0" parTransId="{C9BE4292-E392-42D3-9D1C-105E58C306DE}" sibTransId="{6FEE8C31-09FF-4D57-8D89-9D09AE4BB1C4}"/>
+    <dgm:cxn modelId="{D3CC0942-AD09-4148-B70A-3C0D0E114B85}" srcId="{349A0DB4-33B4-4239-9963-F2A749984CF1}" destId="{6AB260F1-4155-4A1E-B583-171862BEE883}" srcOrd="1" destOrd="0" parTransId="{6D0F1FD7-6BB0-4078-96B1-357EB5FC202D}" sibTransId="{F565E595-3FD6-46E5-8844-C6D90B1A2D52}"/>
     <dgm:cxn modelId="{DAA1D17F-7959-4021-B4AB-B039FA0EFFC3}" srcId="{F747D706-16AE-496D-B0EE-1C6A34DDCEE9}" destId="{17D8B8AC-E2A5-4350-BD24-370FD6BF889A}" srcOrd="0" destOrd="0" parTransId="{6D173EA9-FEAD-4302-A2C5-0D740D76E1F9}" sibTransId="{DAFA2F4E-E21A-4B54-A157-E5A4FA84F610}"/>
     <dgm:cxn modelId="{375AFDBA-795A-42BC-9FF9-4BA08E1A3003}" type="presOf" srcId="{6AB260F1-4155-4A1E-B583-171862BEE883}" destId="{5C449367-1CAC-4420-BEAA-FE205C84FFEB}" srcOrd="0" destOrd="0" presId="urn:microsoft.com/office/officeart/2005/8/layout/vList5"/>
     <dgm:cxn modelId="{0F479C31-C74A-4205-BDEF-D4DD471DABD7}" type="presOf" srcId="{8AFB6D4F-867B-4CB1-84AE-B9E92D60E8C5}" destId="{F0C95070-4F66-4D84-BA23-AEF51542A2C4}" srcOrd="0" destOrd="2" presId="urn:microsoft.com/office/officeart/2005/8/layout/vList5"/>
-    <dgm:cxn modelId="{9C92244F-6FB5-4D95-9DE2-D54C0F71B45E}" srcId="{F747D706-16AE-496D-B0EE-1C6A34DDCEE9}" destId="{8AFB6D4F-867B-4CB1-84AE-B9E92D60E8C5}" srcOrd="2" destOrd="0" parTransId="{516F02F3-324D-40F3-B22C-83822A6D6B0C}" sibTransId="{C0C5EC9F-997B-4985-B9F5-AD4746E3CAF6}"/>
-    <dgm:cxn modelId="{257E9478-D934-4290-A66A-B87A3CA22608}" type="presOf" srcId="{6E75A7EB-C40B-41F1-B580-BD5C2D4E80F2}" destId="{F0C95070-4F66-4D84-BA23-AEF51542A2C4}" srcOrd="0" destOrd="1" presId="urn:microsoft.com/office/officeart/2005/8/layout/vList5"/>
-    <dgm:cxn modelId="{8ABED924-B6E1-4196-90DD-2F1C15E97084}" type="presOf" srcId="{E7B3C492-7196-4060-8646-3F8694241075}" destId="{DC1D8D64-03A1-4CE3-AD7B-B785D7DCBAD9}" srcOrd="0" destOrd="0" presId="urn:microsoft.com/office/officeart/2005/8/layout/vList5"/>
-    <dgm:cxn modelId="{D3CC0942-AD09-4148-B70A-3C0D0E114B85}" srcId="{349A0DB4-33B4-4239-9963-F2A749984CF1}" destId="{6AB260F1-4155-4A1E-B583-171862BEE883}" srcOrd="1" destOrd="0" parTransId="{6D0F1FD7-6BB0-4078-96B1-357EB5FC202D}" sibTransId="{F565E595-3FD6-46E5-8844-C6D90B1A2D52}"/>
-    <dgm:cxn modelId="{BAA5A5CD-9633-4250-A898-D93FEE68E651}" srcId="{F747D706-16AE-496D-B0EE-1C6A34DDCEE9}" destId="{6E75A7EB-C40B-41F1-B580-BD5C2D4E80F2}" srcOrd="1" destOrd="0" parTransId="{877840D4-EFCC-4F95-9901-44A70A1B66F5}" sibTransId="{CBBBA03E-5009-43CC-9493-C1974B63A129}"/>
+    <dgm:cxn modelId="{93851033-8228-4396-AB0D-CFB7E96AF31E}" type="presOf" srcId="{0270A1FD-C8AF-4205-952E-F3F0EAA7D4FA}" destId="{DC1D8D64-03A1-4CE3-AD7B-B785D7DCBAD9}" srcOrd="0" destOrd="1" presId="urn:microsoft.com/office/officeart/2005/8/layout/vList5"/>
+    <dgm:cxn modelId="{8B3ECEF5-2306-4C43-814B-7AA097317DE8}" type="presOf" srcId="{F747D706-16AE-496D-B0EE-1C6A34DDCEE9}" destId="{AFE592E6-5642-4760-AE67-0175CB4DC4D7}" srcOrd="0" destOrd="0" presId="urn:microsoft.com/office/officeart/2005/8/layout/vList5"/>
     <dgm:cxn modelId="{2C5EB969-F3BF-45AE-9BED-28A14BD1E575}" type="presParOf" srcId="{491E99C5-B65C-4C10-9B91-9A529B8FF8A1}" destId="{A20CDD13-9F2D-47AB-BEFE-A983A1EF849B}" srcOrd="0" destOrd="0" presId="urn:microsoft.com/office/officeart/2005/8/layout/vList5"/>
     <dgm:cxn modelId="{37FFA771-ACE3-49E3-9A88-BD87AC2DE888}" type="presParOf" srcId="{A20CDD13-9F2D-47AB-BEFE-A983A1EF849B}" destId="{AFE592E6-5642-4760-AE67-0175CB4DC4D7}" srcOrd="0" destOrd="0" presId="urn:microsoft.com/office/officeart/2005/8/layout/vList5"/>
     <dgm:cxn modelId="{43F08068-FD4C-47A0-8066-DCD5AA606248}" type="presParOf" srcId="{A20CDD13-9F2D-47AB-BEFE-A983A1EF849B}" destId="{F0C95070-4F66-4D84-BA23-AEF51542A2C4}" srcOrd="1" destOrd="0" presId="urn:microsoft.com/office/officeart/2005/8/layout/vList5"/>
@@ -5749,7 +5749,7 @@
   <dgm:whole/>
   <dgm:extLst>
     <a:ext uri="http://schemas.microsoft.com/office/drawing/2008/diagram">
-      <dsp:dataModelExt xmlns:dsp="http://schemas.microsoft.com/office/drawing/2008/diagram" relId="rId7" minVer="http://schemas.openxmlformats.org/drawingml/2006/diagram"/>
+      <dsp:dataModelExt xmlns:dsp="http://schemas.microsoft.com/office/drawing/2008/diagram" xmlns="" relId="rId7" minVer="http://schemas.openxmlformats.org/drawingml/2006/diagram"/>
     </a:ext>
   </dgm:extLst>
 </dgm:dataModel>
@@ -6115,16 +6115,16 @@
     </dgm:pt>
   </dgm:ptLst>
   <dgm:cxnLst>
+    <dgm:cxn modelId="{45E318A4-8112-433B-9DF2-83921451110F}" srcId="{6EAE3D82-B9D8-436E-AABD-C0EC84F255D1}" destId="{4BEC7900-1C09-4176-8B72-F2A67E29196D}" srcOrd="0" destOrd="0" parTransId="{4D6B62AF-D864-4EEB-A9DE-EC1BE012624C}" sibTransId="{F9CE3FF3-E0BA-418A-85AC-EA6DBEBE9C90}"/>
+    <dgm:cxn modelId="{73558356-CDFB-4A95-ABA9-3F44936CFFCA}" srcId="{6EAE3D82-B9D8-436E-AABD-C0EC84F255D1}" destId="{B9C88224-34AA-4136-96F0-EA9B1D8B81D4}" srcOrd="2" destOrd="0" parTransId="{2D526C8B-15CC-48DE-9112-E987A16A7BBA}" sibTransId="{BE1E4DEA-67FE-4AE3-A919-0C6E92A1E181}"/>
     <dgm:cxn modelId="{EDE73FC5-27D4-4364-9FE7-4D7ED5CF4D30}" type="presOf" srcId="{4BEC7900-1C09-4176-8B72-F2A67E29196D}" destId="{3F2B9FAF-6219-42DD-96E0-73C964A40671}" srcOrd="0" destOrd="0" presId="urn:microsoft.com/office/officeart/2005/8/layout/venn2"/>
+    <dgm:cxn modelId="{C8858912-15E1-4D2A-BBBA-91DDC5E7F2C8}" type="presOf" srcId="{6EAE3D82-B9D8-436E-AABD-C0EC84F255D1}" destId="{288FDE7E-4C88-437B-B0CE-6D71D50F50FE}" srcOrd="0" destOrd="0" presId="urn:microsoft.com/office/officeart/2005/8/layout/venn2"/>
     <dgm:cxn modelId="{EB2EB4A7-6F89-424D-A2CB-9F1369412196}" type="presOf" srcId="{98B6AA4B-77DD-440D-824C-35F718809E19}" destId="{8F7C3B92-D8BC-4AC5-9232-7AFBAB5002AC}" srcOrd="0" destOrd="0" presId="urn:microsoft.com/office/officeart/2005/8/layout/venn2"/>
-    <dgm:cxn modelId="{C8858912-15E1-4D2A-BBBA-91DDC5E7F2C8}" type="presOf" srcId="{6EAE3D82-B9D8-436E-AABD-C0EC84F255D1}" destId="{288FDE7E-4C88-437B-B0CE-6D71D50F50FE}" srcOrd="0" destOrd="0" presId="urn:microsoft.com/office/officeart/2005/8/layout/venn2"/>
     <dgm:cxn modelId="{F6B3148F-47A0-463C-8D50-DF247F76926A}" type="presOf" srcId="{98B6AA4B-77DD-440D-824C-35F718809E19}" destId="{786FC4DE-FA8E-4D94-856D-E6A1BF9EF27D}" srcOrd="1" destOrd="0" presId="urn:microsoft.com/office/officeart/2005/8/layout/venn2"/>
     <dgm:cxn modelId="{99185412-6499-475F-BFCC-9C8107B4BC06}" type="presOf" srcId="{4BEC7900-1C09-4176-8B72-F2A67E29196D}" destId="{693B2D3C-DA5C-4E5C-95B3-65C6DBCB2B4F}" srcOrd="1" destOrd="0" presId="urn:microsoft.com/office/officeart/2005/8/layout/venn2"/>
     <dgm:cxn modelId="{B3E8ED2D-27AB-48E5-BD32-0EED287A35E1}" type="presOf" srcId="{B9C88224-34AA-4136-96F0-EA9B1D8B81D4}" destId="{9A3C322C-6014-4377-B2DE-8DD7D7312A03}" srcOrd="0" destOrd="0" presId="urn:microsoft.com/office/officeart/2005/8/layout/venn2"/>
     <dgm:cxn modelId="{38208B09-7DA3-4928-A66A-ED38DFA93BEA}" srcId="{6EAE3D82-B9D8-436E-AABD-C0EC84F255D1}" destId="{98B6AA4B-77DD-440D-824C-35F718809E19}" srcOrd="1" destOrd="0" parTransId="{85B613A8-E378-4DB5-9CE2-4C584504E3CD}" sibTransId="{86BC209E-25E7-4B9B-836C-ACAF0D15F77F}"/>
     <dgm:cxn modelId="{3C5C2344-98F6-4D64-B161-16418D1C8D94}" type="presOf" srcId="{B9C88224-34AA-4136-96F0-EA9B1D8B81D4}" destId="{594556EF-616B-4031-9402-6B6C60D05592}" srcOrd="1" destOrd="0" presId="urn:microsoft.com/office/officeart/2005/8/layout/venn2"/>
-    <dgm:cxn modelId="{73558356-CDFB-4A95-ABA9-3F44936CFFCA}" srcId="{6EAE3D82-B9D8-436E-AABD-C0EC84F255D1}" destId="{B9C88224-34AA-4136-96F0-EA9B1D8B81D4}" srcOrd="2" destOrd="0" parTransId="{2D526C8B-15CC-48DE-9112-E987A16A7BBA}" sibTransId="{BE1E4DEA-67FE-4AE3-A919-0C6E92A1E181}"/>
-    <dgm:cxn modelId="{45E318A4-8112-433B-9DF2-83921451110F}" srcId="{6EAE3D82-B9D8-436E-AABD-C0EC84F255D1}" destId="{4BEC7900-1C09-4176-8B72-F2A67E29196D}" srcOrd="0" destOrd="0" parTransId="{4D6B62AF-D864-4EEB-A9DE-EC1BE012624C}" sibTransId="{F9CE3FF3-E0BA-418A-85AC-EA6DBEBE9C90}"/>
     <dgm:cxn modelId="{B52EDF7D-EE25-4B63-9BB1-74807114A15C}" type="presParOf" srcId="{288FDE7E-4C88-437B-B0CE-6D71D50F50FE}" destId="{131F01F1-5A71-46F5-902C-DE21BE080BC6}" srcOrd="0" destOrd="0" presId="urn:microsoft.com/office/officeart/2005/8/layout/venn2"/>
     <dgm:cxn modelId="{1D58CBD4-425C-462B-8DE2-78C262C3B26D}" type="presParOf" srcId="{131F01F1-5A71-46F5-902C-DE21BE080BC6}" destId="{3F2B9FAF-6219-42DD-96E0-73C964A40671}" srcOrd="0" destOrd="0" presId="urn:microsoft.com/office/officeart/2005/8/layout/venn2"/>
     <dgm:cxn modelId="{E45C43BE-981C-4BFF-9018-9396740F2683}" type="presParOf" srcId="{131F01F1-5A71-46F5-902C-DE21BE080BC6}" destId="{693B2D3C-DA5C-4E5C-95B3-65C6DBCB2B4F}" srcOrd="1" destOrd="0" presId="urn:microsoft.com/office/officeart/2005/8/layout/venn2"/>
@@ -6139,7 +6139,7 @@
   <dgm:whole/>
   <dgm:extLst>
     <a:ext uri="http://schemas.microsoft.com/office/drawing/2008/diagram">
-      <dsp:dataModelExt xmlns:dsp="http://schemas.microsoft.com/office/drawing/2008/diagram" relId="rId12" minVer="http://schemas.openxmlformats.org/drawingml/2006/diagram"/>
+      <dsp:dataModelExt xmlns:dsp="http://schemas.microsoft.com/office/drawing/2008/diagram" xmlns="" relId="rId12" minVer="http://schemas.openxmlformats.org/drawingml/2006/diagram"/>
     </a:ext>
   </dgm:extLst>
 </dgm:dataModel>
@@ -6634,23 +6634,23 @@
     </dgm:pt>
   </dgm:ptLst>
   <dgm:cxnLst>
+    <dgm:cxn modelId="{0BEF0C9E-BF23-41F4-9056-B43E9084F942}" srcId="{3ED00850-69D6-49FF-846A-0BF84A7A60A8}" destId="{9629D5F1-18E2-4041-8F18-C932C9268865}" srcOrd="0" destOrd="0" parTransId="{E6E49903-E2AD-463D-944D-ACE073AFDBC5}" sibTransId="{26FD558C-1894-4FB0-9F4F-2486ACDB9097}"/>
+    <dgm:cxn modelId="{06E69939-19E2-4382-A36C-0F1CC38E18DC}" srcId="{3CFB154E-A668-4B80-9466-68910118B9B1}" destId="{881CB4F8-A044-4F9A-A952-47578BBC7034}" srcOrd="0" destOrd="0" parTransId="{061DD9BA-FA69-4BD9-B415-5052A4BA5B31}" sibTransId="{06F5E7C8-DD6B-4234-A865-E9DB81A0FC48}"/>
+    <dgm:cxn modelId="{3DFEE643-B773-42C2-9DF6-7971B8B48F14}" type="presOf" srcId="{C3119D90-7775-4D17-8467-17223E60758A}" destId="{11BC7877-A5B3-476B-9758-9D1E881C492D}" srcOrd="0" destOrd="0" presId="urn:microsoft.com/office/officeart/2005/8/layout/vList5"/>
+    <dgm:cxn modelId="{45CF7571-B0FF-41DC-89E2-4EDFD6C9E0DA}" type="presOf" srcId="{5FAAC11B-A49D-4B8F-9AB5-C78505788860}" destId="{49B56584-ACFE-414D-A7DE-4BA30A8F176A}" srcOrd="0" destOrd="0" presId="urn:microsoft.com/office/officeart/2005/8/layout/vList5"/>
+    <dgm:cxn modelId="{96EA5AA6-8686-4C3F-9C23-B0A5012728A1}" type="presOf" srcId="{3ED00850-69D6-49FF-846A-0BF84A7A60A8}" destId="{63288B9B-1765-45F0-9E8B-DC4F6AF6E1C0}" srcOrd="0" destOrd="0" presId="urn:microsoft.com/office/officeart/2005/8/layout/vList5"/>
+    <dgm:cxn modelId="{4CD3DA9D-3391-426E-A169-D453EB6B5863}" type="presOf" srcId="{3CFB154E-A668-4B80-9466-68910118B9B1}" destId="{42FC25AA-E933-4461-A7F4-FB056EBA38A0}" srcOrd="0" destOrd="0" presId="urn:microsoft.com/office/officeart/2005/8/layout/vList5"/>
+    <dgm:cxn modelId="{424945E9-010F-4F10-B32E-75024E2A694C}" type="presOf" srcId="{BAED2D15-6FDE-45C3-80C2-1628F097C71F}" destId="{E694C6A9-C923-4D3E-96E3-C56ACB738687}" srcOrd="0" destOrd="0" presId="urn:microsoft.com/office/officeart/2005/8/layout/vList5"/>
+    <dgm:cxn modelId="{4B947D18-2B10-4A18-9518-6E6195A974C4}" type="presOf" srcId="{B3C2AB30-8036-459F-B993-D3773C67DD9D}" destId="{40C59A86-2687-4348-9351-4FF0F7D72F3B}" srcOrd="0" destOrd="0" presId="urn:microsoft.com/office/officeart/2005/8/layout/vList5"/>
+    <dgm:cxn modelId="{C4160BE5-6DB2-4F14-9583-65B94B479483}" srcId="{5FAAC11B-A49D-4B8F-9AB5-C78505788860}" destId="{05415844-D026-43F0-A84A-2FF4BC88E3D7}" srcOrd="0" destOrd="0" parTransId="{67CD2A58-C1B6-4F77-9B7B-1AC12DE59601}" sibTransId="{EF335658-CC93-4F94-BCC4-CFF40B2F245B}"/>
+    <dgm:cxn modelId="{590BA2B5-C5C8-4F85-96C4-39EE69D16688}" srcId="{B3C2AB30-8036-459F-B993-D3773C67DD9D}" destId="{3CFB154E-A668-4B80-9466-68910118B9B1}" srcOrd="3" destOrd="0" parTransId="{598B9BB1-7AE0-4FB2-91FB-FE75C91A4812}" sibTransId="{090C2595-7880-450C-B788-7FF7A391D3A7}"/>
     <dgm:cxn modelId="{673C78EB-48F9-41C1-A1AC-6F21BBAD777E}" type="presOf" srcId="{9629D5F1-18E2-4041-8F18-C932C9268865}" destId="{5FF4F0B4-F356-4D9C-A0EE-665C46F41A38}" srcOrd="0" destOrd="0" presId="urn:microsoft.com/office/officeart/2005/8/layout/vList5"/>
-    <dgm:cxn modelId="{4CD3DA9D-3391-426E-A169-D453EB6B5863}" type="presOf" srcId="{3CFB154E-A668-4B80-9466-68910118B9B1}" destId="{42FC25AA-E933-4461-A7F4-FB056EBA38A0}" srcOrd="0" destOrd="0" presId="urn:microsoft.com/office/officeart/2005/8/layout/vList5"/>
-    <dgm:cxn modelId="{06E69939-19E2-4382-A36C-0F1CC38E18DC}" srcId="{3CFB154E-A668-4B80-9466-68910118B9B1}" destId="{881CB4F8-A044-4F9A-A952-47578BBC7034}" srcOrd="0" destOrd="0" parTransId="{061DD9BA-FA69-4BD9-B415-5052A4BA5B31}" sibTransId="{06F5E7C8-DD6B-4234-A865-E9DB81A0FC48}"/>
-    <dgm:cxn modelId="{C4160BE5-6DB2-4F14-9583-65B94B479483}" srcId="{5FAAC11B-A49D-4B8F-9AB5-C78505788860}" destId="{05415844-D026-43F0-A84A-2FF4BC88E3D7}" srcOrd="0" destOrd="0" parTransId="{67CD2A58-C1B6-4F77-9B7B-1AC12DE59601}" sibTransId="{EF335658-CC93-4F94-BCC4-CFF40B2F245B}"/>
-    <dgm:cxn modelId="{96EA5AA6-8686-4C3F-9C23-B0A5012728A1}" type="presOf" srcId="{3ED00850-69D6-49FF-846A-0BF84A7A60A8}" destId="{63288B9B-1765-45F0-9E8B-DC4F6AF6E1C0}" srcOrd="0" destOrd="0" presId="urn:microsoft.com/office/officeart/2005/8/layout/vList5"/>
-    <dgm:cxn modelId="{3DFEE643-B773-42C2-9DF6-7971B8B48F14}" type="presOf" srcId="{C3119D90-7775-4D17-8467-17223E60758A}" destId="{11BC7877-A5B3-476B-9758-9D1E881C492D}" srcOrd="0" destOrd="0" presId="urn:microsoft.com/office/officeart/2005/8/layout/vList5"/>
+    <dgm:cxn modelId="{47981C8B-A893-43D9-9A2B-D309BF8217F0}" type="presOf" srcId="{881CB4F8-A044-4F9A-A952-47578BBC7034}" destId="{E57536E0-9956-481F-A648-0111A07C081E}" srcOrd="0" destOrd="0" presId="urn:microsoft.com/office/officeart/2005/8/layout/vList5"/>
+    <dgm:cxn modelId="{B723FB96-4C44-4A2D-87AB-C5580D686646}" srcId="{B3C2AB30-8036-459F-B993-D3773C67DD9D}" destId="{BAED2D15-6FDE-45C3-80C2-1628F097C71F}" srcOrd="1" destOrd="0" parTransId="{0A0AE9FE-3A06-41E8-BC8B-9D71A6B835A5}" sibTransId="{A68EE49A-6123-4385-9F31-6DBBE65AD176}"/>
+    <dgm:cxn modelId="{0E059C7D-625C-4F44-89C7-9CFC87A79216}" srcId="{B3C2AB30-8036-459F-B993-D3773C67DD9D}" destId="{3ED00850-69D6-49FF-846A-0BF84A7A60A8}" srcOrd="2" destOrd="0" parTransId="{41DC0F87-30F9-4AB8-8742-7161399E3EB2}" sibTransId="{3E9D7719-0258-4502-8C21-9EB50FB680FE}"/>
     <dgm:cxn modelId="{D51E785B-0C23-4A0D-8A9D-45968626849A}" type="presOf" srcId="{05415844-D026-43F0-A84A-2FF4BC88E3D7}" destId="{953D8EF2-CA34-4223-BC21-091DCD83F251}" srcOrd="0" destOrd="0" presId="urn:microsoft.com/office/officeart/2005/8/layout/vList5"/>
-    <dgm:cxn modelId="{424945E9-010F-4F10-B32E-75024E2A694C}" type="presOf" srcId="{BAED2D15-6FDE-45C3-80C2-1628F097C71F}" destId="{E694C6A9-C923-4D3E-96E3-C56ACB738687}" srcOrd="0" destOrd="0" presId="urn:microsoft.com/office/officeart/2005/8/layout/vList5"/>
     <dgm:cxn modelId="{E7426180-CC72-453D-BABF-A7C0FCDF20F3}" srcId="{BAED2D15-6FDE-45C3-80C2-1628F097C71F}" destId="{C3119D90-7775-4D17-8467-17223E60758A}" srcOrd="0" destOrd="0" parTransId="{A9EAB4EA-9034-4D6B-A04C-698CB0842B32}" sibTransId="{E68228E9-CBF0-491A-A577-3E3D4EE9EA51}"/>
-    <dgm:cxn modelId="{590BA2B5-C5C8-4F85-96C4-39EE69D16688}" srcId="{B3C2AB30-8036-459F-B993-D3773C67DD9D}" destId="{3CFB154E-A668-4B80-9466-68910118B9B1}" srcOrd="3" destOrd="0" parTransId="{598B9BB1-7AE0-4FB2-91FB-FE75C91A4812}" sibTransId="{090C2595-7880-450C-B788-7FF7A391D3A7}"/>
-    <dgm:cxn modelId="{45CF7571-B0FF-41DC-89E2-4EDFD6C9E0DA}" type="presOf" srcId="{5FAAC11B-A49D-4B8F-9AB5-C78505788860}" destId="{49B56584-ACFE-414D-A7DE-4BA30A8F176A}" srcOrd="0" destOrd="0" presId="urn:microsoft.com/office/officeart/2005/8/layout/vList5"/>
-    <dgm:cxn modelId="{B723FB96-4C44-4A2D-87AB-C5580D686646}" srcId="{B3C2AB30-8036-459F-B993-D3773C67DD9D}" destId="{BAED2D15-6FDE-45C3-80C2-1628F097C71F}" srcOrd="1" destOrd="0" parTransId="{0A0AE9FE-3A06-41E8-BC8B-9D71A6B835A5}" sibTransId="{A68EE49A-6123-4385-9F31-6DBBE65AD176}"/>
-    <dgm:cxn modelId="{47981C8B-A893-43D9-9A2B-D309BF8217F0}" type="presOf" srcId="{881CB4F8-A044-4F9A-A952-47578BBC7034}" destId="{E57536E0-9956-481F-A648-0111A07C081E}" srcOrd="0" destOrd="0" presId="urn:microsoft.com/office/officeart/2005/8/layout/vList5"/>
-    <dgm:cxn modelId="{4B947D18-2B10-4A18-9518-6E6195A974C4}" type="presOf" srcId="{B3C2AB30-8036-459F-B993-D3773C67DD9D}" destId="{40C59A86-2687-4348-9351-4FF0F7D72F3B}" srcOrd="0" destOrd="0" presId="urn:microsoft.com/office/officeart/2005/8/layout/vList5"/>
     <dgm:cxn modelId="{3DAEFFE4-602C-46C1-8832-FB6F01D049AC}" srcId="{B3C2AB30-8036-459F-B993-D3773C67DD9D}" destId="{5FAAC11B-A49D-4B8F-9AB5-C78505788860}" srcOrd="0" destOrd="0" parTransId="{C6BA72B7-55ED-466D-A6F6-A2AEA1BA5CDF}" sibTransId="{C0930EE6-3289-43C7-9869-096BA50D9D4E}"/>
-    <dgm:cxn modelId="{0BEF0C9E-BF23-41F4-9056-B43E9084F942}" srcId="{3ED00850-69D6-49FF-846A-0BF84A7A60A8}" destId="{9629D5F1-18E2-4041-8F18-C932C9268865}" srcOrd="0" destOrd="0" parTransId="{E6E49903-E2AD-463D-944D-ACE073AFDBC5}" sibTransId="{26FD558C-1894-4FB0-9F4F-2486ACDB9097}"/>
-    <dgm:cxn modelId="{0E059C7D-625C-4F44-89C7-9CFC87A79216}" srcId="{B3C2AB30-8036-459F-B993-D3773C67DD9D}" destId="{3ED00850-69D6-49FF-846A-0BF84A7A60A8}" srcOrd="2" destOrd="0" parTransId="{41DC0F87-30F9-4AB8-8742-7161399E3EB2}" sibTransId="{3E9D7719-0258-4502-8C21-9EB50FB680FE}"/>
     <dgm:cxn modelId="{674AA5F4-1DA0-4033-94FB-96FF177CCDA5}" type="presParOf" srcId="{40C59A86-2687-4348-9351-4FF0F7D72F3B}" destId="{9F64C6DF-99E8-4A7B-8E42-F7F15BE17CBD}" srcOrd="0" destOrd="0" presId="urn:microsoft.com/office/officeart/2005/8/layout/vList5"/>
     <dgm:cxn modelId="{EDC6A3E4-2831-4C5F-8603-E2D1CDE6218D}" type="presParOf" srcId="{9F64C6DF-99E8-4A7B-8E42-F7F15BE17CBD}" destId="{49B56584-ACFE-414D-A7DE-4BA30A8F176A}" srcOrd="0" destOrd="0" presId="urn:microsoft.com/office/officeart/2005/8/layout/vList5"/>
     <dgm:cxn modelId="{044E8158-E85D-40FE-8C9D-581CC44896C3}" type="presParOf" srcId="{9F64C6DF-99E8-4A7B-8E42-F7F15BE17CBD}" destId="{953D8EF2-CA34-4223-BC21-091DCD83F251}" srcOrd="1" destOrd="0" presId="urn:microsoft.com/office/officeart/2005/8/layout/vList5"/>
@@ -6671,7 +6671,7 @@
   <dgm:whole/>
   <dgm:extLst>
     <a:ext uri="http://schemas.microsoft.com/office/drawing/2008/diagram">
-      <dsp:dataModelExt xmlns:dsp="http://schemas.microsoft.com/office/drawing/2008/diagram" relId="rId7" minVer="http://schemas.openxmlformats.org/drawingml/2006/diagram"/>
+      <dsp:dataModelExt xmlns:dsp="http://schemas.microsoft.com/office/drawing/2008/diagram" xmlns="" relId="rId7" minVer="http://schemas.openxmlformats.org/drawingml/2006/diagram"/>
     </a:ext>
   </dgm:extLst>
 </dgm:dataModel>
@@ -7256,27 +7256,27 @@
     </dgm:pt>
   </dgm:ptLst>
   <dgm:cxnLst>
-    <dgm:cxn modelId="{B723FB96-4C44-4A2D-87AB-C5580D686646}" srcId="{B3C2AB30-8036-459F-B993-D3773C67DD9D}" destId="{BAED2D15-6FDE-45C3-80C2-1628F097C71F}" srcOrd="1" destOrd="0" parTransId="{0A0AE9FE-3A06-41E8-BC8B-9D71A6B835A5}" sibTransId="{A68EE49A-6123-4385-9F31-6DBBE65AD176}"/>
-    <dgm:cxn modelId="{687AD47C-BDC0-434D-8C44-41D7962043C3}" srcId="{BAED2D15-6FDE-45C3-80C2-1628F097C71F}" destId="{035B2519-BB52-4E8D-AA77-1D32A0AAF456}" srcOrd="1" destOrd="0" parTransId="{21924803-2CBE-4341-97C0-22EACFC248EB}" sibTransId="{D6CB33FF-675A-4582-AC6C-D5DD5EC2A84D}"/>
-    <dgm:cxn modelId="{3CD8E475-D6AD-41D6-900E-FEF00D103492}" type="presOf" srcId="{3ED00850-69D6-49FF-846A-0BF84A7A60A8}" destId="{63288B9B-1765-45F0-9E8B-DC4F6AF6E1C0}" srcOrd="0" destOrd="0" presId="urn:microsoft.com/office/officeart/2005/8/layout/vList5"/>
-    <dgm:cxn modelId="{448EFC37-BDC7-4C17-8A1B-99B8DD604807}" type="presOf" srcId="{035B2519-BB52-4E8D-AA77-1D32A0AAF456}" destId="{11BC7877-A5B3-476B-9758-9D1E881C492D}" srcOrd="0" destOrd="1" presId="urn:microsoft.com/office/officeart/2005/8/layout/vList5"/>
-    <dgm:cxn modelId="{590BA2B5-C5C8-4F85-96C4-39EE69D16688}" srcId="{B3C2AB30-8036-459F-B993-D3773C67DD9D}" destId="{3CFB154E-A668-4B80-9466-68910118B9B1}" srcOrd="3" destOrd="0" parTransId="{598B9BB1-7AE0-4FB2-91FB-FE75C91A4812}" sibTransId="{090C2595-7880-450C-B788-7FF7A391D3A7}"/>
-    <dgm:cxn modelId="{3DAEFFE4-602C-46C1-8832-FB6F01D049AC}" srcId="{B3C2AB30-8036-459F-B993-D3773C67DD9D}" destId="{5FAAC11B-A49D-4B8F-9AB5-C78505788860}" srcOrd="0" destOrd="0" parTransId="{C6BA72B7-55ED-466D-A6F6-A2AEA1BA5CDF}" sibTransId="{C0930EE6-3289-43C7-9869-096BA50D9D4E}"/>
     <dgm:cxn modelId="{0BEF0C9E-BF23-41F4-9056-B43E9084F942}" srcId="{3ED00850-69D6-49FF-846A-0BF84A7A60A8}" destId="{9629D5F1-18E2-4041-8F18-C932C9268865}" srcOrd="0" destOrd="0" parTransId="{E6E49903-E2AD-463D-944D-ACE073AFDBC5}" sibTransId="{26FD558C-1894-4FB0-9F4F-2486ACDB9097}"/>
-    <dgm:cxn modelId="{41A5180A-6667-456B-839C-04158C289892}" type="presOf" srcId="{5FAAC11B-A49D-4B8F-9AB5-C78505788860}" destId="{49B56584-ACFE-414D-A7DE-4BA30A8F176A}" srcOrd="0" destOrd="0" presId="urn:microsoft.com/office/officeart/2005/8/layout/vList5"/>
+    <dgm:cxn modelId="{69400C7C-E60F-4CB9-A84E-B43417105070}" srcId="{5FAAC11B-A49D-4B8F-9AB5-C78505788860}" destId="{5DB085C3-EC83-49AD-83FA-44193E498D0E}" srcOrd="1" destOrd="0" parTransId="{2474ACEA-D974-4C23-A1EB-D65DC593926C}" sibTransId="{B2A0639D-BA54-43EB-9563-5BF196FBE8FE}"/>
+    <dgm:cxn modelId="{06E69939-19E2-4382-A36C-0F1CC38E18DC}" srcId="{3CFB154E-A668-4B80-9466-68910118B9B1}" destId="{881CB4F8-A044-4F9A-A952-47578BBC7034}" srcOrd="0" destOrd="0" parTransId="{061DD9BA-FA69-4BD9-B415-5052A4BA5B31}" sibTransId="{06F5E7C8-DD6B-4234-A865-E9DB81A0FC48}"/>
+    <dgm:cxn modelId="{82A65CCC-CA8D-464F-B5D4-04F5C581C6D6}" type="presOf" srcId="{9629D5F1-18E2-4041-8F18-C932C9268865}" destId="{5FF4F0B4-F356-4D9C-A0EE-665C46F41A38}" srcOrd="0" destOrd="0" presId="urn:microsoft.com/office/officeart/2005/8/layout/vList5"/>
+    <dgm:cxn modelId="{3ABFDC28-1981-4212-ADEE-A3988BE1C814}" type="presOf" srcId="{5DB085C3-EC83-49AD-83FA-44193E498D0E}" destId="{953D8EF2-CA34-4223-BC21-091DCD83F251}" srcOrd="0" destOrd="1" presId="urn:microsoft.com/office/officeart/2005/8/layout/vList5"/>
+    <dgm:cxn modelId="{0D7B0175-5BE5-490B-8784-8DA26D01DA78}" type="presOf" srcId="{05415844-D026-43F0-A84A-2FF4BC88E3D7}" destId="{953D8EF2-CA34-4223-BC21-091DCD83F251}" srcOrd="0" destOrd="0" presId="urn:microsoft.com/office/officeart/2005/8/layout/vList5"/>
+    <dgm:cxn modelId="{3E3D7A66-0907-441F-810D-A7E814E45B9D}" type="presOf" srcId="{B3C2AB30-8036-459F-B993-D3773C67DD9D}" destId="{40C59A86-2687-4348-9351-4FF0F7D72F3B}" srcOrd="0" destOrd="0" presId="urn:microsoft.com/office/officeart/2005/8/layout/vList5"/>
+    <dgm:cxn modelId="{55A6422F-2CE5-4E26-A122-8AC9A807CA58}" type="presOf" srcId="{BAED2D15-6FDE-45C3-80C2-1628F097C71F}" destId="{E694C6A9-C923-4D3E-96E3-C56ACB738687}" srcOrd="0" destOrd="0" presId="urn:microsoft.com/office/officeart/2005/8/layout/vList5"/>
     <dgm:cxn modelId="{C4160BE5-6DB2-4F14-9583-65B94B479483}" srcId="{5FAAC11B-A49D-4B8F-9AB5-C78505788860}" destId="{05415844-D026-43F0-A84A-2FF4BC88E3D7}" srcOrd="0" destOrd="0" parTransId="{67CD2A58-C1B6-4F77-9B7B-1AC12DE59601}" sibTransId="{EF335658-CC93-4F94-BCC4-CFF40B2F245B}"/>
     <dgm:cxn modelId="{6665FC74-B1D8-41F2-9FB1-76D6347E3AE1}" type="presOf" srcId="{C3119D90-7775-4D17-8467-17223E60758A}" destId="{11BC7877-A5B3-476B-9758-9D1E881C492D}" srcOrd="0" destOrd="0" presId="urn:microsoft.com/office/officeart/2005/8/layout/vList5"/>
-    <dgm:cxn modelId="{06E69939-19E2-4382-A36C-0F1CC38E18DC}" srcId="{3CFB154E-A668-4B80-9466-68910118B9B1}" destId="{881CB4F8-A044-4F9A-A952-47578BBC7034}" srcOrd="0" destOrd="0" parTransId="{061DD9BA-FA69-4BD9-B415-5052A4BA5B31}" sibTransId="{06F5E7C8-DD6B-4234-A865-E9DB81A0FC48}"/>
+    <dgm:cxn modelId="{12FE5A79-AE42-4A95-BC70-1AE50726E5C8}" type="presOf" srcId="{3CFB154E-A668-4B80-9466-68910118B9B1}" destId="{42FC25AA-E933-4461-A7F4-FB056EBA38A0}" srcOrd="0" destOrd="0" presId="urn:microsoft.com/office/officeart/2005/8/layout/vList5"/>
+    <dgm:cxn modelId="{590BA2B5-C5C8-4F85-96C4-39EE69D16688}" srcId="{B3C2AB30-8036-459F-B993-D3773C67DD9D}" destId="{3CFB154E-A668-4B80-9466-68910118B9B1}" srcOrd="3" destOrd="0" parTransId="{598B9BB1-7AE0-4FB2-91FB-FE75C91A4812}" sibTransId="{090C2595-7880-450C-B788-7FF7A391D3A7}"/>
+    <dgm:cxn modelId="{B723FB96-4C44-4A2D-87AB-C5580D686646}" srcId="{B3C2AB30-8036-459F-B993-D3773C67DD9D}" destId="{BAED2D15-6FDE-45C3-80C2-1628F097C71F}" srcOrd="1" destOrd="0" parTransId="{0A0AE9FE-3A06-41E8-BC8B-9D71A6B835A5}" sibTransId="{A68EE49A-6123-4385-9F31-6DBBE65AD176}"/>
+    <dgm:cxn modelId="{448EFC37-BDC7-4C17-8A1B-99B8DD604807}" type="presOf" srcId="{035B2519-BB52-4E8D-AA77-1D32A0AAF456}" destId="{11BC7877-A5B3-476B-9758-9D1E881C492D}" srcOrd="0" destOrd="1" presId="urn:microsoft.com/office/officeart/2005/8/layout/vList5"/>
+    <dgm:cxn modelId="{3CD8E475-D6AD-41D6-900E-FEF00D103492}" type="presOf" srcId="{3ED00850-69D6-49FF-846A-0BF84A7A60A8}" destId="{63288B9B-1765-45F0-9E8B-DC4F6AF6E1C0}" srcOrd="0" destOrd="0" presId="urn:microsoft.com/office/officeart/2005/8/layout/vList5"/>
     <dgm:cxn modelId="{0E059C7D-625C-4F44-89C7-9CFC87A79216}" srcId="{B3C2AB30-8036-459F-B993-D3773C67DD9D}" destId="{3ED00850-69D6-49FF-846A-0BF84A7A60A8}" srcOrd="2" destOrd="0" parTransId="{41DC0F87-30F9-4AB8-8742-7161399E3EB2}" sibTransId="{3E9D7719-0258-4502-8C21-9EB50FB680FE}"/>
+    <dgm:cxn modelId="{687AD47C-BDC0-434D-8C44-41D7962043C3}" srcId="{BAED2D15-6FDE-45C3-80C2-1628F097C71F}" destId="{035B2519-BB52-4E8D-AA77-1D32A0AAF456}" srcOrd="1" destOrd="0" parTransId="{21924803-2CBE-4341-97C0-22EACFC248EB}" sibTransId="{D6CB33FF-675A-4582-AC6C-D5DD5EC2A84D}"/>
     <dgm:cxn modelId="{E7426180-CC72-453D-BABF-A7C0FCDF20F3}" srcId="{BAED2D15-6FDE-45C3-80C2-1628F097C71F}" destId="{C3119D90-7775-4D17-8467-17223E60758A}" srcOrd="0" destOrd="0" parTransId="{A9EAB4EA-9034-4D6B-A04C-698CB0842B32}" sibTransId="{E68228E9-CBF0-491A-A577-3E3D4EE9EA51}"/>
-    <dgm:cxn modelId="{55A6422F-2CE5-4E26-A122-8AC9A807CA58}" type="presOf" srcId="{BAED2D15-6FDE-45C3-80C2-1628F097C71F}" destId="{E694C6A9-C923-4D3E-96E3-C56ACB738687}" srcOrd="0" destOrd="0" presId="urn:microsoft.com/office/officeart/2005/8/layout/vList5"/>
-    <dgm:cxn modelId="{3ABFDC28-1981-4212-ADEE-A3988BE1C814}" type="presOf" srcId="{5DB085C3-EC83-49AD-83FA-44193E498D0E}" destId="{953D8EF2-CA34-4223-BC21-091DCD83F251}" srcOrd="0" destOrd="1" presId="urn:microsoft.com/office/officeart/2005/8/layout/vList5"/>
-    <dgm:cxn modelId="{0D7B0175-5BE5-490B-8784-8DA26D01DA78}" type="presOf" srcId="{05415844-D026-43F0-A84A-2FF4BC88E3D7}" destId="{953D8EF2-CA34-4223-BC21-091DCD83F251}" srcOrd="0" destOrd="0" presId="urn:microsoft.com/office/officeart/2005/8/layout/vList5"/>
-    <dgm:cxn modelId="{82A65CCC-CA8D-464F-B5D4-04F5C581C6D6}" type="presOf" srcId="{9629D5F1-18E2-4041-8F18-C932C9268865}" destId="{5FF4F0B4-F356-4D9C-A0EE-665C46F41A38}" srcOrd="0" destOrd="0" presId="urn:microsoft.com/office/officeart/2005/8/layout/vList5"/>
-    <dgm:cxn modelId="{69400C7C-E60F-4CB9-A84E-B43417105070}" srcId="{5FAAC11B-A49D-4B8F-9AB5-C78505788860}" destId="{5DB085C3-EC83-49AD-83FA-44193E498D0E}" srcOrd="1" destOrd="0" parTransId="{2474ACEA-D974-4C23-A1EB-D65DC593926C}" sibTransId="{B2A0639D-BA54-43EB-9563-5BF196FBE8FE}"/>
-    <dgm:cxn modelId="{3E3D7A66-0907-441F-810D-A7E814E45B9D}" type="presOf" srcId="{B3C2AB30-8036-459F-B993-D3773C67DD9D}" destId="{40C59A86-2687-4348-9351-4FF0F7D72F3B}" srcOrd="0" destOrd="0" presId="urn:microsoft.com/office/officeart/2005/8/layout/vList5"/>
+    <dgm:cxn modelId="{41A5180A-6667-456B-839C-04158C289892}" type="presOf" srcId="{5FAAC11B-A49D-4B8F-9AB5-C78505788860}" destId="{49B56584-ACFE-414D-A7DE-4BA30A8F176A}" srcOrd="0" destOrd="0" presId="urn:microsoft.com/office/officeart/2005/8/layout/vList5"/>
+    <dgm:cxn modelId="{3DAEFFE4-602C-46C1-8832-FB6F01D049AC}" srcId="{B3C2AB30-8036-459F-B993-D3773C67DD9D}" destId="{5FAAC11B-A49D-4B8F-9AB5-C78505788860}" srcOrd="0" destOrd="0" parTransId="{C6BA72B7-55ED-466D-A6F6-A2AEA1BA5CDF}" sibTransId="{C0930EE6-3289-43C7-9869-096BA50D9D4E}"/>
     <dgm:cxn modelId="{DAB167F9-7193-4BD8-8F3F-5E8022414586}" type="presOf" srcId="{881CB4F8-A044-4F9A-A952-47578BBC7034}" destId="{E57536E0-9956-481F-A648-0111A07C081E}" srcOrd="0" destOrd="0" presId="urn:microsoft.com/office/officeart/2005/8/layout/vList5"/>
-    <dgm:cxn modelId="{12FE5A79-AE42-4A95-BC70-1AE50726E5C8}" type="presOf" srcId="{3CFB154E-A668-4B80-9466-68910118B9B1}" destId="{42FC25AA-E933-4461-A7F4-FB056EBA38A0}" srcOrd="0" destOrd="0" presId="urn:microsoft.com/office/officeart/2005/8/layout/vList5"/>
     <dgm:cxn modelId="{2F2B48DF-D49F-4669-8B14-63D2561E9B9C}" type="presParOf" srcId="{40C59A86-2687-4348-9351-4FF0F7D72F3B}" destId="{9F64C6DF-99E8-4A7B-8E42-F7F15BE17CBD}" srcOrd="0" destOrd="0" presId="urn:microsoft.com/office/officeart/2005/8/layout/vList5"/>
     <dgm:cxn modelId="{2F9978E9-31C4-4C7B-A5CE-DDF16BF39B02}" type="presParOf" srcId="{9F64C6DF-99E8-4A7B-8E42-F7F15BE17CBD}" destId="{49B56584-ACFE-414D-A7DE-4BA30A8F176A}" srcOrd="0" destOrd="0" presId="urn:microsoft.com/office/officeart/2005/8/layout/vList5"/>
     <dgm:cxn modelId="{EBBFF63C-7B68-4BB7-A0E8-6CF00129F034}" type="presParOf" srcId="{9F64C6DF-99E8-4A7B-8E42-F7F15BE17CBD}" destId="{953D8EF2-CA34-4223-BC21-091DCD83F251}" srcOrd="1" destOrd="0" presId="urn:microsoft.com/office/officeart/2005/8/layout/vList5"/>
@@ -7303,7 +7303,7 @@
   </dgm:whole>
   <dgm:extLst>
     <a:ext uri="http://schemas.microsoft.com/office/drawing/2008/diagram">
-      <dsp:dataModelExt xmlns:dsp="http://schemas.microsoft.com/office/drawing/2008/diagram" relId="rId6" minVer="http://schemas.openxmlformats.org/drawingml/2006/diagram"/>
+      <dsp:dataModelExt xmlns:dsp="http://schemas.microsoft.com/office/drawing/2008/diagram" xmlns="" relId="rId6" minVer="http://schemas.openxmlformats.org/drawingml/2006/diagram"/>
     </a:ext>
   </dgm:extLst>
 </dgm:dataModel>
@@ -7767,19 +7767,19 @@
     </dgm:pt>
   </dgm:ptLst>
   <dgm:cxnLst>
-    <dgm:cxn modelId="{951CBE2B-7F1C-42B0-876F-28DD7DECE973}" type="presOf" srcId="{BDCDEF32-512C-49E0-AE66-AA6C4A7A3C84}" destId="{24EE4DB3-8D64-4CDF-BFF4-872FA6F0FA26}" srcOrd="0" destOrd="0" presId="urn:microsoft.com/office/officeart/2005/8/layout/hProcess11"/>
-    <dgm:cxn modelId="{264CE119-74CD-4831-BA4F-0D242EA02C03}" type="presOf" srcId="{ABFC69B3-A295-4252-A9AA-8AF2327075E9}" destId="{68EC4EEA-6B9C-437E-9556-D3501844942E}" srcOrd="0" destOrd="0" presId="urn:microsoft.com/office/officeart/2005/8/layout/hProcess11"/>
     <dgm:cxn modelId="{505A99A2-7A8C-4733-9033-CB8529947B7F}" srcId="{3F5EF179-F312-45E9-8985-CBB40957FFD5}" destId="{A51A941A-5754-4E33-8904-737A695C2BCE}" srcOrd="1" destOrd="0" parTransId="{1A793E92-0485-4A6A-952E-D18E76617C66}" sibTransId="{FF2A3879-43DF-4194-9A57-2EF18D1BB18B}"/>
+    <dgm:cxn modelId="{EB7D5429-516A-4524-B229-F236B396D47B}" srcId="{3F5EF179-F312-45E9-8985-CBB40957FFD5}" destId="{ABFC69B3-A295-4252-A9AA-8AF2327075E9}" srcOrd="3" destOrd="0" parTransId="{C75E31B5-1945-43A3-A6A0-1B23EDFD0257}" sibTransId="{8FC1A16D-6B23-4ED5-9E8F-581991CEAD74}"/>
+    <dgm:cxn modelId="{AA98D103-4E4D-4890-B753-FBA8103974C0}" srcId="{3F5EF179-F312-45E9-8985-CBB40957FFD5}" destId="{D06186F7-99A6-4B8E-9C1E-8769C0B9EB5D}" srcOrd="0" destOrd="0" parTransId="{97802817-1934-4C16-ABE5-EBFEE76BE03C}" sibTransId="{9EA7424A-4556-4CB1-8937-3E01B6B56AE4}"/>
+    <dgm:cxn modelId="{04B914BC-98E9-432D-800D-1053C200EA70}" type="presOf" srcId="{F61C2873-15A5-40AF-8ADB-56666A41456F}" destId="{5D5207D7-821B-491F-BE64-49D9ABFCB615}" srcOrd="0" destOrd="0" presId="urn:microsoft.com/office/officeart/2005/8/layout/hProcess11"/>
     <dgm:cxn modelId="{570A77AB-89EB-49D3-8941-D2ECD94D9071}" type="presOf" srcId="{3F5EF179-F312-45E9-8985-CBB40957FFD5}" destId="{7E7F9AD9-91CB-4B59-8352-2A707A093927}" srcOrd="0" destOrd="0" presId="urn:microsoft.com/office/officeart/2005/8/layout/hProcess11"/>
     <dgm:cxn modelId="{912A729C-9AF3-421B-B0B9-5BF8BF93D13B}" type="presOf" srcId="{D06186F7-99A6-4B8E-9C1E-8769C0B9EB5D}" destId="{4F22BBA7-5AA2-418A-9F1E-C64055BF4630}" srcOrd="0" destOrd="0" presId="urn:microsoft.com/office/officeart/2005/8/layout/hProcess11"/>
+    <dgm:cxn modelId="{264CE119-74CD-4831-BA4F-0D242EA02C03}" type="presOf" srcId="{ABFC69B3-A295-4252-A9AA-8AF2327075E9}" destId="{68EC4EEA-6B9C-437E-9556-D3501844942E}" srcOrd="0" destOrd="0" presId="urn:microsoft.com/office/officeart/2005/8/layout/hProcess11"/>
+    <dgm:cxn modelId="{3B4DA28C-8C7F-43A9-9E73-367FF0466D52}" srcId="{3F5EF179-F312-45E9-8985-CBB40957FFD5}" destId="{F61C2873-15A5-40AF-8ADB-56666A41456F}" srcOrd="5" destOrd="0" parTransId="{252403C2-F307-476A-9359-F2C98F4CD635}" sibTransId="{C9AFC414-D234-4C56-B532-0D31A50CAC5D}"/>
     <dgm:cxn modelId="{052EB53D-758A-41B8-8A96-A23F21A7FF58}" type="presOf" srcId="{A51A941A-5754-4E33-8904-737A695C2BCE}" destId="{9E474C47-7A71-4BB5-9910-668599D73C49}" srcOrd="0" destOrd="0" presId="urn:microsoft.com/office/officeart/2005/8/layout/hProcess11"/>
+    <dgm:cxn modelId="{951CBE2B-7F1C-42B0-876F-28DD7DECE973}" type="presOf" srcId="{BDCDEF32-512C-49E0-AE66-AA6C4A7A3C84}" destId="{24EE4DB3-8D64-4CDF-BFF4-872FA6F0FA26}" srcOrd="0" destOrd="0" presId="urn:microsoft.com/office/officeart/2005/8/layout/hProcess11"/>
+    <dgm:cxn modelId="{BB229593-956F-4134-8F60-96F80395132D}" srcId="{3F5EF179-F312-45E9-8985-CBB40957FFD5}" destId="{BDCDEF32-512C-49E0-AE66-AA6C4A7A3C84}" srcOrd="4" destOrd="0" parTransId="{C4761D74-BB46-4CEA-ADAC-3C99BC60C59B}" sibTransId="{FFDE47EB-320E-4F52-BF2F-90EFF9F8566A}"/>
     <dgm:cxn modelId="{CA9B8421-6298-41CE-BAF5-73303A938371}" type="presOf" srcId="{3D26DFD7-8586-44D6-B67C-C8D7607CB85D}" destId="{BA3FE596-3C30-44A2-9216-346292977789}" srcOrd="0" destOrd="0" presId="urn:microsoft.com/office/officeart/2005/8/layout/hProcess11"/>
-    <dgm:cxn modelId="{AA98D103-4E4D-4890-B753-FBA8103974C0}" srcId="{3F5EF179-F312-45E9-8985-CBB40957FFD5}" destId="{D06186F7-99A6-4B8E-9C1E-8769C0B9EB5D}" srcOrd="0" destOrd="0" parTransId="{97802817-1934-4C16-ABE5-EBFEE76BE03C}" sibTransId="{9EA7424A-4556-4CB1-8937-3E01B6B56AE4}"/>
-    <dgm:cxn modelId="{BB229593-956F-4134-8F60-96F80395132D}" srcId="{3F5EF179-F312-45E9-8985-CBB40957FFD5}" destId="{BDCDEF32-512C-49E0-AE66-AA6C4A7A3C84}" srcOrd="4" destOrd="0" parTransId="{C4761D74-BB46-4CEA-ADAC-3C99BC60C59B}" sibTransId="{FFDE47EB-320E-4F52-BF2F-90EFF9F8566A}"/>
-    <dgm:cxn modelId="{3B4DA28C-8C7F-43A9-9E73-367FF0466D52}" srcId="{3F5EF179-F312-45E9-8985-CBB40957FFD5}" destId="{F61C2873-15A5-40AF-8ADB-56666A41456F}" srcOrd="5" destOrd="0" parTransId="{252403C2-F307-476A-9359-F2C98F4CD635}" sibTransId="{C9AFC414-D234-4C56-B532-0D31A50CAC5D}"/>
-    <dgm:cxn modelId="{04B914BC-98E9-432D-800D-1053C200EA70}" type="presOf" srcId="{F61C2873-15A5-40AF-8ADB-56666A41456F}" destId="{5D5207D7-821B-491F-BE64-49D9ABFCB615}" srcOrd="0" destOrd="0" presId="urn:microsoft.com/office/officeart/2005/8/layout/hProcess11"/>
     <dgm:cxn modelId="{8E7160B9-1764-4893-B586-2E42C5DA7984}" srcId="{3F5EF179-F312-45E9-8985-CBB40957FFD5}" destId="{3D26DFD7-8586-44D6-B67C-C8D7607CB85D}" srcOrd="2" destOrd="0" parTransId="{EAC7D6AB-4053-404C-A513-471F1D1B178E}" sibTransId="{CEC820C9-E56A-4482-A20F-73BC6FA398B8}"/>
-    <dgm:cxn modelId="{EB7D5429-516A-4524-B229-F236B396D47B}" srcId="{3F5EF179-F312-45E9-8985-CBB40957FFD5}" destId="{ABFC69B3-A295-4252-A9AA-8AF2327075E9}" srcOrd="3" destOrd="0" parTransId="{C75E31B5-1945-43A3-A6A0-1B23EDFD0257}" sibTransId="{8FC1A16D-6B23-4ED5-9E8F-581991CEAD74}"/>
     <dgm:cxn modelId="{8598B9C7-58C1-4DE8-B191-32C0A8593336}" type="presParOf" srcId="{7E7F9AD9-91CB-4B59-8352-2A707A093927}" destId="{54467DCC-9E0E-4C79-9FE8-D536226FC890}" srcOrd="0" destOrd="0" presId="urn:microsoft.com/office/officeart/2005/8/layout/hProcess11"/>
     <dgm:cxn modelId="{7A6CE8D5-A024-426E-B6D4-33E308774193}" type="presParOf" srcId="{7E7F9AD9-91CB-4B59-8352-2A707A093927}" destId="{385C4271-5477-41A0-8461-3D4005D27EE0}" srcOrd="1" destOrd="0" presId="urn:microsoft.com/office/officeart/2005/8/layout/hProcess11"/>
     <dgm:cxn modelId="{14BDAFC4-AE5B-4DD0-8EA8-DD5AB2C94FD2}" type="presParOf" srcId="{385C4271-5477-41A0-8461-3D4005D27EE0}" destId="{63828406-8C43-46A8-B168-790B1E0529C1}" srcOrd="0" destOrd="0" presId="urn:microsoft.com/office/officeart/2005/8/layout/hProcess11"/>
@@ -7816,7 +7816,7 @@
   <dgm:whole/>
   <dgm:extLst>
     <a:ext uri="http://schemas.microsoft.com/office/drawing/2008/diagram">
-      <dsp:dataModelExt xmlns:dsp="http://schemas.microsoft.com/office/drawing/2008/diagram" relId="rId12" minVer="http://schemas.openxmlformats.org/drawingml/2006/diagram"/>
+      <dsp:dataModelExt xmlns:dsp="http://schemas.microsoft.com/office/drawing/2008/diagram" xmlns="" relId="rId12" minVer="http://schemas.openxmlformats.org/drawingml/2006/diagram"/>
     </a:ext>
   </dgm:extLst>
 </dgm:dataModel>
@@ -20523,7 +20523,7 @@
     </p:spTree>
     <p:extLst>
       <p:ext uri="{BB962C8B-B14F-4D97-AF65-F5344CB8AC3E}">
-        <p14:creationId xmlns:p14="http://schemas.microsoft.com/office/powerpoint/2010/main" val="1258104433"/>
+        <p14:creationId xmlns:p14="http://schemas.microsoft.com/office/powerpoint/2010/main" xmlns="" val="1258104433"/>
       </p:ext>
     </p:extLst>
   </p:cSld>
@@ -20786,7 +20786,7 @@
     </p:spTree>
     <p:extLst>
       <p:ext uri="{BB962C8B-B14F-4D97-AF65-F5344CB8AC3E}">
-        <p14:creationId xmlns:p14="http://schemas.microsoft.com/office/powerpoint/2010/main" val="2181398396"/>
+        <p14:creationId xmlns:p14="http://schemas.microsoft.com/office/powerpoint/2010/main" xmlns="" val="2181398396"/>
       </p:ext>
     </p:extLst>
   </p:cSld>
@@ -20962,7 +20962,7 @@
     </p:spTree>
     <p:extLst>
       <p:ext uri="{BB962C8B-B14F-4D97-AF65-F5344CB8AC3E}">
-        <p14:creationId xmlns:p14="http://schemas.microsoft.com/office/powerpoint/2010/main" val="2470870445"/>
+        <p14:creationId xmlns:p14="http://schemas.microsoft.com/office/powerpoint/2010/main" xmlns="" val="2470870445"/>
       </p:ext>
     </p:extLst>
   </p:cSld>
@@ -21047,7 +21047,7 @@
     </p:spTree>
     <p:extLst>
       <p:ext uri="{BB962C8B-B14F-4D97-AF65-F5344CB8AC3E}">
-        <p14:creationId xmlns:p14="http://schemas.microsoft.com/office/powerpoint/2010/main" val="824891217"/>
+        <p14:creationId xmlns:p14="http://schemas.microsoft.com/office/powerpoint/2010/main" xmlns="" val="824891217"/>
       </p:ext>
     </p:extLst>
   </p:cSld>
@@ -21132,7 +21132,7 @@
     </p:spTree>
     <p:extLst>
       <p:ext uri="{BB962C8B-B14F-4D97-AF65-F5344CB8AC3E}">
-        <p14:creationId xmlns:p14="http://schemas.microsoft.com/office/powerpoint/2010/main" val="904044599"/>
+        <p14:creationId xmlns:p14="http://schemas.microsoft.com/office/powerpoint/2010/main" xmlns="" val="904044599"/>
       </p:ext>
     </p:extLst>
   </p:cSld>
@@ -21754,7 +21754,7 @@
           <a:blip r:embed="rId2" cstate="print">
             <a:extLst>
               <a:ext uri="{28A0092B-C50C-407E-A947-70E740481C1C}">
-                <a14:useLocalDpi xmlns:a14="http://schemas.microsoft.com/office/drawing/2010/main" val="0"/>
+                <a14:useLocalDpi xmlns:a14="http://schemas.microsoft.com/office/drawing/2010/main" xmlns="" val="0"/>
               </a:ext>
             </a:extLst>
           </a:blip>
@@ -21799,7 +21799,7 @@
           </a:ln>
           <a:extLst>
             <a:ext uri="{909E8E84-426E-40DD-AFC4-6F175D3DCCD1}">
-              <a14:hiddenFill xmlns:a14="http://schemas.microsoft.com/office/drawing/2010/main">
+              <a14:hiddenFill xmlns:a14="http://schemas.microsoft.com/office/drawing/2010/main" xmlns="">
                 <a:noFill/>
               </a14:hiddenFill>
             </a:ext>
@@ -21838,7 +21838,7 @@
           <a:blip r:embed="rId3">
             <a:extLst>
               <a:ext uri="{28A0092B-C50C-407E-A947-70E740481C1C}">
-                <a14:useLocalDpi xmlns:a14="http://schemas.microsoft.com/office/drawing/2010/main" val="0"/>
+                <a14:useLocalDpi xmlns:a14="http://schemas.microsoft.com/office/drawing/2010/main" xmlns="" val="0"/>
               </a:ext>
             </a:extLst>
           </a:blip>
@@ -21861,14 +21861,14 @@
           </a:ln>
           <a:extLst>
             <a:ext uri="{909E8E84-426E-40DD-AFC4-6F175D3DCCD1}">
-              <a14:hiddenFill xmlns:a14="http://schemas.microsoft.com/office/drawing/2010/main">
+              <a14:hiddenFill xmlns:a14="http://schemas.microsoft.com/office/drawing/2010/main" xmlns="">
                 <a:solidFill>
                   <a:srgbClr val="FFFFFF"/>
                 </a:solidFill>
               </a14:hiddenFill>
             </a:ext>
             <a:ext uri="{91240B29-F687-4F45-9708-019B960494DF}">
-              <a14:hiddenLine xmlns:a14="http://schemas.microsoft.com/office/drawing/2010/main" w="9525">
+              <a14:hiddenLine xmlns:a14="http://schemas.microsoft.com/office/drawing/2010/main" xmlns="" w="9525">
                 <a:solidFill>
                   <a:srgbClr val="000000"/>
                 </a:solidFill>
@@ -21892,7 +21892,7 @@
           <a:blip r:embed="rId4">
             <a:extLst>
               <a:ext uri="{28A0092B-C50C-407E-A947-70E740481C1C}">
-                <a14:useLocalDpi xmlns:a14="http://schemas.microsoft.com/office/drawing/2010/main" val="0"/>
+                <a14:useLocalDpi xmlns:a14="http://schemas.microsoft.com/office/drawing/2010/main" xmlns="" val="0"/>
               </a:ext>
             </a:extLst>
           </a:blip>
@@ -21915,14 +21915,14 @@
           </a:ln>
           <a:extLst>
             <a:ext uri="{909E8E84-426E-40DD-AFC4-6F175D3DCCD1}">
-              <a14:hiddenFill xmlns:a14="http://schemas.microsoft.com/office/drawing/2010/main">
+              <a14:hiddenFill xmlns:a14="http://schemas.microsoft.com/office/drawing/2010/main" xmlns="">
                 <a:solidFill>
                   <a:srgbClr val="FFFFFF"/>
                 </a:solidFill>
               </a14:hiddenFill>
             </a:ext>
             <a:ext uri="{91240B29-F687-4F45-9708-019B960494DF}">
-              <a14:hiddenLine xmlns:a14="http://schemas.microsoft.com/office/drawing/2010/main" w="9525">
+              <a14:hiddenLine xmlns:a14="http://schemas.microsoft.com/office/drawing/2010/main" xmlns="" w="9525">
                 <a:solidFill>
                   <a:srgbClr val="000000"/>
                 </a:solidFill>
@@ -21946,7 +21946,7 @@
           <a:blip r:embed="rId3">
             <a:extLst>
               <a:ext uri="{28A0092B-C50C-407E-A947-70E740481C1C}">
-                <a14:useLocalDpi xmlns:a14="http://schemas.microsoft.com/office/drawing/2010/main" val="0"/>
+                <a14:useLocalDpi xmlns:a14="http://schemas.microsoft.com/office/drawing/2010/main" xmlns="" val="0"/>
               </a:ext>
             </a:extLst>
           </a:blip>
@@ -21969,14 +21969,14 @@
           </a:ln>
           <a:extLst>
             <a:ext uri="{909E8E84-426E-40DD-AFC4-6F175D3DCCD1}">
-              <a14:hiddenFill xmlns:a14="http://schemas.microsoft.com/office/drawing/2010/main">
+              <a14:hiddenFill xmlns:a14="http://schemas.microsoft.com/office/drawing/2010/main" xmlns="">
                 <a:solidFill>
                   <a:srgbClr val="FFFFFF"/>
                 </a:solidFill>
               </a14:hiddenFill>
             </a:ext>
             <a:ext uri="{91240B29-F687-4F45-9708-019B960494DF}">
-              <a14:hiddenLine xmlns:a14="http://schemas.microsoft.com/office/drawing/2010/main" w="9525">
+              <a14:hiddenLine xmlns:a14="http://schemas.microsoft.com/office/drawing/2010/main" xmlns="" w="9525">
                 <a:solidFill>
                   <a:srgbClr val="000000"/>
                 </a:solidFill>
@@ -22000,7 +22000,7 @@
           <a:blip r:embed="rId4">
             <a:extLst>
               <a:ext uri="{28A0092B-C50C-407E-A947-70E740481C1C}">
-                <a14:useLocalDpi xmlns:a14="http://schemas.microsoft.com/office/drawing/2010/main" val="0"/>
+                <a14:useLocalDpi xmlns:a14="http://schemas.microsoft.com/office/drawing/2010/main" xmlns="" val="0"/>
               </a:ext>
             </a:extLst>
           </a:blip>
@@ -22023,14 +22023,14 @@
           </a:ln>
           <a:extLst>
             <a:ext uri="{909E8E84-426E-40DD-AFC4-6F175D3DCCD1}">
-              <a14:hiddenFill xmlns:a14="http://schemas.microsoft.com/office/drawing/2010/main">
+              <a14:hiddenFill xmlns:a14="http://schemas.microsoft.com/office/drawing/2010/main" xmlns="">
                 <a:solidFill>
                   <a:srgbClr val="FFFFFF"/>
                 </a:solidFill>
               </a14:hiddenFill>
             </a:ext>
             <a:ext uri="{91240B29-F687-4F45-9708-019B960494DF}">
-              <a14:hiddenLine xmlns:a14="http://schemas.microsoft.com/office/drawing/2010/main" w="9525">
+              <a14:hiddenLine xmlns:a14="http://schemas.microsoft.com/office/drawing/2010/main" xmlns="" w="9525">
                 <a:solidFill>
                   <a:srgbClr val="000000"/>
                 </a:solidFill>
@@ -22307,7 +22307,7 @@
     </p:spTree>
     <p:extLst>
       <p:ext uri="{BB962C8B-B14F-4D97-AF65-F5344CB8AC3E}">
-        <p14:creationId xmlns:p14="http://schemas.microsoft.com/office/powerpoint/2010/main" val="3301995238"/>
+        <p14:creationId xmlns:p14="http://schemas.microsoft.com/office/powerpoint/2010/main" xmlns="" val="3301995238"/>
       </p:ext>
     </p:extLst>
   </p:cSld>
@@ -22499,14 +22499,14 @@
           </a:ln>
           <a:extLst>
             <a:ext uri="{909E8E84-426E-40DD-AFC4-6F175D3DCCD1}">
-              <a14:hiddenFill xmlns:a14="http://schemas.microsoft.com/office/drawing/2010/main">
+              <a14:hiddenFill xmlns:a14="http://schemas.microsoft.com/office/drawing/2010/main" xmlns="">
                 <a:solidFill>
                   <a:srgbClr val="FFFFFF"/>
                 </a:solidFill>
               </a14:hiddenFill>
             </a:ext>
             <a:ext uri="{91240B29-F687-4F45-9708-019B960494DF}">
-              <a14:hiddenLine xmlns:a14="http://schemas.microsoft.com/office/drawing/2010/main" w="9525">
+              <a14:hiddenLine xmlns:a14="http://schemas.microsoft.com/office/drawing/2010/main" xmlns="" w="9525">
                 <a:solidFill>
                   <a:srgbClr val="000000"/>
                 </a:solidFill>
@@ -22668,7 +22668,7 @@
     </p:spTree>
     <p:extLst>
       <p:ext uri="{BB962C8B-B14F-4D97-AF65-F5344CB8AC3E}">
-        <p14:creationId xmlns:p14="http://schemas.microsoft.com/office/powerpoint/2010/main" val="1813179320"/>
+        <p14:creationId xmlns:p14="http://schemas.microsoft.com/office/powerpoint/2010/main" xmlns="" val="1813179320"/>
       </p:ext>
     </p:extLst>
   </p:cSld>
@@ -22720,14 +22720,14 @@
           </a:ln>
           <a:extLst>
             <a:ext uri="{909E8E84-426E-40DD-AFC4-6F175D3DCCD1}">
-              <a14:hiddenFill xmlns:a14="http://schemas.microsoft.com/office/drawing/2010/main">
+              <a14:hiddenFill xmlns:a14="http://schemas.microsoft.com/office/drawing/2010/main" xmlns="">
                 <a:solidFill>
                   <a:srgbClr val="FFFFFF"/>
                 </a:solidFill>
               </a14:hiddenFill>
             </a:ext>
             <a:ext uri="{91240B29-F687-4F45-9708-019B960494DF}">
-              <a14:hiddenLine xmlns:a14="http://schemas.microsoft.com/office/drawing/2010/main" w="9525">
+              <a14:hiddenLine xmlns:a14="http://schemas.microsoft.com/office/drawing/2010/main" xmlns="" w="9525">
                 <a:solidFill>
                   <a:srgbClr val="000000"/>
                 </a:solidFill>
@@ -22908,14 +22908,14 @@
           </a:ln>
           <a:extLst>
             <a:ext uri="{909E8E84-426E-40DD-AFC4-6F175D3DCCD1}">
-              <a14:hiddenFill xmlns:a14="http://schemas.microsoft.com/office/drawing/2010/main">
+              <a14:hiddenFill xmlns:a14="http://schemas.microsoft.com/office/drawing/2010/main" xmlns="">
                 <a:solidFill>
                   <a:srgbClr val="FFFFFF"/>
                 </a:solidFill>
               </a14:hiddenFill>
             </a:ext>
             <a:ext uri="{91240B29-F687-4F45-9708-019B960494DF}">
-              <a14:hiddenLine xmlns:a14="http://schemas.microsoft.com/office/drawing/2010/main" w="9525">
+              <a14:hiddenLine xmlns:a14="http://schemas.microsoft.com/office/drawing/2010/main" xmlns="" w="9525">
                 <a:solidFill>
                   <a:srgbClr val="000000"/>
                 </a:solidFill>
@@ -23197,7 +23197,7 @@
     </p:spTree>
     <p:extLst>
       <p:ext uri="{BB962C8B-B14F-4D97-AF65-F5344CB8AC3E}">
-        <p14:creationId xmlns:p14="http://schemas.microsoft.com/office/powerpoint/2010/main" val="63194241"/>
+        <p14:creationId xmlns:p14="http://schemas.microsoft.com/office/powerpoint/2010/main" xmlns="" val="63194241"/>
       </p:ext>
     </p:extLst>
   </p:cSld>
@@ -23249,14 +23249,14 @@
           </a:ln>
           <a:extLst>
             <a:ext uri="{909E8E84-426E-40DD-AFC4-6F175D3DCCD1}">
-              <a14:hiddenFill xmlns:a14="http://schemas.microsoft.com/office/drawing/2010/main">
+              <a14:hiddenFill xmlns:a14="http://schemas.microsoft.com/office/drawing/2010/main" xmlns="">
                 <a:solidFill>
                   <a:srgbClr val="FFFFFF"/>
                 </a:solidFill>
               </a14:hiddenFill>
             </a:ext>
             <a:ext uri="{91240B29-F687-4F45-9708-019B960494DF}">
-              <a14:hiddenLine xmlns:a14="http://schemas.microsoft.com/office/drawing/2010/main" w="9525">
+              <a14:hiddenLine xmlns:a14="http://schemas.microsoft.com/office/drawing/2010/main" xmlns="" w="9525">
                 <a:solidFill>
                   <a:srgbClr val="000000"/>
                 </a:solidFill>
@@ -23437,14 +23437,14 @@
           </a:ln>
           <a:extLst>
             <a:ext uri="{909E8E84-426E-40DD-AFC4-6F175D3DCCD1}">
-              <a14:hiddenFill xmlns:a14="http://schemas.microsoft.com/office/drawing/2010/main">
+              <a14:hiddenFill xmlns:a14="http://schemas.microsoft.com/office/drawing/2010/main" xmlns="">
                 <a:solidFill>
                   <a:srgbClr val="FFFFFF"/>
                 </a:solidFill>
               </a14:hiddenFill>
             </a:ext>
             <a:ext uri="{91240B29-F687-4F45-9708-019B960494DF}">
-              <a14:hiddenLine xmlns:a14="http://schemas.microsoft.com/office/drawing/2010/main" w="9525">
+              <a14:hiddenLine xmlns:a14="http://schemas.microsoft.com/office/drawing/2010/main" xmlns="" w="9525">
                 <a:solidFill>
                   <a:srgbClr val="000000"/>
                 </a:solidFill>
@@ -23759,7 +23759,7 @@
     </p:spTree>
     <p:extLst>
       <p:ext uri="{BB962C8B-B14F-4D97-AF65-F5344CB8AC3E}">
-        <p14:creationId xmlns:p14="http://schemas.microsoft.com/office/powerpoint/2010/main" val="2715261349"/>
+        <p14:creationId xmlns:p14="http://schemas.microsoft.com/office/powerpoint/2010/main" xmlns="" val="2715261349"/>
       </p:ext>
     </p:extLst>
   </p:cSld>
@@ -24008,14 +24008,14 @@
           </a:ln>
           <a:extLst>
             <a:ext uri="{909E8E84-426E-40DD-AFC4-6F175D3DCCD1}">
-              <a14:hiddenFill xmlns:a14="http://schemas.microsoft.com/office/drawing/2010/main">
+              <a14:hiddenFill xmlns:a14="http://schemas.microsoft.com/office/drawing/2010/main" xmlns="">
                 <a:solidFill>
                   <a:srgbClr val="FFFFFF"/>
                 </a:solidFill>
               </a14:hiddenFill>
             </a:ext>
             <a:ext uri="{91240B29-F687-4F45-9708-019B960494DF}">
-              <a14:hiddenLine xmlns:a14="http://schemas.microsoft.com/office/drawing/2010/main" w="9525">
+              <a14:hiddenLine xmlns:a14="http://schemas.microsoft.com/office/drawing/2010/main" xmlns="" w="9525">
                 <a:solidFill>
                   <a:srgbClr val="000000"/>
                 </a:solidFill>
@@ -24177,7 +24177,7 @@
     </p:spTree>
     <p:extLst>
       <p:ext uri="{BB962C8B-B14F-4D97-AF65-F5344CB8AC3E}">
-        <p14:creationId xmlns:p14="http://schemas.microsoft.com/office/powerpoint/2010/main" val="3330486198"/>
+        <p14:creationId xmlns:p14="http://schemas.microsoft.com/office/powerpoint/2010/main" xmlns="" val="3330486198"/>
       </p:ext>
     </p:extLst>
   </p:cSld>
@@ -24229,14 +24229,14 @@
           </a:ln>
           <a:extLst>
             <a:ext uri="{909E8E84-426E-40DD-AFC4-6F175D3DCCD1}">
-              <a14:hiddenFill xmlns:a14="http://schemas.microsoft.com/office/drawing/2010/main">
+              <a14:hiddenFill xmlns:a14="http://schemas.microsoft.com/office/drawing/2010/main" xmlns="">
                 <a:solidFill>
                   <a:srgbClr val="FFFFFF"/>
                 </a:solidFill>
               </a14:hiddenFill>
             </a:ext>
             <a:ext uri="{91240B29-F687-4F45-9708-019B960494DF}">
-              <a14:hiddenLine xmlns:a14="http://schemas.microsoft.com/office/drawing/2010/main" w="9525">
+              <a14:hiddenLine xmlns:a14="http://schemas.microsoft.com/office/drawing/2010/main" xmlns="" w="9525">
                 <a:solidFill>
                   <a:srgbClr val="000000"/>
                 </a:solidFill>
@@ -24417,14 +24417,14 @@
           </a:ln>
           <a:extLst>
             <a:ext uri="{909E8E84-426E-40DD-AFC4-6F175D3DCCD1}">
-              <a14:hiddenFill xmlns:a14="http://schemas.microsoft.com/office/drawing/2010/main">
+              <a14:hiddenFill xmlns:a14="http://schemas.microsoft.com/office/drawing/2010/main" xmlns="">
                 <a:solidFill>
                   <a:srgbClr val="FFFFFF"/>
                 </a:solidFill>
               </a14:hiddenFill>
             </a:ext>
             <a:ext uri="{91240B29-F687-4F45-9708-019B960494DF}">
-              <a14:hiddenLine xmlns:a14="http://schemas.microsoft.com/office/drawing/2010/main" w="9525">
+              <a14:hiddenLine xmlns:a14="http://schemas.microsoft.com/office/drawing/2010/main" xmlns="" w="9525">
                 <a:solidFill>
                   <a:srgbClr val="000000"/>
                 </a:solidFill>
@@ -24913,7 +24913,7 @@
     </p:spTree>
     <p:extLst>
       <p:ext uri="{BB962C8B-B14F-4D97-AF65-F5344CB8AC3E}">
-        <p14:creationId xmlns:p14="http://schemas.microsoft.com/office/powerpoint/2010/main" val="3465957744"/>
+        <p14:creationId xmlns:p14="http://schemas.microsoft.com/office/powerpoint/2010/main" xmlns="" val="3465957744"/>
       </p:ext>
     </p:extLst>
   </p:cSld>
@@ -24965,14 +24965,14 @@
           </a:ln>
           <a:extLst>
             <a:ext uri="{909E8E84-426E-40DD-AFC4-6F175D3DCCD1}">
-              <a14:hiddenFill xmlns:a14="http://schemas.microsoft.com/office/drawing/2010/main">
+              <a14:hiddenFill xmlns:a14="http://schemas.microsoft.com/office/drawing/2010/main" xmlns="">
                 <a:solidFill>
                   <a:srgbClr val="FFFFFF"/>
                 </a:solidFill>
               </a14:hiddenFill>
             </a:ext>
             <a:ext uri="{91240B29-F687-4F45-9708-019B960494DF}">
-              <a14:hiddenLine xmlns:a14="http://schemas.microsoft.com/office/drawing/2010/main" w="9525">
+              <a14:hiddenLine xmlns:a14="http://schemas.microsoft.com/office/drawing/2010/main" xmlns="" w="9525">
                 <a:solidFill>
                   <a:srgbClr val="000000"/>
                 </a:solidFill>
@@ -25161,7 +25161,7 @@
     </p:spTree>
     <p:extLst>
       <p:ext uri="{BB962C8B-B14F-4D97-AF65-F5344CB8AC3E}">
-        <p14:creationId xmlns:p14="http://schemas.microsoft.com/office/powerpoint/2010/main" val="4094041686"/>
+        <p14:creationId xmlns:p14="http://schemas.microsoft.com/office/powerpoint/2010/main" xmlns="" val="4094041686"/>
       </p:ext>
     </p:extLst>
   </p:cSld>
@@ -25213,14 +25213,14 @@
           </a:ln>
           <a:extLst>
             <a:ext uri="{909E8E84-426E-40DD-AFC4-6F175D3DCCD1}">
-              <a14:hiddenFill xmlns:a14="http://schemas.microsoft.com/office/drawing/2010/main">
+              <a14:hiddenFill xmlns:a14="http://schemas.microsoft.com/office/drawing/2010/main" xmlns="">
                 <a:solidFill>
                   <a:srgbClr val="FFFFFF"/>
                 </a:solidFill>
               </a14:hiddenFill>
             </a:ext>
             <a:ext uri="{91240B29-F687-4F45-9708-019B960494DF}">
-              <a14:hiddenLine xmlns:a14="http://schemas.microsoft.com/office/drawing/2010/main" w="9525">
+              <a14:hiddenLine xmlns:a14="http://schemas.microsoft.com/office/drawing/2010/main" xmlns="" w="9525">
                 <a:solidFill>
                   <a:srgbClr val="000000"/>
                 </a:solidFill>
@@ -25401,14 +25401,14 @@
           </a:ln>
           <a:extLst>
             <a:ext uri="{909E8E84-426E-40DD-AFC4-6F175D3DCCD1}">
-              <a14:hiddenFill xmlns:a14="http://schemas.microsoft.com/office/drawing/2010/main">
+              <a14:hiddenFill xmlns:a14="http://schemas.microsoft.com/office/drawing/2010/main" xmlns="">
                 <a:solidFill>
                   <a:srgbClr val="FFFFFF"/>
                 </a:solidFill>
               </a14:hiddenFill>
             </a:ext>
             <a:ext uri="{91240B29-F687-4F45-9708-019B960494DF}">
-              <a14:hiddenLine xmlns:a14="http://schemas.microsoft.com/office/drawing/2010/main" w="9525">
+              <a14:hiddenLine xmlns:a14="http://schemas.microsoft.com/office/drawing/2010/main" xmlns="" w="9525">
                 <a:solidFill>
                   <a:srgbClr val="000000"/>
                 </a:solidFill>
@@ -25570,7 +25570,7 @@
     </p:spTree>
     <p:extLst>
       <p:ext uri="{BB962C8B-B14F-4D97-AF65-F5344CB8AC3E}">
-        <p14:creationId xmlns:p14="http://schemas.microsoft.com/office/powerpoint/2010/main" val="982057992"/>
+        <p14:creationId xmlns:p14="http://schemas.microsoft.com/office/powerpoint/2010/main" xmlns="" val="982057992"/>
       </p:ext>
     </p:extLst>
   </p:cSld>
@@ -25867,7 +25867,7 @@
     </p:spTree>
     <p:extLst>
       <p:ext uri="{BB962C8B-B14F-4D97-AF65-F5344CB8AC3E}">
-        <p14:creationId xmlns:p14="http://schemas.microsoft.com/office/powerpoint/2010/main" val="4141984023"/>
+        <p14:creationId xmlns:p14="http://schemas.microsoft.com/office/powerpoint/2010/main" xmlns="" val="4141984023"/>
       </p:ext>
     </p:extLst>
   </p:cSld>
@@ -28115,14 +28115,14 @@
           </a:ln>
           <a:extLst>
             <a:ext uri="{909E8E84-426E-40DD-AFC4-6F175D3DCCD1}">
-              <a14:hiddenFill xmlns:a14="http://schemas.microsoft.com/office/drawing/2010/main">
+              <a14:hiddenFill xmlns:a14="http://schemas.microsoft.com/office/drawing/2010/main" xmlns="">
                 <a:solidFill>
                   <a:srgbClr val="FFFFFF"/>
                 </a:solidFill>
               </a14:hiddenFill>
             </a:ext>
             <a:ext uri="{91240B29-F687-4F45-9708-019B960494DF}">
-              <a14:hiddenLine xmlns:a14="http://schemas.microsoft.com/office/drawing/2010/main" w="9525">
+              <a14:hiddenLine xmlns:a14="http://schemas.microsoft.com/office/drawing/2010/main" xmlns="" w="9525">
                 <a:solidFill>
                   <a:srgbClr val="000000"/>
                 </a:solidFill>
@@ -28173,14 +28173,14 @@
           </a:ln>
           <a:extLst>
             <a:ext uri="{909E8E84-426E-40DD-AFC4-6F175D3DCCD1}">
-              <a14:hiddenFill xmlns:a14="http://schemas.microsoft.com/office/drawing/2010/main">
+              <a14:hiddenFill xmlns:a14="http://schemas.microsoft.com/office/drawing/2010/main" xmlns="">
                 <a:solidFill>
                   <a:srgbClr val="FFFFFF"/>
                 </a:solidFill>
               </a14:hiddenFill>
             </a:ext>
             <a:ext uri="{91240B29-F687-4F45-9708-019B960494DF}">
-              <a14:hiddenLine xmlns:a14="http://schemas.microsoft.com/office/drawing/2010/main" w="9525">
+              <a14:hiddenLine xmlns:a14="http://schemas.microsoft.com/office/drawing/2010/main" xmlns="" w="9525">
                 <a:solidFill>
                   <a:srgbClr val="000000"/>
                 </a:solidFill>
@@ -28238,7 +28238,7 @@
     </p:spTree>
     <p:extLst>
       <p:ext uri="{BB962C8B-B14F-4D97-AF65-F5344CB8AC3E}">
-        <p14:creationId xmlns:p14="http://schemas.microsoft.com/office/powerpoint/2010/main" val="2356570800"/>
+        <p14:creationId xmlns:p14="http://schemas.microsoft.com/office/powerpoint/2010/main" xmlns="" val="2356570800"/>
       </p:ext>
     </p:extLst>
   </p:cSld>
@@ -28720,14 +28720,14 @@
           </a:ln>
           <a:extLst>
             <a:ext uri="{909E8E84-426E-40DD-AFC4-6F175D3DCCD1}">
-              <a14:hiddenFill xmlns:a14="http://schemas.microsoft.com/office/drawing/2010/main">
+              <a14:hiddenFill xmlns:a14="http://schemas.microsoft.com/office/drawing/2010/main" xmlns="">
                 <a:solidFill>
                   <a:srgbClr val="FFFFFF"/>
                 </a:solidFill>
               </a14:hiddenFill>
             </a:ext>
             <a:ext uri="{91240B29-F687-4F45-9708-019B960494DF}">
-              <a14:hiddenLine xmlns:a14="http://schemas.microsoft.com/office/drawing/2010/main" w="9525">
+              <a14:hiddenLine xmlns:a14="http://schemas.microsoft.com/office/drawing/2010/main" xmlns="" w="9525">
                 <a:solidFill>
                   <a:srgbClr val="000000"/>
                 </a:solidFill>
@@ -28934,7 +28934,7 @@
     </p:spTree>
     <p:extLst>
       <p:ext uri="{BB962C8B-B14F-4D97-AF65-F5344CB8AC3E}">
-        <p14:creationId xmlns:p14="http://schemas.microsoft.com/office/powerpoint/2010/main" val="1032530273"/>
+        <p14:creationId xmlns:p14="http://schemas.microsoft.com/office/powerpoint/2010/main" xmlns="" val="1032530273"/>
       </p:ext>
     </p:extLst>
   </p:cSld>
@@ -29114,7 +29114,7 @@
           <a:noFill/>
           <a:extLst>
             <a:ext uri="{909E8E84-426E-40DD-AFC4-6F175D3DCCD1}">
-              <a14:hiddenFill xmlns:a14="http://schemas.microsoft.com/office/drawing/2010/main">
+              <a14:hiddenFill xmlns:a14="http://schemas.microsoft.com/office/drawing/2010/main" xmlns="">
                 <a:solidFill>
                   <a:srgbClr val="FFFFFF"/>
                 </a:solidFill>
@@ -29153,7 +29153,7 @@
           <a:noFill/>
           <a:extLst>
             <a:ext uri="{909E8E84-426E-40DD-AFC4-6F175D3DCCD1}">
-              <a14:hiddenFill xmlns:a14="http://schemas.microsoft.com/office/drawing/2010/main">
+              <a14:hiddenFill xmlns:a14="http://schemas.microsoft.com/office/drawing/2010/main" xmlns="">
                 <a:solidFill>
                   <a:srgbClr val="FFFFFF"/>
                 </a:solidFill>
@@ -29182,7 +29182,7 @@
           <p:nvPr>
             <p:extLst>
               <p:ext uri="{D42A27DB-BD31-4B8C-83A1-F6EECF244321}">
-                <p14:modId xmlns:p14="http://schemas.microsoft.com/office/powerpoint/2010/main" val="1830581936"/>
+                <p14:modId xmlns:p14="http://schemas.microsoft.com/office/powerpoint/2010/main" xmlns="" val="1830581936"/>
               </p:ext>
             </p:extLst>
           </p:nvPr>
@@ -30751,7 +30751,7 @@
     </p:spTree>
     <p:extLst>
       <p:ext uri="{BB962C8B-B14F-4D97-AF65-F5344CB8AC3E}">
-        <p14:creationId xmlns:p14="http://schemas.microsoft.com/office/powerpoint/2010/main" val="1812348266"/>
+        <p14:creationId xmlns:p14="http://schemas.microsoft.com/office/powerpoint/2010/main" xmlns="" val="1812348266"/>
       </p:ext>
     </p:extLst>
   </p:cSld>
@@ -30928,7 +30928,7 @@
           <a:noFill/>
           <a:extLst>
             <a:ext uri="{909E8E84-426E-40DD-AFC4-6F175D3DCCD1}">
-              <a14:hiddenFill xmlns:a14="http://schemas.microsoft.com/office/drawing/2010/main">
+              <a14:hiddenFill xmlns:a14="http://schemas.microsoft.com/office/drawing/2010/main" xmlns="">
                 <a:solidFill>
                   <a:srgbClr val="FFFFFF"/>
                 </a:solidFill>
@@ -30967,7 +30967,7 @@
           <a:noFill/>
           <a:extLst>
             <a:ext uri="{909E8E84-426E-40DD-AFC4-6F175D3DCCD1}">
-              <a14:hiddenFill xmlns:a14="http://schemas.microsoft.com/office/drawing/2010/main">
+              <a14:hiddenFill xmlns:a14="http://schemas.microsoft.com/office/drawing/2010/main" xmlns="">
                 <a:solidFill>
                   <a:srgbClr val="FFFFFF"/>
                 </a:solidFill>
@@ -30996,7 +30996,7 @@
           <p:nvPr>
             <p:extLst>
               <p:ext uri="{D42A27DB-BD31-4B8C-83A1-F6EECF244321}">
-                <p14:modId xmlns:p14="http://schemas.microsoft.com/office/powerpoint/2010/main" val="3452429563"/>
+                <p14:modId xmlns:p14="http://schemas.microsoft.com/office/powerpoint/2010/main" xmlns="" val="3452429563"/>
               </p:ext>
             </p:extLst>
           </p:nvPr>
@@ -32115,7 +32115,7 @@
     </p:spTree>
     <p:extLst>
       <p:ext uri="{BB962C8B-B14F-4D97-AF65-F5344CB8AC3E}">
-        <p14:creationId xmlns:p14="http://schemas.microsoft.com/office/powerpoint/2010/main" val="1019541794"/>
+        <p14:creationId xmlns:p14="http://schemas.microsoft.com/office/powerpoint/2010/main" xmlns="" val="1019541794"/>
       </p:ext>
     </p:extLst>
   </p:cSld>
@@ -32158,7 +32158,7 @@
           <p:nvPr>
             <p:extLst>
               <p:ext uri="{D42A27DB-BD31-4B8C-83A1-F6EECF244321}">
-                <p14:modId xmlns:p14="http://schemas.microsoft.com/office/powerpoint/2010/main" val="1171784203"/>
+                <p14:modId xmlns:p14="http://schemas.microsoft.com/office/powerpoint/2010/main" xmlns="" val="1171784203"/>
               </p:ext>
             </p:extLst>
           </p:nvPr>
@@ -33078,7 +33078,7 @@
     </p:spTree>
     <p:extLst>
       <p:ext uri="{BB962C8B-B14F-4D97-AF65-F5344CB8AC3E}">
-        <p14:creationId xmlns:p14="http://schemas.microsoft.com/office/powerpoint/2010/main" val="998850071"/>
+        <p14:creationId xmlns:p14="http://schemas.microsoft.com/office/powerpoint/2010/main" xmlns="" val="998850071"/>
       </p:ext>
     </p:extLst>
   </p:cSld>
@@ -33243,7 +33243,7 @@
           <p:nvPr>
             <p:extLst>
               <p:ext uri="{D42A27DB-BD31-4B8C-83A1-F6EECF244321}">
-                <p14:modId xmlns:p14="http://schemas.microsoft.com/office/powerpoint/2010/main" val="2431794794"/>
+                <p14:modId xmlns:p14="http://schemas.microsoft.com/office/powerpoint/2010/main" xmlns="" val="2431794794"/>
               </p:ext>
             </p:extLst>
           </p:nvPr>
@@ -33261,7 +33261,7 @@
     </p:spTree>
     <p:extLst>
       <p:ext uri="{BB962C8B-B14F-4D97-AF65-F5344CB8AC3E}">
-        <p14:creationId xmlns:p14="http://schemas.microsoft.com/office/powerpoint/2010/main" val="1250226216"/>
+        <p14:creationId xmlns:p14="http://schemas.microsoft.com/office/powerpoint/2010/main" xmlns="" val="1250226216"/>
       </p:ext>
     </p:extLst>
   </p:cSld>
@@ -33595,7 +33595,7 @@
           <p:nvPr>
             <p:extLst>
               <p:ext uri="{D42A27DB-BD31-4B8C-83A1-F6EECF244321}">
-                <p14:modId xmlns:p14="http://schemas.microsoft.com/office/powerpoint/2010/main" val="1760939218"/>
+                <p14:modId xmlns:p14="http://schemas.microsoft.com/office/powerpoint/2010/main" xmlns="" val="1760939218"/>
               </p:ext>
             </p:extLst>
           </p:nvPr>
@@ -33617,7 +33617,7 @@
           <p:nvPr>
             <p:extLst>
               <p:ext uri="{D42A27DB-BD31-4B8C-83A1-F6EECF244321}">
-                <p14:modId xmlns:p14="http://schemas.microsoft.com/office/powerpoint/2010/main" val="4166258250"/>
+                <p14:modId xmlns:p14="http://schemas.microsoft.com/office/powerpoint/2010/main" xmlns="" val="4166258250"/>
               </p:ext>
             </p:extLst>
           </p:nvPr>
@@ -33628,7 +33628,7 @@
         </p:xfrm>
         <a:graphic>
           <a:graphicData uri="http://schemas.openxmlformats.org/drawingml/2006/diagram">
-            <dgm:relIds xmlns:dgm="http://schemas.openxmlformats.org/drawingml/2006/diagram" xmlns:r="http://schemas.openxmlformats.org/officeDocument/2006/relationships" r:dm="rId8" r:lo="rId9" r:qs="rId10" r:cs="rId11"/>
+            <dgm:relIds xmlns:dgm="http://schemas.openxmlformats.org/drawingml/2006/diagram" xmlns:r="http://schemas.openxmlformats.org/officeDocument/2006/relationships" r:dm="rId7" r:lo="rId8" r:qs="rId9" r:cs="rId10"/>
           </a:graphicData>
         </a:graphic>
       </p:graphicFrame>
@@ -33673,7 +33673,7 @@
     </p:spTree>
     <p:extLst>
       <p:ext uri="{BB962C8B-B14F-4D97-AF65-F5344CB8AC3E}">
-        <p14:creationId xmlns:p14="http://schemas.microsoft.com/office/powerpoint/2010/main" val="2665608320"/>
+        <p14:creationId xmlns:p14="http://schemas.microsoft.com/office/powerpoint/2010/main" xmlns="" val="2665608320"/>
       </p:ext>
     </p:extLst>
   </p:cSld>
@@ -33838,7 +33838,7 @@
           <p:nvPr>
             <p:extLst>
               <p:ext uri="{D42A27DB-BD31-4B8C-83A1-F6EECF244321}">
-                <p14:modId xmlns:p14="http://schemas.microsoft.com/office/powerpoint/2010/main" val="4036258552"/>
+                <p14:modId xmlns:p14="http://schemas.microsoft.com/office/powerpoint/2010/main" xmlns="" val="4036258552"/>
               </p:ext>
             </p:extLst>
           </p:nvPr>
@@ -34743,7 +34743,7 @@
     </p:spTree>
     <p:extLst>
       <p:ext uri="{BB962C8B-B14F-4D97-AF65-F5344CB8AC3E}">
-        <p14:creationId xmlns:p14="http://schemas.microsoft.com/office/powerpoint/2010/main" val="3468575514"/>
+        <p14:creationId xmlns:p14="http://schemas.microsoft.com/office/powerpoint/2010/main" xmlns="" val="3468575514"/>
       </p:ext>
     </p:extLst>
   </p:cSld>
@@ -35017,7 +35017,7 @@
           <p:nvPr>
             <p:extLst>
               <p:ext uri="{D42A27DB-BD31-4B8C-83A1-F6EECF244321}">
-                <p14:modId xmlns:p14="http://schemas.microsoft.com/office/powerpoint/2010/main" val="3353744326"/>
+                <p14:modId xmlns:p14="http://schemas.microsoft.com/office/powerpoint/2010/main" xmlns="" val="3353744326"/>
               </p:ext>
             </p:extLst>
           </p:nvPr>
@@ -35192,10 +35192,10 @@
           <p:nvPr/>
         </p:nvPicPr>
         <p:blipFill>
-          <a:blip r:embed="rId7">
+          <a:blip r:embed="rId6">
             <a:extLst>
               <a:ext uri="{28A0092B-C50C-407E-A947-70E740481C1C}">
-                <a14:useLocalDpi xmlns:a14="http://schemas.microsoft.com/office/drawing/2010/main" val="0"/>
+                <a14:useLocalDpi xmlns:a14="http://schemas.microsoft.com/office/drawing/2010/main" xmlns="" val="0"/>
               </a:ext>
             </a:extLst>
           </a:blip>
@@ -35218,14 +35218,14 @@
           </a:ln>
           <a:extLst>
             <a:ext uri="{909E8E84-426E-40DD-AFC4-6F175D3DCCD1}">
-              <a14:hiddenFill xmlns:a14="http://schemas.microsoft.com/office/drawing/2010/main">
+              <a14:hiddenFill xmlns:a14="http://schemas.microsoft.com/office/drawing/2010/main" xmlns="">
                 <a:solidFill>
                   <a:schemeClr val="accent1"/>
                 </a:solidFill>
               </a14:hiddenFill>
             </a:ext>
             <a:ext uri="{91240B29-F687-4F45-9708-019B960494DF}">
-              <a14:hiddenLine xmlns:a14="http://schemas.microsoft.com/office/drawing/2010/main" w="9525">
+              <a14:hiddenLine xmlns:a14="http://schemas.microsoft.com/office/drawing/2010/main" xmlns="" w="9525">
                 <a:solidFill>
                   <a:schemeClr val="tx1"/>
                 </a:solidFill>
@@ -35246,10 +35246,10 @@
           <p:nvPr/>
         </p:nvPicPr>
         <p:blipFill>
-          <a:blip r:embed="rId8" cstate="print">
+          <a:blip r:embed="rId7" cstate="print">
             <a:extLst>
               <a:ext uri="{28A0092B-C50C-407E-A947-70E740481C1C}">
-                <a14:useLocalDpi xmlns:a14="http://schemas.microsoft.com/office/drawing/2010/main" val="0"/>
+                <a14:useLocalDpi xmlns:a14="http://schemas.microsoft.com/office/drawing/2010/main" xmlns="" val="0"/>
               </a:ext>
             </a:extLst>
           </a:blip>
@@ -35272,14 +35272,14 @@
           </a:ln>
           <a:extLst>
             <a:ext uri="{909E8E84-426E-40DD-AFC4-6F175D3DCCD1}">
-              <a14:hiddenFill xmlns:a14="http://schemas.microsoft.com/office/drawing/2010/main">
+              <a14:hiddenFill xmlns:a14="http://schemas.microsoft.com/office/drawing/2010/main" xmlns="">
                 <a:solidFill>
                   <a:schemeClr val="accent1"/>
                 </a:solidFill>
               </a14:hiddenFill>
             </a:ext>
             <a:ext uri="{91240B29-F687-4F45-9708-019B960494DF}">
-              <a14:hiddenLine xmlns:a14="http://schemas.microsoft.com/office/drawing/2010/main" w="9525">
+              <a14:hiddenLine xmlns:a14="http://schemas.microsoft.com/office/drawing/2010/main" xmlns="" w="9525">
                 <a:solidFill>
                   <a:schemeClr val="tx1"/>
                 </a:solidFill>
@@ -35300,10 +35300,10 @@
           <p:nvPr/>
         </p:nvPicPr>
         <p:blipFill>
-          <a:blip r:embed="rId9" cstate="print">
+          <a:blip r:embed="rId8" cstate="print">
             <a:extLst>
               <a:ext uri="{28A0092B-C50C-407E-A947-70E740481C1C}">
-                <a14:useLocalDpi xmlns:a14="http://schemas.microsoft.com/office/drawing/2010/main" val="0"/>
+                <a14:useLocalDpi xmlns:a14="http://schemas.microsoft.com/office/drawing/2010/main" xmlns="" val="0"/>
               </a:ext>
             </a:extLst>
           </a:blip>
@@ -35326,14 +35326,14 @@
           </a:ln>
           <a:extLst>
             <a:ext uri="{909E8E84-426E-40DD-AFC4-6F175D3DCCD1}">
-              <a14:hiddenFill xmlns:a14="http://schemas.microsoft.com/office/drawing/2010/main">
+              <a14:hiddenFill xmlns:a14="http://schemas.microsoft.com/office/drawing/2010/main" xmlns="">
                 <a:solidFill>
                   <a:schemeClr val="accent1"/>
                 </a:solidFill>
               </a14:hiddenFill>
             </a:ext>
             <a:ext uri="{91240B29-F687-4F45-9708-019B960494DF}">
-              <a14:hiddenLine xmlns:a14="http://schemas.microsoft.com/office/drawing/2010/main" w="9525">
+              <a14:hiddenLine xmlns:a14="http://schemas.microsoft.com/office/drawing/2010/main" xmlns="" w="9525">
                 <a:solidFill>
                   <a:schemeClr val="tx1"/>
                 </a:solidFill>
@@ -35354,10 +35354,10 @@
           <p:nvPr/>
         </p:nvPicPr>
         <p:blipFill>
-          <a:blip r:embed="rId10">
+          <a:blip r:embed="rId9">
             <a:extLst>
               <a:ext uri="{28A0092B-C50C-407E-A947-70E740481C1C}">
-                <a14:useLocalDpi xmlns:a14="http://schemas.microsoft.com/office/drawing/2010/main" val="0"/>
+                <a14:useLocalDpi xmlns:a14="http://schemas.microsoft.com/office/drawing/2010/main" xmlns="" val="0"/>
               </a:ext>
             </a:extLst>
           </a:blip>
@@ -35380,14 +35380,14 @@
           </a:ln>
           <a:extLst>
             <a:ext uri="{909E8E84-426E-40DD-AFC4-6F175D3DCCD1}">
-              <a14:hiddenFill xmlns:a14="http://schemas.microsoft.com/office/drawing/2010/main">
+              <a14:hiddenFill xmlns:a14="http://schemas.microsoft.com/office/drawing/2010/main" xmlns="">
                 <a:solidFill>
                   <a:schemeClr val="accent1"/>
                 </a:solidFill>
               </a14:hiddenFill>
             </a:ext>
             <a:ext uri="{91240B29-F687-4F45-9708-019B960494DF}">
-              <a14:hiddenLine xmlns:a14="http://schemas.microsoft.com/office/drawing/2010/main" w="9525">
+              <a14:hiddenLine xmlns:a14="http://schemas.microsoft.com/office/drawing/2010/main" xmlns="" w="9525">
                 <a:solidFill>
                   <a:schemeClr val="tx1"/>
                 </a:solidFill>
@@ -35408,10 +35408,10 @@
           <p:nvPr/>
         </p:nvPicPr>
         <p:blipFill>
-          <a:blip r:embed="rId11">
+          <a:blip r:embed="rId10">
             <a:extLst>
               <a:ext uri="{28A0092B-C50C-407E-A947-70E740481C1C}">
-                <a14:useLocalDpi xmlns:a14="http://schemas.microsoft.com/office/drawing/2010/main" val="0"/>
+                <a14:useLocalDpi xmlns:a14="http://schemas.microsoft.com/office/drawing/2010/main" xmlns="" val="0"/>
               </a:ext>
             </a:extLst>
           </a:blip>
@@ -35434,14 +35434,14 @@
           </a:ln>
           <a:extLst>
             <a:ext uri="{909E8E84-426E-40DD-AFC4-6F175D3DCCD1}">
-              <a14:hiddenFill xmlns:a14="http://schemas.microsoft.com/office/drawing/2010/main">
+              <a14:hiddenFill xmlns:a14="http://schemas.microsoft.com/office/drawing/2010/main" xmlns="">
                 <a:solidFill>
                   <a:schemeClr val="accent1"/>
                 </a:solidFill>
               </a14:hiddenFill>
             </a:ext>
             <a:ext uri="{91240B29-F687-4F45-9708-019B960494DF}">
-              <a14:hiddenLine xmlns:a14="http://schemas.microsoft.com/office/drawing/2010/main" w="9525">
+              <a14:hiddenLine xmlns:a14="http://schemas.microsoft.com/office/drawing/2010/main" xmlns="" w="9525">
                 <a:solidFill>
                   <a:schemeClr val="tx1"/>
                 </a:solidFill>
@@ -35555,7 +35555,7 @@
     </p:spTree>
     <p:extLst>
       <p:ext uri="{BB962C8B-B14F-4D97-AF65-F5344CB8AC3E}">
-        <p14:creationId xmlns:p14="http://schemas.microsoft.com/office/powerpoint/2010/main" val="4064948093"/>
+        <p14:creationId xmlns:p14="http://schemas.microsoft.com/office/powerpoint/2010/main" xmlns="" val="4064948093"/>
       </p:ext>
     </p:extLst>
   </p:cSld>
@@ -35832,7 +35832,7 @@
           <a:noFill/>
           <a:extLst>
             <a:ext uri="{909E8E84-426E-40DD-AFC4-6F175D3DCCD1}">
-              <a14:hiddenFill xmlns:a14="http://schemas.microsoft.com/office/drawing/2010/main">
+              <a14:hiddenFill xmlns:a14="http://schemas.microsoft.com/office/drawing/2010/main" xmlns="">
                 <a:solidFill>
                   <a:srgbClr val="FFFFFF"/>
                 </a:solidFill>
@@ -35871,7 +35871,7 @@
           <a:noFill/>
           <a:extLst>
             <a:ext uri="{909E8E84-426E-40DD-AFC4-6F175D3DCCD1}">
-              <a14:hiddenFill xmlns:a14="http://schemas.microsoft.com/office/drawing/2010/main">
+              <a14:hiddenFill xmlns:a14="http://schemas.microsoft.com/office/drawing/2010/main" xmlns="">
                 <a:solidFill>
                   <a:srgbClr val="FFFFFF"/>
                 </a:solidFill>
@@ -36170,7 +36170,7 @@
           <a:blip r:embed="rId6" cstate="print">
             <a:extLst>
               <a:ext uri="{BEBA8EAE-BF5A-486C-A8C5-ECC9F3942E4B}">
-                <a14:imgProps xmlns:a14="http://schemas.microsoft.com/office/drawing/2010/main">
+                <a14:imgProps xmlns:a14="http://schemas.microsoft.com/office/drawing/2010/main" xmlns="">
                   <a14:imgLayer r:embed="rId7">
                     <a14:imgEffect>
                       <a14:brightnessContrast bright="-11000"/>
@@ -36179,7 +36179,7 @@
                 </a14:imgProps>
               </a:ext>
               <a:ext uri="{28A0092B-C50C-407E-A947-70E740481C1C}">
-                <a14:useLocalDpi xmlns:a14="http://schemas.microsoft.com/office/drawing/2010/main" val="0"/>
+                <a14:useLocalDpi xmlns:a14="http://schemas.microsoft.com/office/drawing/2010/main" xmlns="" val="0"/>
               </a:ext>
             </a:extLst>
           </a:blip>
@@ -36204,7 +36204,7 @@
           </a:ln>
           <a:extLst>
             <a:ext uri="{909E8E84-426E-40DD-AFC4-6F175D3DCCD1}">
-              <a14:hiddenFill xmlns:a14="http://schemas.microsoft.com/office/drawing/2010/main">
+              <a14:hiddenFill xmlns:a14="http://schemas.microsoft.com/office/drawing/2010/main" xmlns="">
                 <a:solidFill>
                   <a:srgbClr val="FFFFFF"/>
                 </a:solidFill>
@@ -39443,7 +39443,7 @@
           <p:nvPr>
             <p:extLst>
               <p:ext uri="{D42A27DB-BD31-4B8C-83A1-F6EECF244321}">
-                <p14:modId xmlns:p14="http://schemas.microsoft.com/office/powerpoint/2010/main" val="2951295960"/>
+                <p14:modId xmlns:p14="http://schemas.microsoft.com/office/powerpoint/2010/main" xmlns="" val="2951295960"/>
               </p:ext>
             </p:extLst>
           </p:nvPr>
@@ -39917,10 +39917,10 @@
           <p:nvPr/>
         </p:nvPicPr>
         <p:blipFill>
-          <a:blip r:embed="rId13" cstate="print">
+          <a:blip r:embed="rId12" cstate="print">
             <a:extLst>
               <a:ext uri="{28A0092B-C50C-407E-A947-70E740481C1C}">
-                <a14:useLocalDpi xmlns:a14="http://schemas.microsoft.com/office/drawing/2010/main" val="0"/>
+                <a14:useLocalDpi xmlns:a14="http://schemas.microsoft.com/office/drawing/2010/main" xmlns="" val="0"/>
               </a:ext>
             </a:extLst>
           </a:blip>
@@ -40002,7 +40002,7 @@
       <p:pic>
         <p:nvPicPr>
           <p:cNvPr id="2050" name="Picture 2" descr="Image result for phone image">
-            <a:hlinkClick r:id="rId14"/>
+            <a:hlinkClick r:id="rId13"/>
           </p:cNvPr>
           <p:cNvPicPr>
             <a:picLocks noChangeAspect="1" noChangeArrowheads="1"/>
@@ -40010,10 +40010,10 @@
           <p:nvPr/>
         </p:nvPicPr>
         <p:blipFill>
-          <a:blip r:embed="rId15" cstate="print">
+          <a:blip r:embed="rId14" cstate="print">
             <a:extLst>
               <a:ext uri="{28A0092B-C50C-407E-A947-70E740481C1C}">
-                <a14:useLocalDpi xmlns:a14="http://schemas.microsoft.com/office/drawing/2010/main" val="0"/>
+                <a14:useLocalDpi xmlns:a14="http://schemas.microsoft.com/office/drawing/2010/main" xmlns="" val="0"/>
               </a:ext>
             </a:extLst>
           </a:blip>
@@ -40033,7 +40033,7 @@
           <a:noFill/>
           <a:extLst>
             <a:ext uri="{909E8E84-426E-40DD-AFC4-6F175D3DCCD1}">
-              <a14:hiddenFill xmlns:a14="http://schemas.microsoft.com/office/drawing/2010/main">
+              <a14:hiddenFill xmlns:a14="http://schemas.microsoft.com/office/drawing/2010/main" xmlns="">
                 <a:solidFill>
                   <a:srgbClr val="FFFFFF"/>
                 </a:solidFill>
@@ -40045,7 +40045,7 @@
     </p:spTree>
     <p:extLst>
       <p:ext uri="{BB962C8B-B14F-4D97-AF65-F5344CB8AC3E}">
-        <p14:creationId xmlns:p14="http://schemas.microsoft.com/office/powerpoint/2010/main" val="3230389514"/>
+        <p14:creationId xmlns:p14="http://schemas.microsoft.com/office/powerpoint/2010/main" xmlns="" val="3230389514"/>
       </p:ext>
     </p:extLst>
   </p:cSld>
@@ -40624,7 +40624,7 @@
           <a:blip r:embed="rId4" cstate="print">
             <a:extLst>
               <a:ext uri="{28A0092B-C50C-407E-A947-70E740481C1C}">
-                <a14:useLocalDpi xmlns:a14="http://schemas.microsoft.com/office/drawing/2010/main" val="0"/>
+                <a14:useLocalDpi xmlns:a14="http://schemas.microsoft.com/office/drawing/2010/main" xmlns="" val="0"/>
               </a:ext>
             </a:extLst>
           </a:blip>
@@ -40644,7 +40644,7 @@
           <a:noFill/>
           <a:extLst>
             <a:ext uri="{909E8E84-426E-40DD-AFC4-6F175D3DCCD1}">
-              <a14:hiddenFill xmlns:a14="http://schemas.microsoft.com/office/drawing/2010/main">
+              <a14:hiddenFill xmlns:a14="http://schemas.microsoft.com/office/drawing/2010/main" xmlns="">
                 <a:solidFill>
                   <a:srgbClr val="FFFFFF"/>
                 </a:solidFill>
@@ -43117,7 +43117,7 @@
     </p:spTree>
     <p:extLst>
       <p:ext uri="{BB962C8B-B14F-4D97-AF65-F5344CB8AC3E}">
-        <p14:creationId xmlns:p14="http://schemas.microsoft.com/office/powerpoint/2010/main" val="56526329"/>
+        <p14:creationId xmlns:p14="http://schemas.microsoft.com/office/powerpoint/2010/main" xmlns="" val="56526329"/>
       </p:ext>
     </p:extLst>
   </p:cSld>
@@ -43468,6 +43468,258 @@
                 <a:srgbClr val="C00000"/>
               </a:solidFill>
             </a:endParaRPr>
+          </a:p>
+        </p:txBody>
+      </p:sp>
+      <p:sp>
+        <p:nvSpPr>
+          <p:cNvPr id="8" name="TextBox 7"/>
+          <p:cNvSpPr txBox="1"/>
+          <p:nvPr/>
+        </p:nvSpPr>
+        <p:spPr>
+          <a:xfrm>
+            <a:off x="220091" y="586596"/>
+            <a:ext cx="8764209" cy="954107"/>
+          </a:xfrm>
+          <a:prstGeom prst="rect">
+            <a:avLst/>
+          </a:prstGeom>
+          <a:noFill/>
+        </p:spPr>
+        <p:txBody>
+          <a:bodyPr wrap="square" rtlCol="0">
+            <a:spAutoFit/>
+          </a:bodyPr>
+          <a:lstStyle/>
+          <a:p>
+            <a:pPr marL="91440" lvl="0"/>
+            <a:r>
+              <a:rPr lang="en-US" sz="1200" b="1" dirty="0" smtClean="0">
+                <a:solidFill>
+                  <a:srgbClr val="002060"/>
+                </a:solidFill>
+              </a:rPr>
+              <a:t>Domain Services</a:t>
+            </a:r>
+            <a:endParaRPr lang="en-US" sz="1000" dirty="0" smtClean="0">
+              <a:solidFill>
+                <a:schemeClr val="tx1">
+                  <a:lumMod val="75000"/>
+                  <a:lumOff val="25000"/>
+                </a:schemeClr>
+              </a:solidFill>
+            </a:endParaRPr>
+          </a:p>
+          <a:p>
+            <a:pPr marL="262890" lvl="0" indent="-171450">
+              <a:buFont typeface="Arial" panose="020B0604020202020204" pitchFamily="34" charset="0"/>
+              <a:buChar char="•"/>
+            </a:pPr>
+            <a:r>
+              <a:rPr lang="en-US" sz="1100" b="1" dirty="0" smtClean="0">
+                <a:solidFill>
+                  <a:schemeClr val="tx1">
+                    <a:lumMod val="75000"/>
+                    <a:lumOff val="25000"/>
+                  </a:schemeClr>
+                </a:solidFill>
+              </a:rPr>
+              <a:t>Customer Account </a:t>
+            </a:r>
+            <a:r>
+              <a:rPr lang="en-US" sz="1100" b="1" dirty="0" smtClean="0">
+                <a:solidFill>
+                  <a:schemeClr val="tx1">
+                    <a:lumMod val="75000"/>
+                    <a:lumOff val="25000"/>
+                  </a:schemeClr>
+                </a:solidFill>
+              </a:rPr>
+              <a:t>microservice </a:t>
+            </a:r>
+            <a:r>
+              <a:rPr lang="en-US" sz="1100" dirty="0" smtClean="0">
+                <a:solidFill>
+                  <a:schemeClr val="tx1">
+                    <a:lumMod val="75000"/>
+                    <a:lumOff val="25000"/>
+                  </a:schemeClr>
+                </a:solidFill>
+              </a:rPr>
+              <a:t>(endpoint : customers/2000/accounts method=GET)</a:t>
+            </a:r>
+            <a:r>
+              <a:rPr lang="en-US" sz="1100" dirty="0" smtClean="0">
+                <a:solidFill>
+                  <a:schemeClr val="tx1">
+                    <a:lumMod val="75000"/>
+                    <a:lumOff val="25000"/>
+                  </a:schemeClr>
+                </a:solidFill>
+              </a:rPr>
+              <a:t> </a:t>
+            </a:r>
+            <a:endParaRPr lang="en-US" sz="1100" dirty="0" smtClean="0">
+              <a:solidFill>
+                <a:schemeClr val="tx1">
+                  <a:lumMod val="75000"/>
+                  <a:lumOff val="25000"/>
+                </a:schemeClr>
+              </a:solidFill>
+            </a:endParaRPr>
+          </a:p>
+          <a:p>
+            <a:pPr marL="262890" lvl="0" indent="-171450">
+              <a:buFont typeface="Arial" panose="020B0604020202020204" pitchFamily="34" charset="0"/>
+              <a:buChar char="•"/>
+            </a:pPr>
+            <a:r>
+              <a:rPr lang="en-US" sz="1100" b="1" dirty="0" smtClean="0">
+                <a:solidFill>
+                  <a:schemeClr val="tx1">
+                    <a:lumMod val="75000"/>
+                    <a:lumOff val="25000"/>
+                  </a:schemeClr>
+                </a:solidFill>
+              </a:rPr>
+              <a:t>Transactions microservice (endpoint </a:t>
+            </a:r>
+            <a:r>
+              <a:rPr lang="en-US" sz="1100" dirty="0" smtClean="0">
+                <a:solidFill>
+                  <a:schemeClr val="tx1">
+                    <a:lumMod val="75000"/>
+                    <a:lumOff val="25000"/>
+                  </a:schemeClr>
+                </a:solidFill>
+              </a:rPr>
+              <a:t>: </a:t>
+            </a:r>
+            <a:r>
+              <a:rPr lang="en-US" sz="1100" dirty="0" err="1" smtClean="0">
+                <a:solidFill>
+                  <a:schemeClr val="tx1">
+                    <a:lumMod val="75000"/>
+                    <a:lumOff val="25000"/>
+                  </a:schemeClr>
+                </a:solidFill>
+              </a:rPr>
+              <a:t>transactions?accounted</a:t>
+            </a:r>
+            <a:r>
+              <a:rPr lang="en-US" sz="1100" dirty="0" smtClean="0">
+                <a:solidFill>
+                  <a:schemeClr val="tx1">
+                    <a:lumMod val="75000"/>
+                    <a:lumOff val="25000"/>
+                  </a:schemeClr>
+                </a:solidFill>
+              </a:rPr>
+              <a:t>=1234001 method=GET)</a:t>
+            </a:r>
+            <a:endParaRPr lang="en-US" sz="1100" dirty="0" smtClean="0">
+              <a:solidFill>
+                <a:schemeClr val="tx1">
+                  <a:lumMod val="75000"/>
+                  <a:lumOff val="25000"/>
+                </a:schemeClr>
+              </a:solidFill>
+            </a:endParaRPr>
+          </a:p>
+          <a:p>
+            <a:pPr marL="262890" lvl="0" indent="-171450">
+              <a:buFont typeface="Arial" panose="020B0604020202020204" pitchFamily="34" charset="0"/>
+              <a:buChar char="•"/>
+            </a:pPr>
+            <a:r>
+              <a:rPr lang="en-US" sz="1100" b="1" dirty="0" smtClean="0">
+                <a:solidFill>
+                  <a:schemeClr val="tx1">
+                    <a:lumMod val="75000"/>
+                    <a:lumOff val="25000"/>
+                  </a:schemeClr>
+                </a:solidFill>
+              </a:rPr>
+              <a:t>Money Movement microservice (endpoint </a:t>
+            </a:r>
+            <a:r>
+              <a:rPr lang="en-US" sz="1100" dirty="0" smtClean="0">
+                <a:solidFill>
+                  <a:schemeClr val="tx1">
+                    <a:lumMod val="75000"/>
+                    <a:lumOff val="25000"/>
+                  </a:schemeClr>
+                </a:solidFill>
+              </a:rPr>
+              <a:t>: moneymovement/ method POST , message format=JSON)</a:t>
+            </a:r>
+            <a:endParaRPr lang="en-US" sz="1100" dirty="0" smtClean="0">
+              <a:solidFill>
+                <a:schemeClr val="tx1">
+                  <a:lumMod val="75000"/>
+                  <a:lumOff val="25000"/>
+                </a:schemeClr>
+              </a:solidFill>
+            </a:endParaRPr>
+          </a:p>
+          <a:p>
+            <a:pPr marL="91440" lvl="0"/>
+            <a:r>
+              <a:rPr lang="en-US" sz="1100" b="1" dirty="0" smtClean="0">
+                <a:solidFill>
+                  <a:schemeClr val="tx1">
+                    <a:lumMod val="75000"/>
+                    <a:lumOff val="25000"/>
+                  </a:schemeClr>
+                </a:solidFill>
+              </a:rPr>
+              <a:t>Note</a:t>
+            </a:r>
+            <a:r>
+              <a:rPr lang="en-US" sz="1100" dirty="0" smtClean="0">
+                <a:solidFill>
+                  <a:schemeClr val="tx1">
+                    <a:lumMod val="75000"/>
+                    <a:lumOff val="25000"/>
+                  </a:schemeClr>
+                </a:solidFill>
+              </a:rPr>
+              <a:t> </a:t>
+            </a:r>
+            <a:r>
+              <a:rPr lang="en-US" sz="1100" dirty="0">
+                <a:solidFill>
+                  <a:schemeClr val="tx1">
+                    <a:lumMod val="75000"/>
+                    <a:lumOff val="25000"/>
+                  </a:schemeClr>
+                </a:solidFill>
+              </a:rPr>
+              <a:t>: </a:t>
+            </a:r>
+            <a:r>
+              <a:rPr lang="en-US" sz="1050" dirty="0">
+                <a:solidFill>
+                  <a:schemeClr val="tx1">
+                    <a:lumMod val="75000"/>
+                    <a:lumOff val="25000"/>
+                  </a:schemeClr>
+                </a:solidFill>
+              </a:rPr>
+              <a:t>Ignored Authentication/Authorization for </a:t>
+            </a:r>
+            <a:r>
+              <a:rPr lang="en-US" sz="1050" dirty="0" smtClean="0">
+                <a:solidFill>
+                  <a:schemeClr val="tx1">
+                    <a:lumMod val="75000"/>
+                    <a:lumOff val="25000"/>
+                  </a:schemeClr>
+                </a:solidFill>
+              </a:rPr>
+              <a:t>simplicity and assume existing services to perform the above business functions.</a:t>
+            </a:r>
           </a:p>
         </p:txBody>
       </p:sp>

--- a/EvolutionOfConversationalBanking_v1.0.pptx
+++ b/EvolutionOfConversationalBanking_v1.0.pptx
@@ -5342,7 +5342,7 @@
   </dgm:whole>
   <dgm:extLst>
     <a:ext uri="http://schemas.microsoft.com/office/drawing/2008/diagram">
-      <dsp:dataModelExt xmlns:dsp="http://schemas.microsoft.com/office/drawing/2008/diagram" xmlns="" relId="rId6" minVer="http://schemas.openxmlformats.org/drawingml/2006/diagram"/>
+      <dsp:dataModelExt xmlns="" xmlns:dsp="http://schemas.microsoft.com/office/drawing/2008/diagram" relId="rId6" minVer="http://schemas.openxmlformats.org/drawingml/2006/diagram"/>
     </a:ext>
   </dgm:extLst>
 </dgm:dataModel>
@@ -5725,8 +5725,8 @@
     <dgm:cxn modelId="{FA6152CD-34DA-436D-9850-DB3C8866EEDF}" type="presOf" srcId="{349A0DB4-33B4-4239-9963-F2A749984CF1}" destId="{491E99C5-B65C-4C10-9B91-9A529B8FF8A1}" srcOrd="0" destOrd="0" presId="urn:microsoft.com/office/officeart/2005/8/layout/vList5"/>
     <dgm:cxn modelId="{7CEC2509-F008-4917-8555-D6AA5BEFD35B}" srcId="{6AB260F1-4155-4A1E-B583-171862BEE883}" destId="{0270A1FD-C8AF-4205-952E-F3F0EAA7D4FA}" srcOrd="1" destOrd="0" parTransId="{4B3AEB38-4000-4C62-9EE5-72C16BC58134}" sibTransId="{85B5F6E7-B918-40AE-8535-908789495B40}"/>
     <dgm:cxn modelId="{8ABED924-B6E1-4196-90DD-2F1C15E97084}" type="presOf" srcId="{E7B3C492-7196-4060-8646-3F8694241075}" destId="{DC1D8D64-03A1-4CE3-AD7B-B785D7DCBAD9}" srcOrd="0" destOrd="0" presId="urn:microsoft.com/office/officeart/2005/8/layout/vList5"/>
+    <dgm:cxn modelId="{257E9478-D934-4290-A66A-B87A3CA22608}" type="presOf" srcId="{6E75A7EB-C40B-41F1-B580-BD5C2D4E80F2}" destId="{F0C95070-4F66-4D84-BA23-AEF51542A2C4}" srcOrd="0" destOrd="1" presId="urn:microsoft.com/office/officeart/2005/8/layout/vList5"/>
     <dgm:cxn modelId="{F7C24F75-361C-4EBE-8D58-80BC61772FBF}" srcId="{6AB260F1-4155-4A1E-B583-171862BEE883}" destId="{E7B3C492-7196-4060-8646-3F8694241075}" srcOrd="0" destOrd="0" parTransId="{F7F96F36-424A-4120-B721-2199C713A878}" sibTransId="{38129BC1-DE8C-467F-9F91-A553EF50DA24}"/>
-    <dgm:cxn modelId="{257E9478-D934-4290-A66A-B87A3CA22608}" type="presOf" srcId="{6E75A7EB-C40B-41F1-B580-BD5C2D4E80F2}" destId="{F0C95070-4F66-4D84-BA23-AEF51542A2C4}" srcOrd="0" destOrd="1" presId="urn:microsoft.com/office/officeart/2005/8/layout/vList5"/>
     <dgm:cxn modelId="{BAA5A5CD-9633-4250-A898-D93FEE68E651}" srcId="{F747D706-16AE-496D-B0EE-1C6A34DDCEE9}" destId="{6E75A7EB-C40B-41F1-B580-BD5C2D4E80F2}" srcOrd="1" destOrd="0" parTransId="{877840D4-EFCC-4F95-9901-44A70A1B66F5}" sibTransId="{CBBBA03E-5009-43CC-9493-C1974B63A129}"/>
     <dgm:cxn modelId="{9C92244F-6FB5-4D95-9DE2-D54C0F71B45E}" srcId="{F747D706-16AE-496D-B0EE-1C6A34DDCEE9}" destId="{8AFB6D4F-867B-4CB1-84AE-B9E92D60E8C5}" srcOrd="2" destOrd="0" parTransId="{516F02F3-324D-40F3-B22C-83822A6D6B0C}" sibTransId="{C0C5EC9F-997B-4985-B9F5-AD4746E3CAF6}"/>
     <dgm:cxn modelId="{CD91A568-0285-43A8-9FEA-AC59D1C40E19}" type="presOf" srcId="{17D8B8AC-E2A5-4350-BD24-370FD6BF889A}" destId="{F0C95070-4F66-4D84-BA23-AEF51542A2C4}" srcOrd="0" destOrd="0" presId="urn:microsoft.com/office/officeart/2005/8/layout/vList5"/>
@@ -5749,7 +5749,7 @@
   <dgm:whole/>
   <dgm:extLst>
     <a:ext uri="http://schemas.microsoft.com/office/drawing/2008/diagram">
-      <dsp:dataModelExt xmlns:dsp="http://schemas.microsoft.com/office/drawing/2008/diagram" xmlns="" relId="rId7" minVer="http://schemas.openxmlformats.org/drawingml/2006/diagram"/>
+      <dsp:dataModelExt xmlns="" xmlns:dsp="http://schemas.microsoft.com/office/drawing/2008/diagram" relId="rId7" minVer="http://schemas.openxmlformats.org/drawingml/2006/diagram"/>
     </a:ext>
   </dgm:extLst>
 </dgm:dataModel>
@@ -6139,7 +6139,7 @@
   <dgm:whole/>
   <dgm:extLst>
     <a:ext uri="http://schemas.microsoft.com/office/drawing/2008/diagram">
-      <dsp:dataModelExt xmlns:dsp="http://schemas.microsoft.com/office/drawing/2008/diagram" xmlns="" relId="rId12" minVer="http://schemas.openxmlformats.org/drawingml/2006/diagram"/>
+      <dsp:dataModelExt xmlns="" xmlns:dsp="http://schemas.microsoft.com/office/drawing/2008/diagram" relId="rId12" minVer="http://schemas.openxmlformats.org/drawingml/2006/diagram"/>
     </a:ext>
   </dgm:extLst>
 </dgm:dataModel>
@@ -6671,7 +6671,7 @@
   <dgm:whole/>
   <dgm:extLst>
     <a:ext uri="http://schemas.microsoft.com/office/drawing/2008/diagram">
-      <dsp:dataModelExt xmlns:dsp="http://schemas.microsoft.com/office/drawing/2008/diagram" xmlns="" relId="rId7" minVer="http://schemas.openxmlformats.org/drawingml/2006/diagram"/>
+      <dsp:dataModelExt xmlns="" xmlns:dsp="http://schemas.microsoft.com/office/drawing/2008/diagram" relId="rId7" minVer="http://schemas.openxmlformats.org/drawingml/2006/diagram"/>
     </a:ext>
   </dgm:extLst>
 </dgm:dataModel>
@@ -7303,7 +7303,7 @@
   </dgm:whole>
   <dgm:extLst>
     <a:ext uri="http://schemas.microsoft.com/office/drawing/2008/diagram">
-      <dsp:dataModelExt xmlns:dsp="http://schemas.microsoft.com/office/drawing/2008/diagram" xmlns="" relId="rId6" minVer="http://schemas.openxmlformats.org/drawingml/2006/diagram"/>
+      <dsp:dataModelExt xmlns="" xmlns:dsp="http://schemas.microsoft.com/office/drawing/2008/diagram" relId="rId6" minVer="http://schemas.openxmlformats.org/drawingml/2006/diagram"/>
     </a:ext>
   </dgm:extLst>
 </dgm:dataModel>
@@ -7816,7 +7816,7 @@
   <dgm:whole/>
   <dgm:extLst>
     <a:ext uri="http://schemas.microsoft.com/office/drawing/2008/diagram">
-      <dsp:dataModelExt xmlns:dsp="http://schemas.microsoft.com/office/drawing/2008/diagram" xmlns="" relId="rId12" minVer="http://schemas.openxmlformats.org/drawingml/2006/diagram"/>
+      <dsp:dataModelExt xmlns="" xmlns:dsp="http://schemas.microsoft.com/office/drawing/2008/diagram" relId="rId12" minVer="http://schemas.openxmlformats.org/drawingml/2006/diagram"/>
     </a:ext>
   </dgm:extLst>
 </dgm:dataModel>
@@ -20447,7 +20447,7 @@
             <a:fld id="{1101F06C-EAC4-4131-A6FE-17CEDCC20651}" type="datetimeFigureOut">
               <a:rPr lang="en-US" smtClean="0"/>
               <a:pPr/>
-              <a:t>3/15/2018</a:t>
+              <a:t>3/28/2018</a:t>
             </a:fld>
             <a:endParaRPr lang="en-US"/>
           </a:p>
@@ -20523,7 +20523,7 @@
     </p:spTree>
     <p:extLst>
       <p:ext uri="{BB962C8B-B14F-4D97-AF65-F5344CB8AC3E}">
-        <p14:creationId xmlns:p14="http://schemas.microsoft.com/office/powerpoint/2010/main" xmlns="" val="1258104433"/>
+        <p14:creationId xmlns="" xmlns:p14="http://schemas.microsoft.com/office/powerpoint/2010/main" val="1258104433"/>
       </p:ext>
     </p:extLst>
   </p:cSld>
@@ -20615,7 +20615,7 @@
             <a:fld id="{4A724A45-DB09-41FA-94EA-B8001C7F3C36}" type="datetimeFigureOut">
               <a:rPr lang="en-US" smtClean="0"/>
               <a:pPr/>
-              <a:t>3/15/2018</a:t>
+              <a:t>3/28/2018</a:t>
             </a:fld>
             <a:endParaRPr lang="en-US"/>
           </a:p>
@@ -20786,7 +20786,7 @@
     </p:spTree>
     <p:extLst>
       <p:ext uri="{BB962C8B-B14F-4D97-AF65-F5344CB8AC3E}">
-        <p14:creationId xmlns:p14="http://schemas.microsoft.com/office/powerpoint/2010/main" xmlns="" val="2181398396"/>
+        <p14:creationId xmlns="" xmlns:p14="http://schemas.microsoft.com/office/powerpoint/2010/main" val="2181398396"/>
       </p:ext>
     </p:extLst>
   </p:cSld>
@@ -20962,7 +20962,7 @@
     </p:spTree>
     <p:extLst>
       <p:ext uri="{BB962C8B-B14F-4D97-AF65-F5344CB8AC3E}">
-        <p14:creationId xmlns:p14="http://schemas.microsoft.com/office/powerpoint/2010/main" xmlns="" val="2470870445"/>
+        <p14:creationId xmlns="" xmlns:p14="http://schemas.microsoft.com/office/powerpoint/2010/main" val="2470870445"/>
       </p:ext>
     </p:extLst>
   </p:cSld>
@@ -21047,7 +21047,7 @@
     </p:spTree>
     <p:extLst>
       <p:ext uri="{BB962C8B-B14F-4D97-AF65-F5344CB8AC3E}">
-        <p14:creationId xmlns:p14="http://schemas.microsoft.com/office/powerpoint/2010/main" xmlns="" val="824891217"/>
+        <p14:creationId xmlns="" xmlns:p14="http://schemas.microsoft.com/office/powerpoint/2010/main" val="824891217"/>
       </p:ext>
     </p:extLst>
   </p:cSld>
@@ -21132,7 +21132,7 @@
     </p:spTree>
     <p:extLst>
       <p:ext uri="{BB962C8B-B14F-4D97-AF65-F5344CB8AC3E}">
-        <p14:creationId xmlns:p14="http://schemas.microsoft.com/office/powerpoint/2010/main" xmlns="" val="904044599"/>
+        <p14:creationId xmlns="" xmlns:p14="http://schemas.microsoft.com/office/powerpoint/2010/main" val="904044599"/>
       </p:ext>
     </p:extLst>
   </p:cSld>
@@ -21324,7 +21324,7 @@
             <a:fld id="{D962895E-8DAA-4A18-8157-CB5669971D59}" type="datetime1">
               <a:rPr lang="en-US" smtClean="0"/>
               <a:pPr/>
-              <a:t>3/15/2018</a:t>
+              <a:t>3/28/2018</a:t>
             </a:fld>
             <a:endParaRPr lang="en-US"/>
           </a:p>
@@ -21491,7 +21491,7 @@
             <a:fld id="{8CD0AF49-9133-4DB7-8793-C394DAE8AD3F}" type="datetime1">
               <a:rPr lang="en-US" smtClean="0"/>
               <a:pPr/>
-              <a:t>3/15/2018</a:t>
+              <a:t>3/28/2018</a:t>
             </a:fld>
             <a:endParaRPr lang="en-US"/>
           </a:p>
@@ -21668,7 +21668,7 @@
             <a:fld id="{4ED34946-AB65-42BF-804F-C7C94A7179DB}" type="datetime1">
               <a:rPr lang="en-US" smtClean="0"/>
               <a:pPr/>
-              <a:t>3/15/2018</a:t>
+              <a:t>3/28/2018</a:t>
             </a:fld>
             <a:endParaRPr lang="en-US"/>
           </a:p>
@@ -21754,7 +21754,7 @@
           <a:blip r:embed="rId2" cstate="print">
             <a:extLst>
               <a:ext uri="{28A0092B-C50C-407E-A947-70E740481C1C}">
-                <a14:useLocalDpi xmlns:a14="http://schemas.microsoft.com/office/drawing/2010/main" xmlns="" val="0"/>
+                <a14:useLocalDpi xmlns="" xmlns:a14="http://schemas.microsoft.com/office/drawing/2010/main" val="0"/>
               </a:ext>
             </a:extLst>
           </a:blip>
@@ -21799,7 +21799,7 @@
           </a:ln>
           <a:extLst>
             <a:ext uri="{909E8E84-426E-40DD-AFC4-6F175D3DCCD1}">
-              <a14:hiddenFill xmlns:a14="http://schemas.microsoft.com/office/drawing/2010/main" xmlns="">
+              <a14:hiddenFill xmlns="" xmlns:a14="http://schemas.microsoft.com/office/drawing/2010/main">
                 <a:noFill/>
               </a14:hiddenFill>
             </a:ext>
@@ -21838,7 +21838,7 @@
           <a:blip r:embed="rId3">
             <a:extLst>
               <a:ext uri="{28A0092B-C50C-407E-A947-70E740481C1C}">
-                <a14:useLocalDpi xmlns:a14="http://schemas.microsoft.com/office/drawing/2010/main" xmlns="" val="0"/>
+                <a14:useLocalDpi xmlns="" xmlns:a14="http://schemas.microsoft.com/office/drawing/2010/main" val="0"/>
               </a:ext>
             </a:extLst>
           </a:blip>
@@ -21861,14 +21861,14 @@
           </a:ln>
           <a:extLst>
             <a:ext uri="{909E8E84-426E-40DD-AFC4-6F175D3DCCD1}">
-              <a14:hiddenFill xmlns:a14="http://schemas.microsoft.com/office/drawing/2010/main" xmlns="">
+              <a14:hiddenFill xmlns="" xmlns:a14="http://schemas.microsoft.com/office/drawing/2010/main">
                 <a:solidFill>
                   <a:srgbClr val="FFFFFF"/>
                 </a:solidFill>
               </a14:hiddenFill>
             </a:ext>
             <a:ext uri="{91240B29-F687-4F45-9708-019B960494DF}">
-              <a14:hiddenLine xmlns:a14="http://schemas.microsoft.com/office/drawing/2010/main" xmlns="" w="9525">
+              <a14:hiddenLine xmlns="" xmlns:a14="http://schemas.microsoft.com/office/drawing/2010/main" w="9525">
                 <a:solidFill>
                   <a:srgbClr val="000000"/>
                 </a:solidFill>
@@ -21892,7 +21892,7 @@
           <a:blip r:embed="rId4">
             <a:extLst>
               <a:ext uri="{28A0092B-C50C-407E-A947-70E740481C1C}">
-                <a14:useLocalDpi xmlns:a14="http://schemas.microsoft.com/office/drawing/2010/main" xmlns="" val="0"/>
+                <a14:useLocalDpi xmlns="" xmlns:a14="http://schemas.microsoft.com/office/drawing/2010/main" val="0"/>
               </a:ext>
             </a:extLst>
           </a:blip>
@@ -21915,14 +21915,14 @@
           </a:ln>
           <a:extLst>
             <a:ext uri="{909E8E84-426E-40DD-AFC4-6F175D3DCCD1}">
-              <a14:hiddenFill xmlns:a14="http://schemas.microsoft.com/office/drawing/2010/main" xmlns="">
+              <a14:hiddenFill xmlns="" xmlns:a14="http://schemas.microsoft.com/office/drawing/2010/main">
                 <a:solidFill>
                   <a:srgbClr val="FFFFFF"/>
                 </a:solidFill>
               </a14:hiddenFill>
             </a:ext>
             <a:ext uri="{91240B29-F687-4F45-9708-019B960494DF}">
-              <a14:hiddenLine xmlns:a14="http://schemas.microsoft.com/office/drawing/2010/main" xmlns="" w="9525">
+              <a14:hiddenLine xmlns="" xmlns:a14="http://schemas.microsoft.com/office/drawing/2010/main" w="9525">
                 <a:solidFill>
                   <a:srgbClr val="000000"/>
                 </a:solidFill>
@@ -21946,7 +21946,7 @@
           <a:blip r:embed="rId3">
             <a:extLst>
               <a:ext uri="{28A0092B-C50C-407E-A947-70E740481C1C}">
-                <a14:useLocalDpi xmlns:a14="http://schemas.microsoft.com/office/drawing/2010/main" xmlns="" val="0"/>
+                <a14:useLocalDpi xmlns="" xmlns:a14="http://schemas.microsoft.com/office/drawing/2010/main" val="0"/>
               </a:ext>
             </a:extLst>
           </a:blip>
@@ -21969,14 +21969,14 @@
           </a:ln>
           <a:extLst>
             <a:ext uri="{909E8E84-426E-40DD-AFC4-6F175D3DCCD1}">
-              <a14:hiddenFill xmlns:a14="http://schemas.microsoft.com/office/drawing/2010/main" xmlns="">
+              <a14:hiddenFill xmlns="" xmlns:a14="http://schemas.microsoft.com/office/drawing/2010/main">
                 <a:solidFill>
                   <a:srgbClr val="FFFFFF"/>
                 </a:solidFill>
               </a14:hiddenFill>
             </a:ext>
             <a:ext uri="{91240B29-F687-4F45-9708-019B960494DF}">
-              <a14:hiddenLine xmlns:a14="http://schemas.microsoft.com/office/drawing/2010/main" xmlns="" w="9525">
+              <a14:hiddenLine xmlns="" xmlns:a14="http://schemas.microsoft.com/office/drawing/2010/main" w="9525">
                 <a:solidFill>
                   <a:srgbClr val="000000"/>
                 </a:solidFill>
@@ -22000,7 +22000,7 @@
           <a:blip r:embed="rId4">
             <a:extLst>
               <a:ext uri="{28A0092B-C50C-407E-A947-70E740481C1C}">
-                <a14:useLocalDpi xmlns:a14="http://schemas.microsoft.com/office/drawing/2010/main" xmlns="" val="0"/>
+                <a14:useLocalDpi xmlns="" xmlns:a14="http://schemas.microsoft.com/office/drawing/2010/main" val="0"/>
               </a:ext>
             </a:extLst>
           </a:blip>
@@ -22023,14 +22023,14 @@
           </a:ln>
           <a:extLst>
             <a:ext uri="{909E8E84-426E-40DD-AFC4-6F175D3DCCD1}">
-              <a14:hiddenFill xmlns:a14="http://schemas.microsoft.com/office/drawing/2010/main" xmlns="">
+              <a14:hiddenFill xmlns="" xmlns:a14="http://schemas.microsoft.com/office/drawing/2010/main">
                 <a:solidFill>
                   <a:srgbClr val="FFFFFF"/>
                 </a:solidFill>
               </a14:hiddenFill>
             </a:ext>
             <a:ext uri="{91240B29-F687-4F45-9708-019B960494DF}">
-              <a14:hiddenLine xmlns:a14="http://schemas.microsoft.com/office/drawing/2010/main" xmlns="" w="9525">
+              <a14:hiddenLine xmlns="" xmlns:a14="http://schemas.microsoft.com/office/drawing/2010/main" w="9525">
                 <a:solidFill>
                   <a:srgbClr val="000000"/>
                 </a:solidFill>
@@ -22307,7 +22307,7 @@
     </p:spTree>
     <p:extLst>
       <p:ext uri="{BB962C8B-B14F-4D97-AF65-F5344CB8AC3E}">
-        <p14:creationId xmlns:p14="http://schemas.microsoft.com/office/powerpoint/2010/main" xmlns="" val="3301995238"/>
+        <p14:creationId xmlns="" xmlns:p14="http://schemas.microsoft.com/office/powerpoint/2010/main" val="3301995238"/>
       </p:ext>
     </p:extLst>
   </p:cSld>
@@ -22499,14 +22499,14 @@
           </a:ln>
           <a:extLst>
             <a:ext uri="{909E8E84-426E-40DD-AFC4-6F175D3DCCD1}">
-              <a14:hiddenFill xmlns:a14="http://schemas.microsoft.com/office/drawing/2010/main" xmlns="">
+              <a14:hiddenFill xmlns="" xmlns:a14="http://schemas.microsoft.com/office/drawing/2010/main">
                 <a:solidFill>
                   <a:srgbClr val="FFFFFF"/>
                 </a:solidFill>
               </a14:hiddenFill>
             </a:ext>
             <a:ext uri="{91240B29-F687-4F45-9708-019B960494DF}">
-              <a14:hiddenLine xmlns:a14="http://schemas.microsoft.com/office/drawing/2010/main" xmlns="" w="9525">
+              <a14:hiddenLine xmlns="" xmlns:a14="http://schemas.microsoft.com/office/drawing/2010/main" w="9525">
                 <a:solidFill>
                   <a:srgbClr val="000000"/>
                 </a:solidFill>
@@ -22668,7 +22668,7 @@
     </p:spTree>
     <p:extLst>
       <p:ext uri="{BB962C8B-B14F-4D97-AF65-F5344CB8AC3E}">
-        <p14:creationId xmlns:p14="http://schemas.microsoft.com/office/powerpoint/2010/main" xmlns="" val="1813179320"/>
+        <p14:creationId xmlns="" xmlns:p14="http://schemas.microsoft.com/office/powerpoint/2010/main" val="1813179320"/>
       </p:ext>
     </p:extLst>
   </p:cSld>
@@ -22720,14 +22720,14 @@
           </a:ln>
           <a:extLst>
             <a:ext uri="{909E8E84-426E-40DD-AFC4-6F175D3DCCD1}">
-              <a14:hiddenFill xmlns:a14="http://schemas.microsoft.com/office/drawing/2010/main" xmlns="">
+              <a14:hiddenFill xmlns="" xmlns:a14="http://schemas.microsoft.com/office/drawing/2010/main">
                 <a:solidFill>
                   <a:srgbClr val="FFFFFF"/>
                 </a:solidFill>
               </a14:hiddenFill>
             </a:ext>
             <a:ext uri="{91240B29-F687-4F45-9708-019B960494DF}">
-              <a14:hiddenLine xmlns:a14="http://schemas.microsoft.com/office/drawing/2010/main" xmlns="" w="9525">
+              <a14:hiddenLine xmlns="" xmlns:a14="http://schemas.microsoft.com/office/drawing/2010/main" w="9525">
                 <a:solidFill>
                   <a:srgbClr val="000000"/>
                 </a:solidFill>
@@ -22908,14 +22908,14 @@
           </a:ln>
           <a:extLst>
             <a:ext uri="{909E8E84-426E-40DD-AFC4-6F175D3DCCD1}">
-              <a14:hiddenFill xmlns:a14="http://schemas.microsoft.com/office/drawing/2010/main" xmlns="">
+              <a14:hiddenFill xmlns="" xmlns:a14="http://schemas.microsoft.com/office/drawing/2010/main">
                 <a:solidFill>
                   <a:srgbClr val="FFFFFF"/>
                 </a:solidFill>
               </a14:hiddenFill>
             </a:ext>
             <a:ext uri="{91240B29-F687-4F45-9708-019B960494DF}">
-              <a14:hiddenLine xmlns:a14="http://schemas.microsoft.com/office/drawing/2010/main" xmlns="" w="9525">
+              <a14:hiddenLine xmlns="" xmlns:a14="http://schemas.microsoft.com/office/drawing/2010/main" w="9525">
                 <a:solidFill>
                   <a:srgbClr val="000000"/>
                 </a:solidFill>
@@ -23197,7 +23197,7 @@
     </p:spTree>
     <p:extLst>
       <p:ext uri="{BB962C8B-B14F-4D97-AF65-F5344CB8AC3E}">
-        <p14:creationId xmlns:p14="http://schemas.microsoft.com/office/powerpoint/2010/main" xmlns="" val="63194241"/>
+        <p14:creationId xmlns="" xmlns:p14="http://schemas.microsoft.com/office/powerpoint/2010/main" val="63194241"/>
       </p:ext>
     </p:extLst>
   </p:cSld>
@@ -23249,14 +23249,14 @@
           </a:ln>
           <a:extLst>
             <a:ext uri="{909E8E84-426E-40DD-AFC4-6F175D3DCCD1}">
-              <a14:hiddenFill xmlns:a14="http://schemas.microsoft.com/office/drawing/2010/main" xmlns="">
+              <a14:hiddenFill xmlns="" xmlns:a14="http://schemas.microsoft.com/office/drawing/2010/main">
                 <a:solidFill>
                   <a:srgbClr val="FFFFFF"/>
                 </a:solidFill>
               </a14:hiddenFill>
             </a:ext>
             <a:ext uri="{91240B29-F687-4F45-9708-019B960494DF}">
-              <a14:hiddenLine xmlns:a14="http://schemas.microsoft.com/office/drawing/2010/main" xmlns="" w="9525">
+              <a14:hiddenLine xmlns="" xmlns:a14="http://schemas.microsoft.com/office/drawing/2010/main" w="9525">
                 <a:solidFill>
                   <a:srgbClr val="000000"/>
                 </a:solidFill>
@@ -23437,14 +23437,14 @@
           </a:ln>
           <a:extLst>
             <a:ext uri="{909E8E84-426E-40DD-AFC4-6F175D3DCCD1}">
-              <a14:hiddenFill xmlns:a14="http://schemas.microsoft.com/office/drawing/2010/main" xmlns="">
+              <a14:hiddenFill xmlns="" xmlns:a14="http://schemas.microsoft.com/office/drawing/2010/main">
                 <a:solidFill>
                   <a:srgbClr val="FFFFFF"/>
                 </a:solidFill>
               </a14:hiddenFill>
             </a:ext>
             <a:ext uri="{91240B29-F687-4F45-9708-019B960494DF}">
-              <a14:hiddenLine xmlns:a14="http://schemas.microsoft.com/office/drawing/2010/main" xmlns="" w="9525">
+              <a14:hiddenLine xmlns="" xmlns:a14="http://schemas.microsoft.com/office/drawing/2010/main" w="9525">
                 <a:solidFill>
                   <a:srgbClr val="000000"/>
                 </a:solidFill>
@@ -23759,7 +23759,7 @@
     </p:spTree>
     <p:extLst>
       <p:ext uri="{BB962C8B-B14F-4D97-AF65-F5344CB8AC3E}">
-        <p14:creationId xmlns:p14="http://schemas.microsoft.com/office/powerpoint/2010/main" xmlns="" val="2715261349"/>
+        <p14:creationId xmlns="" xmlns:p14="http://schemas.microsoft.com/office/powerpoint/2010/main" val="2715261349"/>
       </p:ext>
     </p:extLst>
   </p:cSld>
@@ -24008,14 +24008,14 @@
           </a:ln>
           <a:extLst>
             <a:ext uri="{909E8E84-426E-40DD-AFC4-6F175D3DCCD1}">
-              <a14:hiddenFill xmlns:a14="http://schemas.microsoft.com/office/drawing/2010/main" xmlns="">
+              <a14:hiddenFill xmlns="" xmlns:a14="http://schemas.microsoft.com/office/drawing/2010/main">
                 <a:solidFill>
                   <a:srgbClr val="FFFFFF"/>
                 </a:solidFill>
               </a14:hiddenFill>
             </a:ext>
             <a:ext uri="{91240B29-F687-4F45-9708-019B960494DF}">
-              <a14:hiddenLine xmlns:a14="http://schemas.microsoft.com/office/drawing/2010/main" xmlns="" w="9525">
+              <a14:hiddenLine xmlns="" xmlns:a14="http://schemas.microsoft.com/office/drawing/2010/main" w="9525">
                 <a:solidFill>
                   <a:srgbClr val="000000"/>
                 </a:solidFill>
@@ -24177,7 +24177,7 @@
     </p:spTree>
     <p:extLst>
       <p:ext uri="{BB962C8B-B14F-4D97-AF65-F5344CB8AC3E}">
-        <p14:creationId xmlns:p14="http://schemas.microsoft.com/office/powerpoint/2010/main" xmlns="" val="3330486198"/>
+        <p14:creationId xmlns="" xmlns:p14="http://schemas.microsoft.com/office/powerpoint/2010/main" val="3330486198"/>
       </p:ext>
     </p:extLst>
   </p:cSld>
@@ -24229,14 +24229,14 @@
           </a:ln>
           <a:extLst>
             <a:ext uri="{909E8E84-426E-40DD-AFC4-6F175D3DCCD1}">
-              <a14:hiddenFill xmlns:a14="http://schemas.microsoft.com/office/drawing/2010/main" xmlns="">
+              <a14:hiddenFill xmlns="" xmlns:a14="http://schemas.microsoft.com/office/drawing/2010/main">
                 <a:solidFill>
                   <a:srgbClr val="FFFFFF"/>
                 </a:solidFill>
               </a14:hiddenFill>
             </a:ext>
             <a:ext uri="{91240B29-F687-4F45-9708-019B960494DF}">
-              <a14:hiddenLine xmlns:a14="http://schemas.microsoft.com/office/drawing/2010/main" xmlns="" w="9525">
+              <a14:hiddenLine xmlns="" xmlns:a14="http://schemas.microsoft.com/office/drawing/2010/main" w="9525">
                 <a:solidFill>
                   <a:srgbClr val="000000"/>
                 </a:solidFill>
@@ -24417,14 +24417,14 @@
           </a:ln>
           <a:extLst>
             <a:ext uri="{909E8E84-426E-40DD-AFC4-6F175D3DCCD1}">
-              <a14:hiddenFill xmlns:a14="http://schemas.microsoft.com/office/drawing/2010/main" xmlns="">
+              <a14:hiddenFill xmlns="" xmlns:a14="http://schemas.microsoft.com/office/drawing/2010/main">
                 <a:solidFill>
                   <a:srgbClr val="FFFFFF"/>
                 </a:solidFill>
               </a14:hiddenFill>
             </a:ext>
             <a:ext uri="{91240B29-F687-4F45-9708-019B960494DF}">
-              <a14:hiddenLine xmlns:a14="http://schemas.microsoft.com/office/drawing/2010/main" xmlns="" w="9525">
+              <a14:hiddenLine xmlns="" xmlns:a14="http://schemas.microsoft.com/office/drawing/2010/main" w="9525">
                 <a:solidFill>
                   <a:srgbClr val="000000"/>
                 </a:solidFill>
@@ -24913,7 +24913,7 @@
     </p:spTree>
     <p:extLst>
       <p:ext uri="{BB962C8B-B14F-4D97-AF65-F5344CB8AC3E}">
-        <p14:creationId xmlns:p14="http://schemas.microsoft.com/office/powerpoint/2010/main" xmlns="" val="3465957744"/>
+        <p14:creationId xmlns="" xmlns:p14="http://schemas.microsoft.com/office/powerpoint/2010/main" val="3465957744"/>
       </p:ext>
     </p:extLst>
   </p:cSld>
@@ -24965,14 +24965,14 @@
           </a:ln>
           <a:extLst>
             <a:ext uri="{909E8E84-426E-40DD-AFC4-6F175D3DCCD1}">
-              <a14:hiddenFill xmlns:a14="http://schemas.microsoft.com/office/drawing/2010/main" xmlns="">
+              <a14:hiddenFill xmlns="" xmlns:a14="http://schemas.microsoft.com/office/drawing/2010/main">
                 <a:solidFill>
                   <a:srgbClr val="FFFFFF"/>
                 </a:solidFill>
               </a14:hiddenFill>
             </a:ext>
             <a:ext uri="{91240B29-F687-4F45-9708-019B960494DF}">
-              <a14:hiddenLine xmlns:a14="http://schemas.microsoft.com/office/drawing/2010/main" xmlns="" w="9525">
+              <a14:hiddenLine xmlns="" xmlns:a14="http://schemas.microsoft.com/office/drawing/2010/main" w="9525">
                 <a:solidFill>
                   <a:srgbClr val="000000"/>
                 </a:solidFill>
@@ -25161,7 +25161,7 @@
     </p:spTree>
     <p:extLst>
       <p:ext uri="{BB962C8B-B14F-4D97-AF65-F5344CB8AC3E}">
-        <p14:creationId xmlns:p14="http://schemas.microsoft.com/office/powerpoint/2010/main" xmlns="" val="4094041686"/>
+        <p14:creationId xmlns="" xmlns:p14="http://schemas.microsoft.com/office/powerpoint/2010/main" val="4094041686"/>
       </p:ext>
     </p:extLst>
   </p:cSld>
@@ -25213,14 +25213,14 @@
           </a:ln>
           <a:extLst>
             <a:ext uri="{909E8E84-426E-40DD-AFC4-6F175D3DCCD1}">
-              <a14:hiddenFill xmlns:a14="http://schemas.microsoft.com/office/drawing/2010/main" xmlns="">
+              <a14:hiddenFill xmlns="" xmlns:a14="http://schemas.microsoft.com/office/drawing/2010/main">
                 <a:solidFill>
                   <a:srgbClr val="FFFFFF"/>
                 </a:solidFill>
               </a14:hiddenFill>
             </a:ext>
             <a:ext uri="{91240B29-F687-4F45-9708-019B960494DF}">
-              <a14:hiddenLine xmlns:a14="http://schemas.microsoft.com/office/drawing/2010/main" xmlns="" w="9525">
+              <a14:hiddenLine xmlns="" xmlns:a14="http://schemas.microsoft.com/office/drawing/2010/main" w="9525">
                 <a:solidFill>
                   <a:srgbClr val="000000"/>
                 </a:solidFill>
@@ -25401,14 +25401,14 @@
           </a:ln>
           <a:extLst>
             <a:ext uri="{909E8E84-426E-40DD-AFC4-6F175D3DCCD1}">
-              <a14:hiddenFill xmlns:a14="http://schemas.microsoft.com/office/drawing/2010/main" xmlns="">
+              <a14:hiddenFill xmlns="" xmlns:a14="http://schemas.microsoft.com/office/drawing/2010/main">
                 <a:solidFill>
                   <a:srgbClr val="FFFFFF"/>
                 </a:solidFill>
               </a14:hiddenFill>
             </a:ext>
             <a:ext uri="{91240B29-F687-4F45-9708-019B960494DF}">
-              <a14:hiddenLine xmlns:a14="http://schemas.microsoft.com/office/drawing/2010/main" xmlns="" w="9525">
+              <a14:hiddenLine xmlns="" xmlns:a14="http://schemas.microsoft.com/office/drawing/2010/main" w="9525">
                 <a:solidFill>
                   <a:srgbClr val="000000"/>
                 </a:solidFill>
@@ -25570,7 +25570,7 @@
     </p:spTree>
     <p:extLst>
       <p:ext uri="{BB962C8B-B14F-4D97-AF65-F5344CB8AC3E}">
-        <p14:creationId xmlns:p14="http://schemas.microsoft.com/office/powerpoint/2010/main" xmlns="" val="982057992"/>
+        <p14:creationId xmlns="" xmlns:p14="http://schemas.microsoft.com/office/powerpoint/2010/main" val="982057992"/>
       </p:ext>
     </p:extLst>
   </p:cSld>
@@ -25693,7 +25693,7 @@
             <a:fld id="{4E4CA4AC-7F92-45C2-BB75-3EBFF233EE59}" type="datetime1">
               <a:rPr lang="en-US" smtClean="0"/>
               <a:pPr/>
-              <a:t>3/15/2018</a:t>
+              <a:t>3/28/2018</a:t>
             </a:fld>
             <a:endParaRPr lang="en-US"/>
           </a:p>
@@ -25867,7 +25867,7 @@
     </p:spTree>
     <p:extLst>
       <p:ext uri="{BB962C8B-B14F-4D97-AF65-F5344CB8AC3E}">
-        <p14:creationId xmlns:p14="http://schemas.microsoft.com/office/powerpoint/2010/main" xmlns="" val="4141984023"/>
+        <p14:creationId xmlns="" xmlns:p14="http://schemas.microsoft.com/office/powerpoint/2010/main" val="4141984023"/>
       </p:ext>
     </p:extLst>
   </p:cSld>
@@ -26066,7 +26066,7 @@
             <a:fld id="{8364E16F-F769-45F4-A5DB-3DE97CD17C06}" type="datetime1">
               <a:rPr lang="en-US" smtClean="0"/>
               <a:pPr/>
-              <a:t>3/15/2018</a:t>
+              <a:t>3/28/2018</a:t>
             </a:fld>
             <a:endParaRPr lang="en-US"/>
           </a:p>
@@ -26351,7 +26351,7 @@
             <a:fld id="{9220D2A8-D5CD-4D5E-9CBB-E4F5BDEC0214}" type="datetime1">
               <a:rPr lang="en-US" smtClean="0"/>
               <a:pPr/>
-              <a:t>3/15/2018</a:t>
+              <a:t>3/28/2018</a:t>
             </a:fld>
             <a:endParaRPr lang="en-US"/>
           </a:p>
@@ -26770,7 +26770,7 @@
             <a:fld id="{7B9EA829-6A5A-4F9F-93C6-D124C22EC889}" type="datetime1">
               <a:rPr lang="en-US" smtClean="0"/>
               <a:pPr/>
-              <a:t>3/15/2018</a:t>
+              <a:t>3/28/2018</a:t>
             </a:fld>
             <a:endParaRPr lang="en-US"/>
           </a:p>
@@ -26885,7 +26885,7 @@
             <a:fld id="{F07088DC-60FB-41F2-A0BB-39FD819EDD94}" type="datetime1">
               <a:rPr lang="en-US" smtClean="0"/>
               <a:pPr/>
-              <a:t>3/15/2018</a:t>
+              <a:t>3/28/2018</a:t>
             </a:fld>
             <a:endParaRPr lang="en-US"/>
           </a:p>
@@ -26977,7 +26977,7 @@
             <a:fld id="{A56B7751-9CC4-4691-9C13-B6125BF662B8}" type="datetime1">
               <a:rPr lang="en-US" smtClean="0"/>
               <a:pPr/>
-              <a:t>3/15/2018</a:t>
+              <a:t>3/28/2018</a:t>
             </a:fld>
             <a:endParaRPr lang="en-US"/>
           </a:p>
@@ -27251,7 +27251,7 @@
             <a:fld id="{A797BB4E-754D-45F9-A43F-4878FA142397}" type="datetime1">
               <a:rPr lang="en-US" smtClean="0"/>
               <a:pPr/>
-              <a:t>3/15/2018</a:t>
+              <a:t>3/28/2018</a:t>
             </a:fld>
             <a:endParaRPr lang="en-US"/>
           </a:p>
@@ -27501,7 +27501,7 @@
             <a:fld id="{1E5E7918-70F2-4ADC-AE29-88126140AEC5}" type="datetime1">
               <a:rPr lang="en-US" smtClean="0"/>
               <a:pPr/>
-              <a:t>3/15/2018</a:t>
+              <a:t>3/28/2018</a:t>
             </a:fld>
             <a:endParaRPr lang="en-US"/>
           </a:p>
@@ -27711,7 +27711,7 @@
             <a:fld id="{2EB2A100-E661-4B56-9D9D-38F2193CF8CD}" type="datetime1">
               <a:rPr lang="en-US" smtClean="0"/>
               <a:pPr/>
-              <a:t>3/15/2018</a:t>
+              <a:t>3/28/2018</a:t>
             </a:fld>
             <a:endParaRPr lang="en-US"/>
           </a:p>
@@ -28115,14 +28115,14 @@
           </a:ln>
           <a:extLst>
             <a:ext uri="{909E8E84-426E-40DD-AFC4-6F175D3DCCD1}">
-              <a14:hiddenFill xmlns:a14="http://schemas.microsoft.com/office/drawing/2010/main" xmlns="">
+              <a14:hiddenFill xmlns="" xmlns:a14="http://schemas.microsoft.com/office/drawing/2010/main">
                 <a:solidFill>
                   <a:srgbClr val="FFFFFF"/>
                 </a:solidFill>
               </a14:hiddenFill>
             </a:ext>
             <a:ext uri="{91240B29-F687-4F45-9708-019B960494DF}">
-              <a14:hiddenLine xmlns:a14="http://schemas.microsoft.com/office/drawing/2010/main" xmlns="" w="9525">
+              <a14:hiddenLine xmlns="" xmlns:a14="http://schemas.microsoft.com/office/drawing/2010/main" w="9525">
                 <a:solidFill>
                   <a:srgbClr val="000000"/>
                 </a:solidFill>
@@ -28173,14 +28173,14 @@
           </a:ln>
           <a:extLst>
             <a:ext uri="{909E8E84-426E-40DD-AFC4-6F175D3DCCD1}">
-              <a14:hiddenFill xmlns:a14="http://schemas.microsoft.com/office/drawing/2010/main" xmlns="">
+              <a14:hiddenFill xmlns="" xmlns:a14="http://schemas.microsoft.com/office/drawing/2010/main">
                 <a:solidFill>
                   <a:srgbClr val="FFFFFF"/>
                 </a:solidFill>
               </a14:hiddenFill>
             </a:ext>
             <a:ext uri="{91240B29-F687-4F45-9708-019B960494DF}">
-              <a14:hiddenLine xmlns:a14="http://schemas.microsoft.com/office/drawing/2010/main" xmlns="" w="9525">
+              <a14:hiddenLine xmlns="" xmlns:a14="http://schemas.microsoft.com/office/drawing/2010/main" w="9525">
                 <a:solidFill>
                   <a:srgbClr val="000000"/>
                 </a:solidFill>
@@ -28238,7 +28238,7 @@
     </p:spTree>
     <p:extLst>
       <p:ext uri="{BB962C8B-B14F-4D97-AF65-F5344CB8AC3E}">
-        <p14:creationId xmlns:p14="http://schemas.microsoft.com/office/powerpoint/2010/main" xmlns="" val="2356570800"/>
+        <p14:creationId xmlns="" xmlns:p14="http://schemas.microsoft.com/office/powerpoint/2010/main" val="2356570800"/>
       </p:ext>
     </p:extLst>
   </p:cSld>
@@ -28720,14 +28720,14 @@
           </a:ln>
           <a:extLst>
             <a:ext uri="{909E8E84-426E-40DD-AFC4-6F175D3DCCD1}">
-              <a14:hiddenFill xmlns:a14="http://schemas.microsoft.com/office/drawing/2010/main" xmlns="">
+              <a14:hiddenFill xmlns="" xmlns:a14="http://schemas.microsoft.com/office/drawing/2010/main">
                 <a:solidFill>
                   <a:srgbClr val="FFFFFF"/>
                 </a:solidFill>
               </a14:hiddenFill>
             </a:ext>
             <a:ext uri="{91240B29-F687-4F45-9708-019B960494DF}">
-              <a14:hiddenLine xmlns:a14="http://schemas.microsoft.com/office/drawing/2010/main" xmlns="" w="9525">
+              <a14:hiddenLine xmlns="" xmlns:a14="http://schemas.microsoft.com/office/drawing/2010/main" w="9525">
                 <a:solidFill>
                   <a:srgbClr val="000000"/>
                 </a:solidFill>
@@ -28934,7 +28934,7 @@
     </p:spTree>
     <p:extLst>
       <p:ext uri="{BB962C8B-B14F-4D97-AF65-F5344CB8AC3E}">
-        <p14:creationId xmlns:p14="http://schemas.microsoft.com/office/powerpoint/2010/main" xmlns="" val="1032530273"/>
+        <p14:creationId xmlns="" xmlns:p14="http://schemas.microsoft.com/office/powerpoint/2010/main" val="1032530273"/>
       </p:ext>
     </p:extLst>
   </p:cSld>
@@ -29033,7 +29033,7 @@
             <a:fld id="{F43B1607-691C-45B5-AF95-DB2C7AF77555}" type="datetime1">
               <a:rPr lang="en-US" sz="1000" b="1" smtClean="0"/>
               <a:pPr/>
-              <a:t>3/15/2018</a:t>
+              <a:t>3/28/2018</a:t>
             </a:fld>
             <a:endParaRPr lang="en-US" sz="1000" b="1" dirty="0"/>
           </a:p>
@@ -29114,7 +29114,7 @@
           <a:noFill/>
           <a:extLst>
             <a:ext uri="{909E8E84-426E-40DD-AFC4-6F175D3DCCD1}">
-              <a14:hiddenFill xmlns:a14="http://schemas.microsoft.com/office/drawing/2010/main" xmlns="">
+              <a14:hiddenFill xmlns="" xmlns:a14="http://schemas.microsoft.com/office/drawing/2010/main">
                 <a:solidFill>
                   <a:srgbClr val="FFFFFF"/>
                 </a:solidFill>
@@ -29153,7 +29153,7 @@
           <a:noFill/>
           <a:extLst>
             <a:ext uri="{909E8E84-426E-40DD-AFC4-6F175D3DCCD1}">
-              <a14:hiddenFill xmlns:a14="http://schemas.microsoft.com/office/drawing/2010/main" xmlns="">
+              <a14:hiddenFill xmlns="" xmlns:a14="http://schemas.microsoft.com/office/drawing/2010/main">
                 <a:solidFill>
                   <a:srgbClr val="FFFFFF"/>
                 </a:solidFill>
@@ -29182,7 +29182,7 @@
           <p:nvPr>
             <p:extLst>
               <p:ext uri="{D42A27DB-BD31-4B8C-83A1-F6EECF244321}">
-                <p14:modId xmlns:p14="http://schemas.microsoft.com/office/powerpoint/2010/main" xmlns="" val="1830581936"/>
+                <p14:modId xmlns="" xmlns:p14="http://schemas.microsoft.com/office/powerpoint/2010/main" val="1830581936"/>
               </p:ext>
             </p:extLst>
           </p:nvPr>
@@ -30751,7 +30751,7 @@
     </p:spTree>
     <p:extLst>
       <p:ext uri="{BB962C8B-B14F-4D97-AF65-F5344CB8AC3E}">
-        <p14:creationId xmlns:p14="http://schemas.microsoft.com/office/powerpoint/2010/main" xmlns="" val="1812348266"/>
+        <p14:creationId xmlns="" xmlns:p14="http://schemas.microsoft.com/office/powerpoint/2010/main" val="1812348266"/>
       </p:ext>
     </p:extLst>
   </p:cSld>
@@ -30847,7 +30847,7 @@
             <a:fld id="{F43B1607-691C-45B5-AF95-DB2C7AF77555}" type="datetime1">
               <a:rPr lang="en-US" sz="1000" b="1" smtClean="0"/>
               <a:pPr/>
-              <a:t>3/15/2018</a:t>
+              <a:t>3/28/2018</a:t>
             </a:fld>
             <a:endParaRPr lang="en-US" sz="1000" b="1" dirty="0"/>
           </a:p>
@@ -30928,7 +30928,7 @@
           <a:noFill/>
           <a:extLst>
             <a:ext uri="{909E8E84-426E-40DD-AFC4-6F175D3DCCD1}">
-              <a14:hiddenFill xmlns:a14="http://schemas.microsoft.com/office/drawing/2010/main" xmlns="">
+              <a14:hiddenFill xmlns="" xmlns:a14="http://schemas.microsoft.com/office/drawing/2010/main">
                 <a:solidFill>
                   <a:srgbClr val="FFFFFF"/>
                 </a:solidFill>
@@ -30967,7 +30967,7 @@
           <a:noFill/>
           <a:extLst>
             <a:ext uri="{909E8E84-426E-40DD-AFC4-6F175D3DCCD1}">
-              <a14:hiddenFill xmlns:a14="http://schemas.microsoft.com/office/drawing/2010/main" xmlns="">
+              <a14:hiddenFill xmlns="" xmlns:a14="http://schemas.microsoft.com/office/drawing/2010/main">
                 <a:solidFill>
                   <a:srgbClr val="FFFFFF"/>
                 </a:solidFill>
@@ -30996,7 +30996,7 @@
           <p:nvPr>
             <p:extLst>
               <p:ext uri="{D42A27DB-BD31-4B8C-83A1-F6EECF244321}">
-                <p14:modId xmlns:p14="http://schemas.microsoft.com/office/powerpoint/2010/main" xmlns="" val="3452429563"/>
+                <p14:modId xmlns="" xmlns:p14="http://schemas.microsoft.com/office/powerpoint/2010/main" val="3452429563"/>
               </p:ext>
             </p:extLst>
           </p:nvPr>
@@ -32115,7 +32115,7 @@
     </p:spTree>
     <p:extLst>
       <p:ext uri="{BB962C8B-B14F-4D97-AF65-F5344CB8AC3E}">
-        <p14:creationId xmlns:p14="http://schemas.microsoft.com/office/powerpoint/2010/main" xmlns="" val="1019541794"/>
+        <p14:creationId xmlns="" xmlns:p14="http://schemas.microsoft.com/office/powerpoint/2010/main" val="1019541794"/>
       </p:ext>
     </p:extLst>
   </p:cSld>
@@ -32158,7 +32158,7 @@
           <p:nvPr>
             <p:extLst>
               <p:ext uri="{D42A27DB-BD31-4B8C-83A1-F6EECF244321}">
-                <p14:modId xmlns:p14="http://schemas.microsoft.com/office/powerpoint/2010/main" xmlns="" val="1171784203"/>
+                <p14:modId xmlns="" xmlns:p14="http://schemas.microsoft.com/office/powerpoint/2010/main" val="1171784203"/>
               </p:ext>
             </p:extLst>
           </p:nvPr>
@@ -33013,7 +33013,7 @@
             <a:fld id="{F43B1607-691C-45B5-AF95-DB2C7AF77555}" type="datetime1">
               <a:rPr lang="en-US" sz="1000" b="1" smtClean="0"/>
               <a:pPr/>
-              <a:t>3/15/2018</a:t>
+              <a:t>3/28/2018</a:t>
             </a:fld>
             <a:endParaRPr lang="en-US" sz="1000" b="1" dirty="0"/>
           </a:p>
@@ -33078,7 +33078,7 @@
     </p:spTree>
     <p:extLst>
       <p:ext uri="{BB962C8B-B14F-4D97-AF65-F5344CB8AC3E}">
-        <p14:creationId xmlns:p14="http://schemas.microsoft.com/office/powerpoint/2010/main" xmlns="" val="998850071"/>
+        <p14:creationId xmlns="" xmlns:p14="http://schemas.microsoft.com/office/powerpoint/2010/main" val="998850071"/>
       </p:ext>
     </p:extLst>
   </p:cSld>
@@ -33174,7 +33174,7 @@
             <a:fld id="{F43B1607-691C-45B5-AF95-DB2C7AF77555}" type="datetime1">
               <a:rPr lang="en-US" sz="1000" b="1" smtClean="0"/>
               <a:pPr/>
-              <a:t>3/15/2018</a:t>
+              <a:t>3/28/2018</a:t>
             </a:fld>
             <a:endParaRPr lang="en-US" sz="1000" b="1" dirty="0"/>
           </a:p>
@@ -33243,7 +33243,7 @@
           <p:nvPr>
             <p:extLst>
               <p:ext uri="{D42A27DB-BD31-4B8C-83A1-F6EECF244321}">
-                <p14:modId xmlns:p14="http://schemas.microsoft.com/office/powerpoint/2010/main" xmlns="" val="2431794794"/>
+                <p14:modId xmlns="" xmlns:p14="http://schemas.microsoft.com/office/powerpoint/2010/main" val="2431794794"/>
               </p:ext>
             </p:extLst>
           </p:nvPr>
@@ -33261,7 +33261,7 @@
     </p:spTree>
     <p:extLst>
       <p:ext uri="{BB962C8B-B14F-4D97-AF65-F5344CB8AC3E}">
-        <p14:creationId xmlns:p14="http://schemas.microsoft.com/office/powerpoint/2010/main" xmlns="" val="1250226216"/>
+        <p14:creationId xmlns="" xmlns:p14="http://schemas.microsoft.com/office/powerpoint/2010/main" val="1250226216"/>
       </p:ext>
     </p:extLst>
   </p:cSld>
@@ -33357,7 +33357,7 @@
             <a:fld id="{F43B1607-691C-45B5-AF95-DB2C7AF77555}" type="datetime1">
               <a:rPr lang="en-US" sz="1000" b="1" smtClean="0"/>
               <a:pPr/>
-              <a:t>3/15/2018</a:t>
+              <a:t>3/28/2018</a:t>
             </a:fld>
             <a:endParaRPr lang="en-US" sz="1000" b="1" dirty="0"/>
           </a:p>
@@ -33595,7 +33595,7 @@
           <p:nvPr>
             <p:extLst>
               <p:ext uri="{D42A27DB-BD31-4B8C-83A1-F6EECF244321}">
-                <p14:modId xmlns:p14="http://schemas.microsoft.com/office/powerpoint/2010/main" xmlns="" val="1760939218"/>
+                <p14:modId xmlns="" xmlns:p14="http://schemas.microsoft.com/office/powerpoint/2010/main" val="1760939218"/>
               </p:ext>
             </p:extLst>
           </p:nvPr>
@@ -33617,7 +33617,7 @@
           <p:nvPr>
             <p:extLst>
               <p:ext uri="{D42A27DB-BD31-4B8C-83A1-F6EECF244321}">
-                <p14:modId xmlns:p14="http://schemas.microsoft.com/office/powerpoint/2010/main" xmlns="" val="4166258250"/>
+                <p14:modId xmlns="" xmlns:p14="http://schemas.microsoft.com/office/powerpoint/2010/main" val="4166258250"/>
               </p:ext>
             </p:extLst>
           </p:nvPr>
@@ -33673,7 +33673,7 @@
     </p:spTree>
     <p:extLst>
       <p:ext uri="{BB962C8B-B14F-4D97-AF65-F5344CB8AC3E}">
-        <p14:creationId xmlns:p14="http://schemas.microsoft.com/office/powerpoint/2010/main" xmlns="" val="2665608320"/>
+        <p14:creationId xmlns="" xmlns:p14="http://schemas.microsoft.com/office/powerpoint/2010/main" val="2665608320"/>
       </p:ext>
     </p:extLst>
   </p:cSld>
@@ -33769,7 +33769,7 @@
             <a:fld id="{F43B1607-691C-45B5-AF95-DB2C7AF77555}" type="datetime1">
               <a:rPr lang="en-US" sz="1000" b="1" smtClean="0"/>
               <a:pPr/>
-              <a:t>3/15/2018</a:t>
+              <a:t>3/28/2018</a:t>
             </a:fld>
             <a:endParaRPr lang="en-US" sz="1000" b="1" dirty="0"/>
           </a:p>
@@ -33838,7 +33838,7 @@
           <p:nvPr>
             <p:extLst>
               <p:ext uri="{D42A27DB-BD31-4B8C-83A1-F6EECF244321}">
-                <p14:modId xmlns:p14="http://schemas.microsoft.com/office/powerpoint/2010/main" xmlns="" val="4036258552"/>
+                <p14:modId xmlns="" xmlns:p14="http://schemas.microsoft.com/office/powerpoint/2010/main" val="4036258552"/>
               </p:ext>
             </p:extLst>
           </p:nvPr>
@@ -34743,7 +34743,7 @@
     </p:spTree>
     <p:extLst>
       <p:ext uri="{BB962C8B-B14F-4D97-AF65-F5344CB8AC3E}">
-        <p14:creationId xmlns:p14="http://schemas.microsoft.com/office/powerpoint/2010/main" xmlns="" val="3468575514"/>
+        <p14:creationId xmlns="" xmlns:p14="http://schemas.microsoft.com/office/powerpoint/2010/main" val="3468575514"/>
       </p:ext>
     </p:extLst>
   </p:cSld>
@@ -34887,7 +34887,7 @@
             <a:fld id="{F43B1607-691C-45B5-AF95-DB2C7AF77555}" type="datetime1">
               <a:rPr lang="en-US" sz="1000" b="1" smtClean="0"/>
               <a:pPr/>
-              <a:t>3/15/2018</a:t>
+              <a:t>3/28/2018</a:t>
             </a:fld>
             <a:endParaRPr lang="en-US" sz="1000" b="1" dirty="0"/>
           </a:p>
@@ -35017,7 +35017,7 @@
           <p:nvPr>
             <p:extLst>
               <p:ext uri="{D42A27DB-BD31-4B8C-83A1-F6EECF244321}">
-                <p14:modId xmlns:p14="http://schemas.microsoft.com/office/powerpoint/2010/main" xmlns="" val="3353744326"/>
+                <p14:modId xmlns="" xmlns:p14="http://schemas.microsoft.com/office/powerpoint/2010/main" val="3353744326"/>
               </p:ext>
             </p:extLst>
           </p:nvPr>
@@ -35195,7 +35195,7 @@
           <a:blip r:embed="rId6">
             <a:extLst>
               <a:ext uri="{28A0092B-C50C-407E-A947-70E740481C1C}">
-                <a14:useLocalDpi xmlns:a14="http://schemas.microsoft.com/office/drawing/2010/main" xmlns="" val="0"/>
+                <a14:useLocalDpi xmlns="" xmlns:a14="http://schemas.microsoft.com/office/drawing/2010/main" val="0"/>
               </a:ext>
             </a:extLst>
           </a:blip>
@@ -35218,14 +35218,14 @@
           </a:ln>
           <a:extLst>
             <a:ext uri="{909E8E84-426E-40DD-AFC4-6F175D3DCCD1}">
-              <a14:hiddenFill xmlns:a14="http://schemas.microsoft.com/office/drawing/2010/main" xmlns="">
+              <a14:hiddenFill xmlns="" xmlns:a14="http://schemas.microsoft.com/office/drawing/2010/main">
                 <a:solidFill>
                   <a:schemeClr val="accent1"/>
                 </a:solidFill>
               </a14:hiddenFill>
             </a:ext>
             <a:ext uri="{91240B29-F687-4F45-9708-019B960494DF}">
-              <a14:hiddenLine xmlns:a14="http://schemas.microsoft.com/office/drawing/2010/main" xmlns="" w="9525">
+              <a14:hiddenLine xmlns="" xmlns:a14="http://schemas.microsoft.com/office/drawing/2010/main" w="9525">
                 <a:solidFill>
                   <a:schemeClr val="tx1"/>
                 </a:solidFill>
@@ -35249,7 +35249,7 @@
           <a:blip r:embed="rId7" cstate="print">
             <a:extLst>
               <a:ext uri="{28A0092B-C50C-407E-A947-70E740481C1C}">
-                <a14:useLocalDpi xmlns:a14="http://schemas.microsoft.com/office/drawing/2010/main" xmlns="" val="0"/>
+                <a14:useLocalDpi xmlns="" xmlns:a14="http://schemas.microsoft.com/office/drawing/2010/main" val="0"/>
               </a:ext>
             </a:extLst>
           </a:blip>
@@ -35272,14 +35272,14 @@
           </a:ln>
           <a:extLst>
             <a:ext uri="{909E8E84-426E-40DD-AFC4-6F175D3DCCD1}">
-              <a14:hiddenFill xmlns:a14="http://schemas.microsoft.com/office/drawing/2010/main" xmlns="">
+              <a14:hiddenFill xmlns="" xmlns:a14="http://schemas.microsoft.com/office/drawing/2010/main">
                 <a:solidFill>
                   <a:schemeClr val="accent1"/>
                 </a:solidFill>
               </a14:hiddenFill>
             </a:ext>
             <a:ext uri="{91240B29-F687-4F45-9708-019B960494DF}">
-              <a14:hiddenLine xmlns:a14="http://schemas.microsoft.com/office/drawing/2010/main" xmlns="" w="9525">
+              <a14:hiddenLine xmlns="" xmlns:a14="http://schemas.microsoft.com/office/drawing/2010/main" w="9525">
                 <a:solidFill>
                   <a:schemeClr val="tx1"/>
                 </a:solidFill>
@@ -35303,7 +35303,7 @@
           <a:blip r:embed="rId8" cstate="print">
             <a:extLst>
               <a:ext uri="{28A0092B-C50C-407E-A947-70E740481C1C}">
-                <a14:useLocalDpi xmlns:a14="http://schemas.microsoft.com/office/drawing/2010/main" xmlns="" val="0"/>
+                <a14:useLocalDpi xmlns="" xmlns:a14="http://schemas.microsoft.com/office/drawing/2010/main" val="0"/>
               </a:ext>
             </a:extLst>
           </a:blip>
@@ -35326,14 +35326,14 @@
           </a:ln>
           <a:extLst>
             <a:ext uri="{909E8E84-426E-40DD-AFC4-6F175D3DCCD1}">
-              <a14:hiddenFill xmlns:a14="http://schemas.microsoft.com/office/drawing/2010/main" xmlns="">
+              <a14:hiddenFill xmlns="" xmlns:a14="http://schemas.microsoft.com/office/drawing/2010/main">
                 <a:solidFill>
                   <a:schemeClr val="accent1"/>
                 </a:solidFill>
               </a14:hiddenFill>
             </a:ext>
             <a:ext uri="{91240B29-F687-4F45-9708-019B960494DF}">
-              <a14:hiddenLine xmlns:a14="http://schemas.microsoft.com/office/drawing/2010/main" xmlns="" w="9525">
+              <a14:hiddenLine xmlns="" xmlns:a14="http://schemas.microsoft.com/office/drawing/2010/main" w="9525">
                 <a:solidFill>
                   <a:schemeClr val="tx1"/>
                 </a:solidFill>
@@ -35357,7 +35357,7 @@
           <a:blip r:embed="rId9">
             <a:extLst>
               <a:ext uri="{28A0092B-C50C-407E-A947-70E740481C1C}">
-                <a14:useLocalDpi xmlns:a14="http://schemas.microsoft.com/office/drawing/2010/main" xmlns="" val="0"/>
+                <a14:useLocalDpi xmlns="" xmlns:a14="http://schemas.microsoft.com/office/drawing/2010/main" val="0"/>
               </a:ext>
             </a:extLst>
           </a:blip>
@@ -35380,14 +35380,14 @@
           </a:ln>
           <a:extLst>
             <a:ext uri="{909E8E84-426E-40DD-AFC4-6F175D3DCCD1}">
-              <a14:hiddenFill xmlns:a14="http://schemas.microsoft.com/office/drawing/2010/main" xmlns="">
+              <a14:hiddenFill xmlns="" xmlns:a14="http://schemas.microsoft.com/office/drawing/2010/main">
                 <a:solidFill>
                   <a:schemeClr val="accent1"/>
                 </a:solidFill>
               </a14:hiddenFill>
             </a:ext>
             <a:ext uri="{91240B29-F687-4F45-9708-019B960494DF}">
-              <a14:hiddenLine xmlns:a14="http://schemas.microsoft.com/office/drawing/2010/main" xmlns="" w="9525">
+              <a14:hiddenLine xmlns="" xmlns:a14="http://schemas.microsoft.com/office/drawing/2010/main" w="9525">
                 <a:solidFill>
                   <a:schemeClr val="tx1"/>
                 </a:solidFill>
@@ -35411,7 +35411,7 @@
           <a:blip r:embed="rId10">
             <a:extLst>
               <a:ext uri="{28A0092B-C50C-407E-A947-70E740481C1C}">
-                <a14:useLocalDpi xmlns:a14="http://schemas.microsoft.com/office/drawing/2010/main" xmlns="" val="0"/>
+                <a14:useLocalDpi xmlns="" xmlns:a14="http://schemas.microsoft.com/office/drawing/2010/main" val="0"/>
               </a:ext>
             </a:extLst>
           </a:blip>
@@ -35434,14 +35434,14 @@
           </a:ln>
           <a:extLst>
             <a:ext uri="{909E8E84-426E-40DD-AFC4-6F175D3DCCD1}">
-              <a14:hiddenFill xmlns:a14="http://schemas.microsoft.com/office/drawing/2010/main" xmlns="">
+              <a14:hiddenFill xmlns="" xmlns:a14="http://schemas.microsoft.com/office/drawing/2010/main">
                 <a:solidFill>
                   <a:schemeClr val="accent1"/>
                 </a:solidFill>
               </a14:hiddenFill>
             </a:ext>
             <a:ext uri="{91240B29-F687-4F45-9708-019B960494DF}">
-              <a14:hiddenLine xmlns:a14="http://schemas.microsoft.com/office/drawing/2010/main" xmlns="" w="9525">
+              <a14:hiddenLine xmlns="" xmlns:a14="http://schemas.microsoft.com/office/drawing/2010/main" w="9525">
                 <a:solidFill>
                   <a:schemeClr val="tx1"/>
                 </a:solidFill>
@@ -35555,7 +35555,7 @@
     </p:spTree>
     <p:extLst>
       <p:ext uri="{BB962C8B-B14F-4D97-AF65-F5344CB8AC3E}">
-        <p14:creationId xmlns:p14="http://schemas.microsoft.com/office/powerpoint/2010/main" xmlns="" val="4064948093"/>
+        <p14:creationId xmlns="" xmlns:p14="http://schemas.microsoft.com/office/powerpoint/2010/main" val="4064948093"/>
       </p:ext>
     </p:extLst>
   </p:cSld>
@@ -35718,7 +35718,23 @@
                   <a:srgbClr val="002060"/>
                 </a:solidFill>
               </a:rPr>
-              <a:t>Evolving Banking Customer’s experience</a:t>
+              <a:t>Evolving Banking </a:t>
+            </a:r>
+            <a:r>
+              <a:rPr lang="en-US" sz="2800" b="1" dirty="0" smtClean="0">
+                <a:solidFill>
+                  <a:srgbClr val="002060"/>
+                </a:solidFill>
+              </a:rPr>
+              <a:t>Customer </a:t>
+            </a:r>
+            <a:r>
+              <a:rPr lang="en-US" sz="2800" b="1" dirty="0" smtClean="0">
+                <a:solidFill>
+                  <a:srgbClr val="002060"/>
+                </a:solidFill>
+              </a:rPr>
+              <a:t>experience</a:t>
             </a:r>
             <a:endParaRPr lang="en-US" sz="2800" b="1" dirty="0">
               <a:solidFill>
@@ -35751,7 +35767,7 @@
             <a:fld id="{F43B1607-691C-45B5-AF95-DB2C7AF77555}" type="datetime1">
               <a:rPr lang="en-US" sz="1000" b="1" smtClean="0"/>
               <a:pPr/>
-              <a:t>3/15/2018</a:t>
+              <a:t>3/28/2018</a:t>
             </a:fld>
             <a:endParaRPr lang="en-US" sz="1000" b="1" dirty="0"/>
           </a:p>
@@ -35832,7 +35848,7 @@
           <a:noFill/>
           <a:extLst>
             <a:ext uri="{909E8E84-426E-40DD-AFC4-6F175D3DCCD1}">
-              <a14:hiddenFill xmlns:a14="http://schemas.microsoft.com/office/drawing/2010/main" xmlns="">
+              <a14:hiddenFill xmlns="" xmlns:a14="http://schemas.microsoft.com/office/drawing/2010/main">
                 <a:solidFill>
                   <a:srgbClr val="FFFFFF"/>
                 </a:solidFill>
@@ -35871,7 +35887,7 @@
           <a:noFill/>
           <a:extLst>
             <a:ext uri="{909E8E84-426E-40DD-AFC4-6F175D3DCCD1}">
-              <a14:hiddenFill xmlns:a14="http://schemas.microsoft.com/office/drawing/2010/main" xmlns="">
+              <a14:hiddenFill xmlns="" xmlns:a14="http://schemas.microsoft.com/office/drawing/2010/main">
                 <a:solidFill>
                   <a:srgbClr val="FFFFFF"/>
                 </a:solidFill>
@@ -36170,7 +36186,7 @@
           <a:blip r:embed="rId6" cstate="print">
             <a:extLst>
               <a:ext uri="{BEBA8EAE-BF5A-486C-A8C5-ECC9F3942E4B}">
-                <a14:imgProps xmlns:a14="http://schemas.microsoft.com/office/drawing/2010/main" xmlns="">
+                <a14:imgProps xmlns="" xmlns:a14="http://schemas.microsoft.com/office/drawing/2010/main">
                   <a14:imgLayer r:embed="rId7">
                     <a14:imgEffect>
                       <a14:brightnessContrast bright="-11000"/>
@@ -36179,7 +36195,7 @@
                 </a14:imgProps>
               </a:ext>
               <a:ext uri="{28A0092B-C50C-407E-A947-70E740481C1C}">
-                <a14:useLocalDpi xmlns:a14="http://schemas.microsoft.com/office/drawing/2010/main" xmlns="" val="0"/>
+                <a14:useLocalDpi xmlns="" xmlns:a14="http://schemas.microsoft.com/office/drawing/2010/main" val="0"/>
               </a:ext>
             </a:extLst>
           </a:blip>
@@ -36204,7 +36220,7 @@
           </a:ln>
           <a:extLst>
             <a:ext uri="{909E8E84-426E-40DD-AFC4-6F175D3DCCD1}">
-              <a14:hiddenFill xmlns:a14="http://schemas.microsoft.com/office/drawing/2010/main" xmlns="">
+              <a14:hiddenFill xmlns="" xmlns:a14="http://schemas.microsoft.com/office/drawing/2010/main">
                 <a:solidFill>
                   <a:srgbClr val="FFFFFF"/>
                 </a:solidFill>
@@ -39443,7 +39459,7 @@
           <p:nvPr>
             <p:extLst>
               <p:ext uri="{D42A27DB-BD31-4B8C-83A1-F6EECF244321}">
-                <p14:modId xmlns:p14="http://schemas.microsoft.com/office/powerpoint/2010/main" xmlns="" val="2951295960"/>
+                <p14:modId xmlns="" xmlns:p14="http://schemas.microsoft.com/office/powerpoint/2010/main" val="2951295960"/>
               </p:ext>
             </p:extLst>
           </p:nvPr>
@@ -39920,7 +39936,7 @@
           <a:blip r:embed="rId12" cstate="print">
             <a:extLst>
               <a:ext uri="{28A0092B-C50C-407E-A947-70E740481C1C}">
-                <a14:useLocalDpi xmlns:a14="http://schemas.microsoft.com/office/drawing/2010/main" xmlns="" val="0"/>
+                <a14:useLocalDpi xmlns="" xmlns:a14="http://schemas.microsoft.com/office/drawing/2010/main" val="0"/>
               </a:ext>
             </a:extLst>
           </a:blip>
@@ -40013,7 +40029,7 @@
           <a:blip r:embed="rId14" cstate="print">
             <a:extLst>
               <a:ext uri="{28A0092B-C50C-407E-A947-70E740481C1C}">
-                <a14:useLocalDpi xmlns:a14="http://schemas.microsoft.com/office/drawing/2010/main" xmlns="" val="0"/>
+                <a14:useLocalDpi xmlns="" xmlns:a14="http://schemas.microsoft.com/office/drawing/2010/main" val="0"/>
               </a:ext>
             </a:extLst>
           </a:blip>
@@ -40033,7 +40049,7 @@
           <a:noFill/>
           <a:extLst>
             <a:ext uri="{909E8E84-426E-40DD-AFC4-6F175D3DCCD1}">
-              <a14:hiddenFill xmlns:a14="http://schemas.microsoft.com/office/drawing/2010/main" xmlns="">
+              <a14:hiddenFill xmlns="" xmlns:a14="http://schemas.microsoft.com/office/drawing/2010/main">
                 <a:solidFill>
                   <a:srgbClr val="FFFFFF"/>
                 </a:solidFill>
@@ -40045,7 +40061,7 @@
     </p:spTree>
     <p:extLst>
       <p:ext uri="{BB962C8B-B14F-4D97-AF65-F5344CB8AC3E}">
-        <p14:creationId xmlns:p14="http://schemas.microsoft.com/office/powerpoint/2010/main" xmlns="" val="3230389514"/>
+        <p14:creationId xmlns="" xmlns:p14="http://schemas.microsoft.com/office/powerpoint/2010/main" val="3230389514"/>
       </p:ext>
     </p:extLst>
   </p:cSld>
@@ -40149,7 +40165,7 @@
             <a:fld id="{F43B1607-691C-45B5-AF95-DB2C7AF77555}" type="datetime1">
               <a:rPr lang="en-US" sz="1000" b="1" smtClean="0"/>
               <a:pPr/>
-              <a:t>3/15/2018</a:t>
+              <a:t>3/28/2018</a:t>
             </a:fld>
             <a:endParaRPr lang="en-US" sz="1000" b="1" dirty="0"/>
           </a:p>
@@ -40624,7 +40640,7 @@
           <a:blip r:embed="rId4" cstate="print">
             <a:extLst>
               <a:ext uri="{28A0092B-C50C-407E-A947-70E740481C1C}">
-                <a14:useLocalDpi xmlns:a14="http://schemas.microsoft.com/office/drawing/2010/main" xmlns="" val="0"/>
+                <a14:useLocalDpi xmlns="" xmlns:a14="http://schemas.microsoft.com/office/drawing/2010/main" val="0"/>
               </a:ext>
             </a:extLst>
           </a:blip>
@@ -40644,7 +40660,7 @@
           <a:noFill/>
           <a:extLst>
             <a:ext uri="{909E8E84-426E-40DD-AFC4-6F175D3DCCD1}">
-              <a14:hiddenFill xmlns:a14="http://schemas.microsoft.com/office/drawing/2010/main" xmlns="">
+              <a14:hiddenFill xmlns="" xmlns:a14="http://schemas.microsoft.com/office/drawing/2010/main">
                 <a:solidFill>
                   <a:srgbClr val="FFFFFF"/>
                 </a:solidFill>
@@ -43117,7 +43133,7 @@
     </p:spTree>
     <p:extLst>
       <p:ext uri="{BB962C8B-B14F-4D97-AF65-F5344CB8AC3E}">
-        <p14:creationId xmlns:p14="http://schemas.microsoft.com/office/powerpoint/2010/main" xmlns="" val="56526329"/>
+        <p14:creationId xmlns="" xmlns:p14="http://schemas.microsoft.com/office/powerpoint/2010/main" val="56526329"/>
       </p:ext>
     </p:extLst>
   </p:cSld>
@@ -43245,7 +43261,7 @@
             <a:fld id="{F43B1607-691C-45B5-AF95-DB2C7AF77555}" type="datetime1">
               <a:rPr lang="en-US" sz="1000" b="1" smtClean="0"/>
               <a:pPr/>
-              <a:t>3/15/2018</a:t>
+              <a:t>3/28/2018</a:t>
             </a:fld>
             <a:endParaRPr lang="en-US" sz="1000" b="1" dirty="0"/>
           </a:p>
@@ -43427,7 +43443,7 @@
             <a:fld id="{F43B1607-691C-45B5-AF95-DB2C7AF77555}" type="datetime1">
               <a:rPr lang="en-US" sz="1000" b="1" smtClean="0"/>
               <a:pPr/>
-              <a:t>3/15/2018</a:t>
+              <a:t>3/28/2018</a:t>
             </a:fld>
             <a:endParaRPr lang="en-US" sz="1000" b="1" dirty="0"/>
           </a:p>
@@ -43525,10 +43541,10 @@
                   </a:schemeClr>
                 </a:solidFill>
               </a:rPr>
-              <a:t>Customer Account </a:t>
+              <a:t>Customer Account microservice </a:t>
             </a:r>
             <a:r>
-              <a:rPr lang="en-US" sz="1100" b="1" dirty="0" smtClean="0">
+              <a:rPr lang="en-US" sz="1100" dirty="0" smtClean="0">
                 <a:solidFill>
                   <a:schemeClr val="tx1">
                     <a:lumMod val="75000"/>
@@ -43536,38 +43552,8 @@
                   </a:schemeClr>
                 </a:solidFill>
               </a:rPr>
-              <a:t>microservice </a:t>
+              <a:t>(endpoint : customers/2000/accounts method=GET) </a:t>
             </a:r>
-            <a:r>
-              <a:rPr lang="en-US" sz="1100" dirty="0" smtClean="0">
-                <a:solidFill>
-                  <a:schemeClr val="tx1">
-                    <a:lumMod val="75000"/>
-                    <a:lumOff val="25000"/>
-                  </a:schemeClr>
-                </a:solidFill>
-              </a:rPr>
-              <a:t>(endpoint : customers/2000/accounts method=GET)</a:t>
-            </a:r>
-            <a:r>
-              <a:rPr lang="en-US" sz="1100" dirty="0" smtClean="0">
-                <a:solidFill>
-                  <a:schemeClr val="tx1">
-                    <a:lumMod val="75000"/>
-                    <a:lumOff val="25000"/>
-                  </a:schemeClr>
-                </a:solidFill>
-              </a:rPr>
-              <a:t> </a:t>
-            </a:r>
-            <a:endParaRPr lang="en-US" sz="1100" dirty="0" smtClean="0">
-              <a:solidFill>
-                <a:schemeClr val="tx1">
-                  <a:lumMod val="75000"/>
-                  <a:lumOff val="25000"/>
-                </a:schemeClr>
-              </a:solidFill>
-            </a:endParaRPr>
           </a:p>
           <a:p>
             <a:pPr marL="262890" lvl="0" indent="-171450">
@@ -43618,14 +43604,6 @@
               </a:rPr>
               <a:t>=1234001 method=GET)</a:t>
             </a:r>
-            <a:endParaRPr lang="en-US" sz="1100" dirty="0" smtClean="0">
-              <a:solidFill>
-                <a:schemeClr val="tx1">
-                  <a:lumMod val="75000"/>
-                  <a:lumOff val="25000"/>
-                </a:schemeClr>
-              </a:solidFill>
-            </a:endParaRPr>
           </a:p>
           <a:p>
             <a:pPr marL="262890" lvl="0" indent="-171450">
@@ -43654,14 +43632,6 @@
               </a:rPr>
               <a:t>: moneymovement/ method POST , message format=JSON)</a:t>
             </a:r>
-            <a:endParaRPr lang="en-US" sz="1100" dirty="0" smtClean="0">
-              <a:solidFill>
-                <a:schemeClr val="tx1">
-                  <a:lumMod val="75000"/>
-                  <a:lumOff val="25000"/>
-                </a:schemeClr>
-              </a:solidFill>
-            </a:endParaRPr>
           </a:p>
           <a:p>
             <a:pPr marL="91440" lvl="0"/>
@@ -43778,7 +43748,7 @@
             <a:fld id="{F43B1607-691C-45B5-AF95-DB2C7AF77555}" type="datetime1">
               <a:rPr lang="en-US" sz="1000" b="1" smtClean="0"/>
               <a:pPr/>
-              <a:t>3/15/2018</a:t>
+              <a:t>3/28/2018</a:t>
             </a:fld>
             <a:endParaRPr lang="en-US" sz="1000" b="1" dirty="0"/>
           </a:p>
